--- a/docs/part1ca/07_FP/CA_Lecture_07.pptx
+++ b/docs/part1ca/07_FP/CA_Lecture_07.pptx
@@ -141,7 +141,7 @@
   </p:defaultTextStyle>
   <p:extLst>
     <p:ext uri="{EFAFB233-063F-42B5-8137-9DF3F51BA10A}">
-      <p15:sldGuideLst xmlns:p15="http://schemas.microsoft.com/office/powerpoint/2012/main">
+      <p15:sldGuideLst xmlns:p15="http://schemas.microsoft.com/office/powerpoint/2012/main" xmlns="">
         <p15:guide id="1" orient="horz" pos="2160">
           <p15:clr>
             <a:srgbClr val="A4A3A4"/>
@@ -155,7 +155,7 @@
       </p15:sldGuideLst>
     </p:ext>
     <p:ext uri="{2D200454-40CA-4A62-9FC3-DE9A4176ACB9}">
-      <p15:notesGuideLst xmlns:p15="http://schemas.microsoft.com/office/powerpoint/2012/main">
+      <p15:notesGuideLst xmlns:p15="http://schemas.microsoft.com/office/powerpoint/2012/main" xmlns="">
         <p15:guide id="1" orient="horz" pos="2880">
           <p15:clr>
             <a:srgbClr val="A4A3A4"/>
@@ -263,7 +263,7 @@
             <a:fld id="{D0106195-8D78-4F6F-B8E4-FA67975ACEF5}" type="datetimeFigureOut">
               <a:rPr lang="ru-RU" smtClean="0"/>
               <a:pPr/>
-              <a:t>14.12.2020</a:t>
+              <a:t>02.02.2021</a:t>
             </a:fld>
             <a:endParaRPr lang="ru-RU"/>
           </a:p>
@@ -339,7 +339,7 @@
     </p:spTree>
     <p:extLst>
       <p:ext uri="{BB962C8B-B14F-4D97-AF65-F5344CB8AC3E}">
-        <p14:creationId xmlns:p14="http://schemas.microsoft.com/office/powerpoint/2010/main" val="827279973"/>
+        <p14:creationId xmlns:p14="http://schemas.microsoft.com/office/powerpoint/2010/main" xmlns="" val="827279973"/>
       </p:ext>
     </p:extLst>
   </p:cSld>
@@ -431,7 +431,7 @@
             <a:fld id="{878212F1-C3D9-4F2B-8F42-5E960FE8BE51}" type="datetimeFigureOut">
               <a:rPr lang="ru-RU" smtClean="0"/>
               <a:pPr/>
-              <a:t>14.12.2020</a:t>
+              <a:t>02.02.2021</a:t>
             </a:fld>
             <a:endParaRPr lang="ru-RU"/>
           </a:p>
@@ -600,7 +600,7 @@
     </p:spTree>
     <p:extLst>
       <p:ext uri="{BB962C8B-B14F-4D97-AF65-F5344CB8AC3E}">
-        <p14:creationId xmlns:p14="http://schemas.microsoft.com/office/powerpoint/2010/main" val="3865021395"/>
+        <p14:creationId xmlns:p14="http://schemas.microsoft.com/office/powerpoint/2010/main" xmlns="" val="3865021395"/>
       </p:ext>
     </p:extLst>
   </p:cSld>
@@ -814,7 +814,7 @@
     </p:spTree>
     <p:extLst>
       <p:ext uri="{BB962C8B-B14F-4D97-AF65-F5344CB8AC3E}">
-        <p14:creationId xmlns:p14="http://schemas.microsoft.com/office/powerpoint/2010/main" val="2381791527"/>
+        <p14:creationId xmlns:p14="http://schemas.microsoft.com/office/powerpoint/2010/main" xmlns="" val="2381791527"/>
       </p:ext>
     </p:extLst>
   </p:cSld>
@@ -937,7 +937,7 @@
     </p:spTree>
     <p:extLst>
       <p:ext uri="{BB962C8B-B14F-4D97-AF65-F5344CB8AC3E}">
-        <p14:creationId xmlns:p14="http://schemas.microsoft.com/office/powerpoint/2010/main" val="1915950851"/>
+        <p14:creationId xmlns:p14="http://schemas.microsoft.com/office/powerpoint/2010/main" xmlns="" val="1915950851"/>
       </p:ext>
     </p:extLst>
   </p:cSld>
@@ -1197,7 +1197,7 @@
     </p:spTree>
     <p:extLst>
       <p:ext uri="{BB962C8B-B14F-4D97-AF65-F5344CB8AC3E}">
-        <p14:creationId xmlns:p14="http://schemas.microsoft.com/office/powerpoint/2010/main" val="322455162"/>
+        <p14:creationId xmlns:p14="http://schemas.microsoft.com/office/powerpoint/2010/main" xmlns="" val="322455162"/>
       </p:ext>
     </p:extLst>
   </p:cSld>
@@ -1371,7 +1371,7 @@
     </p:spTree>
     <p:extLst>
       <p:ext uri="{BB962C8B-B14F-4D97-AF65-F5344CB8AC3E}">
-        <p14:creationId xmlns:p14="http://schemas.microsoft.com/office/powerpoint/2010/main" val="971117636"/>
+        <p14:creationId xmlns:p14="http://schemas.microsoft.com/office/powerpoint/2010/main" xmlns="" val="971117636"/>
       </p:ext>
     </p:extLst>
   </p:cSld>
@@ -1548,7 +1548,7 @@
     </p:spTree>
     <p:extLst>
       <p:ext uri="{BB962C8B-B14F-4D97-AF65-F5344CB8AC3E}">
-        <p14:creationId xmlns:p14="http://schemas.microsoft.com/office/powerpoint/2010/main" val="3348877825"/>
+        <p14:creationId xmlns:p14="http://schemas.microsoft.com/office/powerpoint/2010/main" xmlns="" val="3348877825"/>
       </p:ext>
     </p:extLst>
   </p:cSld>
@@ -1873,7 +1873,7 @@
     </p:spTree>
     <p:extLst>
       <p:ext uri="{BB962C8B-B14F-4D97-AF65-F5344CB8AC3E}">
-        <p14:creationId xmlns:p14="http://schemas.microsoft.com/office/powerpoint/2010/main" val="3256953994"/>
+        <p14:creationId xmlns:p14="http://schemas.microsoft.com/office/powerpoint/2010/main" xmlns="" val="3256953994"/>
       </p:ext>
     </p:extLst>
   </p:cSld>
@@ -2123,7 +2123,7 @@
     </p:spTree>
     <p:extLst>
       <p:ext uri="{BB962C8B-B14F-4D97-AF65-F5344CB8AC3E}">
-        <p14:creationId xmlns:p14="http://schemas.microsoft.com/office/powerpoint/2010/main" val="3067076846"/>
+        <p14:creationId xmlns:p14="http://schemas.microsoft.com/office/powerpoint/2010/main" xmlns="" val="3067076846"/>
       </p:ext>
     </p:extLst>
   </p:cSld>
@@ -2359,7 +2359,7 @@
     </p:spTree>
     <p:extLst>
       <p:ext uri="{BB962C8B-B14F-4D97-AF65-F5344CB8AC3E}">
-        <p14:creationId xmlns:p14="http://schemas.microsoft.com/office/powerpoint/2010/main" val="3710015975"/>
+        <p14:creationId xmlns:p14="http://schemas.microsoft.com/office/powerpoint/2010/main" xmlns="" val="3710015975"/>
       </p:ext>
     </p:extLst>
   </p:cSld>
@@ -2730,7 +2730,7 @@
     </p:spTree>
     <p:extLst>
       <p:ext uri="{BB962C8B-B14F-4D97-AF65-F5344CB8AC3E}">
-        <p14:creationId xmlns:p14="http://schemas.microsoft.com/office/powerpoint/2010/main" val="4075590966"/>
+        <p14:creationId xmlns:p14="http://schemas.microsoft.com/office/powerpoint/2010/main" xmlns="" val="4075590966"/>
       </p:ext>
     </p:extLst>
   </p:cSld>
@@ -2852,7 +2852,7 @@
     </p:spTree>
     <p:extLst>
       <p:ext uri="{BB962C8B-B14F-4D97-AF65-F5344CB8AC3E}">
-        <p14:creationId xmlns:p14="http://schemas.microsoft.com/office/powerpoint/2010/main" val="2889604898"/>
+        <p14:creationId xmlns:p14="http://schemas.microsoft.com/office/powerpoint/2010/main" xmlns="" val="2889604898"/>
       </p:ext>
     </p:extLst>
   </p:cSld>
@@ -2951,7 +2951,7 @@
     </p:spTree>
     <p:extLst>
       <p:ext uri="{BB962C8B-B14F-4D97-AF65-F5344CB8AC3E}">
-        <p14:creationId xmlns:p14="http://schemas.microsoft.com/office/powerpoint/2010/main" val="152384765"/>
+        <p14:creationId xmlns:p14="http://schemas.microsoft.com/office/powerpoint/2010/main" xmlns="" val="152384765"/>
       </p:ext>
     </p:extLst>
   </p:cSld>
@@ -3232,7 +3232,7 @@
     </p:spTree>
     <p:extLst>
       <p:ext uri="{BB962C8B-B14F-4D97-AF65-F5344CB8AC3E}">
-        <p14:creationId xmlns:p14="http://schemas.microsoft.com/office/powerpoint/2010/main" val="2127791886"/>
+        <p14:creationId xmlns:p14="http://schemas.microsoft.com/office/powerpoint/2010/main" xmlns="" val="2127791886"/>
       </p:ext>
     </p:extLst>
   </p:cSld>
@@ -3489,7 +3489,7 @@
     </p:spTree>
     <p:extLst>
       <p:ext uri="{BB962C8B-B14F-4D97-AF65-F5344CB8AC3E}">
-        <p14:creationId xmlns:p14="http://schemas.microsoft.com/office/powerpoint/2010/main" val="1752705130"/>
+        <p14:creationId xmlns:p14="http://schemas.microsoft.com/office/powerpoint/2010/main" xmlns="" val="1752705130"/>
       </p:ext>
     </p:extLst>
   </p:cSld>
@@ -3742,7 +3742,7 @@
     </p:spTree>
     <p:extLst>
       <p:ext uri="{BB962C8B-B14F-4D97-AF65-F5344CB8AC3E}">
-        <p14:creationId xmlns:p14="http://schemas.microsoft.com/office/powerpoint/2010/main" val="968833914"/>
+        <p14:creationId xmlns:p14="http://schemas.microsoft.com/office/powerpoint/2010/main" xmlns="" val="968833914"/>
       </p:ext>
     </p:extLst>
   </p:cSld>
@@ -4111,8 +4111,12 @@
               <a:t>Lecture </a:t>
             </a:r>
             <a:r>
-              <a:rPr lang="en-US" b="1" dirty="0" smtClean="0"/>
-              <a:t>8: </a:t>
+              <a:rPr lang="ru-RU" b="1" smtClean="0"/>
+              <a:t>7</a:t>
+            </a:r>
+            <a:r>
+              <a:rPr lang="en-US" b="1" smtClean="0"/>
+              <a:t>: </a:t>
             </a:r>
             <a:r>
               <a:rPr lang="en-US" b="1" dirty="0" smtClean="0"/>
@@ -4219,7 +4223,7 @@
     </p:spTree>
     <p:extLst>
       <p:ext uri="{BB962C8B-B14F-4D97-AF65-F5344CB8AC3E}">
-        <p14:creationId xmlns:p14="http://schemas.microsoft.com/office/powerpoint/2010/main" val="2492894732"/>
+        <p14:creationId xmlns:p14="http://schemas.microsoft.com/office/powerpoint/2010/main" xmlns="" val="2492894732"/>
       </p:ext>
     </p:extLst>
   </p:cSld>
@@ -4468,52 +4472,9 @@
         </p:xfrm>
         <a:graphic>
           <a:graphicData uri="http://schemas.openxmlformats.org/presentationml/2006/ole">
-            <mc:AlternateContent xmlns:mc="http://schemas.openxmlformats.org/markup-compatibility/2006">
-              <mc:Choice xmlns:v="urn:schemas-microsoft-com:vml" Requires="v">
-                <p:oleObj spid="_x0000_s19460" name="Equation" r:id="rId3" imgW="2032000" imgH="228600" progId="Equation.3">
-                  <p:embed/>
-                </p:oleObj>
-              </mc:Choice>
-              <mc:Fallback>
-                <p:oleObj name="Equation" r:id="rId3" imgW="2032000" imgH="228600" progId="Equation.3">
-                  <p:embed/>
-                  <p:pic>
-                    <p:nvPicPr>
-                      <p:cNvPr id="0" name="Object 8"/>
-                      <p:cNvPicPr>
-                        <a:picLocks noChangeAspect="1" noChangeArrowheads="1"/>
-                      </p:cNvPicPr>
-                      <p:nvPr/>
-                    </p:nvPicPr>
-                    <p:blipFill>
-                      <a:blip r:embed="rId4">
-                        <a:extLst>
-                          <a:ext uri="{28A0092B-C50C-407E-A947-70E740481C1C}">
-                            <a14:useLocalDpi xmlns:a14="http://schemas.microsoft.com/office/drawing/2010/main" val="0"/>
-                          </a:ext>
-                        </a:extLst>
-                      </a:blip>
-                      <a:srcRect/>
-                      <a:stretch>
-                        <a:fillRect/>
-                      </a:stretch>
-                    </p:blipFill>
-                    <p:spPr bwMode="auto">
-                      <a:xfrm>
-                        <a:off x="3212649" y="1769423"/>
-                        <a:ext cx="6155477" cy="692790"/>
-                      </a:xfrm>
-                      <a:prstGeom prst="rect">
-                        <a:avLst/>
-                      </a:prstGeom>
-                      <a:solidFill>
-                        <a:schemeClr val="accent2"/>
-                      </a:solidFill>
-                    </p:spPr>
-                  </p:pic>
-                </p:oleObj>
-              </mc:Fallback>
-            </mc:AlternateContent>
+            <p:oleObj spid="_x0000_s19460" name="Equation" r:id="rId3" imgW="2032000" imgH="228600" progId="Equation.3">
+              <p:embed/>
+            </p:oleObj>
           </a:graphicData>
         </a:graphic>
       </p:graphicFrame>
@@ -4531,52 +4492,9 @@
         </p:xfrm>
         <a:graphic>
           <a:graphicData uri="http://schemas.openxmlformats.org/presentationml/2006/ole">
-            <mc:AlternateContent xmlns:mc="http://schemas.openxmlformats.org/markup-compatibility/2006">
-              <mc:Choice xmlns:v="urn:schemas-microsoft-com:vml" Requires="v">
-                <p:oleObj spid="_x0000_s19461" name="Equation" r:id="rId5" imgW="2019300" imgH="228600" progId="Equation.3">
-                  <p:embed/>
-                </p:oleObj>
-              </mc:Choice>
-              <mc:Fallback>
-                <p:oleObj name="Equation" r:id="rId5" imgW="2019300" imgH="228600" progId="Equation.3">
-                  <p:embed/>
-                  <p:pic>
-                    <p:nvPicPr>
-                      <p:cNvPr id="0" name="Object 11"/>
-                      <p:cNvPicPr>
-                        <a:picLocks noChangeAspect="1" noChangeArrowheads="1"/>
-                      </p:cNvPicPr>
-                      <p:nvPr/>
-                    </p:nvPicPr>
-                    <p:blipFill>
-                      <a:blip r:embed="rId6">
-                        <a:extLst>
-                          <a:ext uri="{28A0092B-C50C-407E-A947-70E740481C1C}">
-                            <a14:useLocalDpi xmlns:a14="http://schemas.microsoft.com/office/drawing/2010/main" val="0"/>
-                          </a:ext>
-                        </a:extLst>
-                      </a:blip>
-                      <a:srcRect/>
-                      <a:stretch>
-                        <a:fillRect/>
-                      </a:stretch>
-                    </p:blipFill>
-                    <p:spPr bwMode="auto">
-                      <a:xfrm>
-                        <a:off x="3272024" y="4227624"/>
-                        <a:ext cx="6117307" cy="688589"/>
-                      </a:xfrm>
-                      <a:prstGeom prst="rect">
-                        <a:avLst/>
-                      </a:prstGeom>
-                      <a:solidFill>
-                        <a:schemeClr val="accent2"/>
-                      </a:solidFill>
-                    </p:spPr>
-                  </p:pic>
-                </p:oleObj>
-              </mc:Fallback>
-            </mc:AlternateContent>
+            <p:oleObj spid="_x0000_s19461" name="Equation" r:id="rId4" imgW="2019300" imgH="228600" progId="Equation.3">
+              <p:embed/>
+            </p:oleObj>
           </a:graphicData>
         </a:graphic>
       </p:graphicFrame>
@@ -11713,59 +11631,9 @@
         </p:xfrm>
         <a:graphic>
           <a:graphicData uri="http://schemas.openxmlformats.org/presentationml/2006/ole">
-            <mc:AlternateContent xmlns:mc="http://schemas.openxmlformats.org/markup-compatibility/2006">
-              <mc:Choice xmlns:v="urn:schemas-microsoft-com:vml" Requires="v">
-                <p:oleObj spid="_x0000_s20485" name="Worksheet" r:id="rId4" imgW="5305330" imgH="1914573" progId="Excel.Sheet.8">
-                  <p:embed/>
-                </p:oleObj>
-              </mc:Choice>
-              <mc:Fallback>
-                <p:oleObj name="Worksheet" r:id="rId4" imgW="5305330" imgH="1914573" progId="Excel.Sheet.8">
-                  <p:embed/>
-                  <p:pic>
-                    <p:nvPicPr>
-                      <p:cNvPr id="0" name="Object 5"/>
-                      <p:cNvPicPr>
-                        <a:picLocks noChangeAspect="1" noChangeArrowheads="1"/>
-                      </p:cNvPicPr>
-                      <p:nvPr/>
-                    </p:nvPicPr>
-                    <p:blipFill>
-                      <a:blip r:embed="rId5">
-                        <a:extLst>
-                          <a:ext uri="{28A0092B-C50C-407E-A947-70E740481C1C}">
-                            <a14:useLocalDpi xmlns:a14="http://schemas.microsoft.com/office/drawing/2010/main" val="0"/>
-                          </a:ext>
-                        </a:extLst>
-                      </a:blip>
-                      <a:srcRect/>
-                      <a:stretch>
-                        <a:fillRect/>
-                      </a:stretch>
-                    </p:blipFill>
-                    <p:spPr bwMode="auto">
-                      <a:xfrm>
-                        <a:off x="3624201" y="2840924"/>
-                        <a:ext cx="5238750" cy="1914525"/>
-                      </a:xfrm>
-                      <a:prstGeom prst="rect">
-                        <a:avLst/>
-                      </a:prstGeom>
-                      <a:noFill/>
-                      <a:extLst>
-                        <a:ext uri="{909E8E84-426E-40DD-AFC4-6F175D3DCCD1}">
-                          <a14:hiddenFill xmlns:a14="http://schemas.microsoft.com/office/drawing/2010/main">
-                            <a:solidFill>
-                              <a:srgbClr val="FFFFFF"/>
-                            </a:solidFill>
-                          </a14:hiddenFill>
-                        </a:ext>
-                      </a:extLst>
-                    </p:spPr>
-                  </p:pic>
-                </p:oleObj>
-              </mc:Fallback>
-            </mc:AlternateContent>
+            <p:oleObj spid="_x0000_s20485" name="Worksheet" r:id="rId3" imgW="5305330" imgH="1914573" progId="Excel.Sheet.8">
+              <p:embed/>
+            </p:oleObj>
           </a:graphicData>
         </a:graphic>
       </p:graphicFrame>
@@ -12952,7 +12820,7 @@
     </p:spTree>
     <p:extLst>
       <p:ext uri="{BB962C8B-B14F-4D97-AF65-F5344CB8AC3E}">
-        <p14:creationId xmlns:p14="http://schemas.microsoft.com/office/powerpoint/2010/main" val="4217875043"/>
+        <p14:creationId xmlns:p14="http://schemas.microsoft.com/office/powerpoint/2010/main" xmlns="" val="4217875043"/>
       </p:ext>
     </p:extLst>
   </p:cSld>
@@ -13734,52 +13602,9 @@
         </p:xfrm>
         <a:graphic>
           <a:graphicData uri="http://schemas.openxmlformats.org/presentationml/2006/ole">
-            <mc:AlternateContent xmlns:mc="http://schemas.openxmlformats.org/markup-compatibility/2006">
-              <mc:Choice xmlns:v="urn:schemas-microsoft-com:vml" Requires="v">
-                <p:oleObj spid="_x0000_s1027" name="Уравнение" r:id="rId3" imgW="2450880" imgH="228600" progId="Equation.3">
-                  <p:embed/>
-                </p:oleObj>
-              </mc:Choice>
-              <mc:Fallback>
-                <p:oleObj name="Уравнение" r:id="rId3" imgW="2450880" imgH="228600" progId="Equation.3">
-                  <p:embed/>
-                  <p:pic>
-                    <p:nvPicPr>
-                      <p:cNvPr id="0" name="Object 9"/>
-                      <p:cNvPicPr>
-                        <a:picLocks noChangeAspect="1" noChangeArrowheads="1"/>
-                      </p:cNvPicPr>
-                      <p:nvPr/>
-                    </p:nvPicPr>
-                    <p:blipFill>
-                      <a:blip r:embed="rId4">
-                        <a:extLst>
-                          <a:ext uri="{28A0092B-C50C-407E-A947-70E740481C1C}">
-                            <a14:useLocalDpi xmlns:a14="http://schemas.microsoft.com/office/drawing/2010/main" val="0"/>
-                          </a:ext>
-                        </a:extLst>
-                      </a:blip>
-                      <a:srcRect/>
-                      <a:stretch>
-                        <a:fillRect/>
-                      </a:stretch>
-                    </p:blipFill>
-                    <p:spPr bwMode="auto">
-                      <a:xfrm>
-                        <a:off x="3115125" y="2405750"/>
-                        <a:ext cx="5867400" cy="546100"/>
-                      </a:xfrm>
-                      <a:prstGeom prst="rect">
-                        <a:avLst/>
-                      </a:prstGeom>
-                      <a:solidFill>
-                        <a:schemeClr val="accent2"/>
-                      </a:solidFill>
-                    </p:spPr>
-                  </p:pic>
-                </p:oleObj>
-              </mc:Fallback>
-            </mc:AlternateContent>
+            <p:oleObj spid="_x0000_s1027" name="Уравнение" r:id="rId3" imgW="2451100" imgH="228600" progId="Equation.3">
+              <p:embed/>
+            </p:oleObj>
           </a:graphicData>
         </a:graphic>
       </p:graphicFrame>
@@ -15281,7 +15106,7 @@
   <a:extraClrSchemeLst/>
   <a:extLst>
     <a:ext uri="{05A4C25C-085E-4340-85A3-A5531E510DB2}">
-      <thm15:themeFamily xmlns:thm15="http://schemas.microsoft.com/office/thememl/2012/main" name="Office Theme" id="{62F939B6-93AF-4DB8-9C6B-D6C7DFDC589F}" vid="{4A3C46E8-61CC-4603-A589-7422A47A8E4A}"/>
+      <thm15:themeFamily xmlns:thm15="http://schemas.microsoft.com/office/thememl/2012/main" xmlns="" name="Office Theme" id="{62F939B6-93AF-4DB8-9C6B-D6C7DFDC589F}" vid="{4A3C46E8-61CC-4603-A589-7422A47A8E4A}"/>
     </a:ext>
   </a:extLst>
 </a:theme>
@@ -15542,7 +15367,7 @@
   <a:extraClrSchemeLst/>
   <a:extLst>
     <a:ext uri="{05A4C25C-085E-4340-85A3-A5531E510DB2}">
-      <thm15:themeFamily xmlns:thm15="http://schemas.microsoft.com/office/thememl/2012/main" name="Office Theme" id="{62F939B6-93AF-4DB8-9C6B-D6C7DFDC589F}" vid="{4A3C46E8-61CC-4603-A589-7422A47A8E4A}"/>
+      <thm15:themeFamily xmlns:thm15="http://schemas.microsoft.com/office/thememl/2012/main" xmlns="" name="Office Theme" id="{62F939B6-93AF-4DB8-9C6B-D6C7DFDC589F}" vid="{4A3C46E8-61CC-4603-A589-7422A47A8E4A}"/>
     </a:ext>
   </a:extLst>
 </a:theme>
@@ -15803,7 +15628,7 @@
   <a:extraClrSchemeLst/>
   <a:extLst>
     <a:ext uri="{05A4C25C-085E-4340-85A3-A5531E510DB2}">
-      <thm15:themeFamily xmlns:thm15="http://schemas.microsoft.com/office/thememl/2012/main" name="Office Theme" id="{62F939B6-93AF-4DB8-9C6B-D6C7DFDC589F}" vid="{4A3C46E8-61CC-4603-A589-7422A47A8E4A}"/>
+      <thm15:themeFamily xmlns:thm15="http://schemas.microsoft.com/office/thememl/2012/main" xmlns="" name="Office Theme" id="{62F939B6-93AF-4DB8-9C6B-D6C7DFDC589F}" vid="{4A3C46E8-61CC-4603-A589-7422A47A8E4A}"/>
     </a:ext>
   </a:extLst>
 </a:theme>

--- a/docs/part1ca/07_FP/CA_Lecture_07.pptx
+++ b/docs/part1ca/07_FP/CA_Lecture_07.pptx
@@ -5,10 +5,10 @@
     <p:sldMasterId id="2147483648" r:id="rId1"/>
   </p:sldMasterIdLst>
   <p:notesMasterIdLst>
-    <p:notesMasterId r:id="rId32"/>
+    <p:notesMasterId r:id="rId33"/>
   </p:notesMasterIdLst>
   <p:handoutMasterIdLst>
-    <p:handoutMasterId r:id="rId33"/>
+    <p:handoutMasterId r:id="rId34"/>
   </p:handoutMasterIdLst>
   <p:sldIdLst>
     <p:sldId id="256" r:id="rId2"/>
@@ -22,25 +22,26 @@
     <p:sldId id="287" r:id="rId10"/>
     <p:sldId id="288" r:id="rId11"/>
     <p:sldId id="289" r:id="rId12"/>
-    <p:sldId id="290" r:id="rId13"/>
-    <p:sldId id="291" r:id="rId14"/>
-    <p:sldId id="292" r:id="rId15"/>
-    <p:sldId id="293" r:id="rId16"/>
-    <p:sldId id="294" r:id="rId17"/>
-    <p:sldId id="295" r:id="rId18"/>
-    <p:sldId id="296" r:id="rId19"/>
-    <p:sldId id="301" r:id="rId20"/>
-    <p:sldId id="302" r:id="rId21"/>
-    <p:sldId id="303" r:id="rId22"/>
-    <p:sldId id="304" r:id="rId23"/>
-    <p:sldId id="305" r:id="rId24"/>
-    <p:sldId id="306" r:id="rId25"/>
-    <p:sldId id="307" r:id="rId26"/>
-    <p:sldId id="300" r:id="rId27"/>
-    <p:sldId id="297" r:id="rId28"/>
-    <p:sldId id="298" r:id="rId29"/>
-    <p:sldId id="299" r:id="rId30"/>
-    <p:sldId id="272" r:id="rId31"/>
+    <p:sldId id="308" r:id="rId13"/>
+    <p:sldId id="290" r:id="rId14"/>
+    <p:sldId id="291" r:id="rId15"/>
+    <p:sldId id="292" r:id="rId16"/>
+    <p:sldId id="293" r:id="rId17"/>
+    <p:sldId id="294" r:id="rId18"/>
+    <p:sldId id="295" r:id="rId19"/>
+    <p:sldId id="296" r:id="rId20"/>
+    <p:sldId id="301" r:id="rId21"/>
+    <p:sldId id="302" r:id="rId22"/>
+    <p:sldId id="303" r:id="rId23"/>
+    <p:sldId id="304" r:id="rId24"/>
+    <p:sldId id="305" r:id="rId25"/>
+    <p:sldId id="306" r:id="rId26"/>
+    <p:sldId id="307" r:id="rId27"/>
+    <p:sldId id="300" r:id="rId28"/>
+    <p:sldId id="297" r:id="rId29"/>
+    <p:sldId id="298" r:id="rId30"/>
+    <p:sldId id="299" r:id="rId31"/>
+    <p:sldId id="272" r:id="rId32"/>
   </p:sldIdLst>
   <p:sldSz cx="12192000" cy="6858000"/>
   <p:notesSz cx="6858000" cy="9144000"/>
@@ -141,7 +142,7 @@
   </p:defaultTextStyle>
   <p:extLst>
     <p:ext uri="{EFAFB233-063F-42B5-8137-9DF3F51BA10A}">
-      <p15:sldGuideLst xmlns:p15="http://schemas.microsoft.com/office/powerpoint/2012/main" xmlns="">
+      <p15:sldGuideLst xmlns="" xmlns:p15="http://schemas.microsoft.com/office/powerpoint/2012/main">
         <p15:guide id="1" orient="horz" pos="2160">
           <p15:clr>
             <a:srgbClr val="A4A3A4"/>
@@ -155,7 +156,7 @@
       </p15:sldGuideLst>
     </p:ext>
     <p:ext uri="{2D200454-40CA-4A62-9FC3-DE9A4176ACB9}">
-      <p15:notesGuideLst xmlns:p15="http://schemas.microsoft.com/office/powerpoint/2012/main" xmlns="">
+      <p15:notesGuideLst xmlns="" xmlns:p15="http://schemas.microsoft.com/office/powerpoint/2012/main">
         <p15:guide id="1" orient="horz" pos="2880">
           <p15:clr>
             <a:srgbClr val="A4A3A4"/>
@@ -339,7 +340,7 @@
     </p:spTree>
     <p:extLst>
       <p:ext uri="{BB962C8B-B14F-4D97-AF65-F5344CB8AC3E}">
-        <p14:creationId xmlns:p14="http://schemas.microsoft.com/office/powerpoint/2010/main" xmlns="" val="827279973"/>
+        <p14:creationId xmlns="" xmlns:p14="http://schemas.microsoft.com/office/powerpoint/2010/main" val="827279973"/>
       </p:ext>
     </p:extLst>
   </p:cSld>
@@ -600,7 +601,7 @@
     </p:spTree>
     <p:extLst>
       <p:ext uri="{BB962C8B-B14F-4D97-AF65-F5344CB8AC3E}">
-        <p14:creationId xmlns:p14="http://schemas.microsoft.com/office/powerpoint/2010/main" xmlns="" val="3865021395"/>
+        <p14:creationId xmlns="" xmlns:p14="http://schemas.microsoft.com/office/powerpoint/2010/main" val="3865021395"/>
       </p:ext>
     </p:extLst>
   </p:cSld>
@@ -814,7 +815,7 @@
     </p:spTree>
     <p:extLst>
       <p:ext uri="{BB962C8B-B14F-4D97-AF65-F5344CB8AC3E}">
-        <p14:creationId xmlns:p14="http://schemas.microsoft.com/office/powerpoint/2010/main" xmlns="" val="2381791527"/>
+        <p14:creationId xmlns="" xmlns:p14="http://schemas.microsoft.com/office/powerpoint/2010/main" val="2381791527"/>
       </p:ext>
     </p:extLst>
   </p:cSld>
@@ -928,7 +929,7 @@
             <a:fld id="{5583B3A5-99BF-45D9-956B-DC57CC23AD97}" type="slidenum">
               <a:rPr lang="ru-RU" smtClean="0"/>
               <a:pPr/>
-              <a:t>30</a:t>
+              <a:t>31</a:t>
             </a:fld>
             <a:endParaRPr lang="ru-RU"/>
           </a:p>
@@ -937,7 +938,7 @@
     </p:spTree>
     <p:extLst>
       <p:ext uri="{BB962C8B-B14F-4D97-AF65-F5344CB8AC3E}">
-        <p14:creationId xmlns:p14="http://schemas.microsoft.com/office/powerpoint/2010/main" xmlns="" val="1915950851"/>
+        <p14:creationId xmlns="" xmlns:p14="http://schemas.microsoft.com/office/powerpoint/2010/main" val="1915950851"/>
       </p:ext>
     </p:extLst>
   </p:cSld>
@@ -1197,7 +1198,7 @@
     </p:spTree>
     <p:extLst>
       <p:ext uri="{BB962C8B-B14F-4D97-AF65-F5344CB8AC3E}">
-        <p14:creationId xmlns:p14="http://schemas.microsoft.com/office/powerpoint/2010/main" xmlns="" val="322455162"/>
+        <p14:creationId xmlns="" xmlns:p14="http://schemas.microsoft.com/office/powerpoint/2010/main" val="322455162"/>
       </p:ext>
     </p:extLst>
   </p:cSld>
@@ -1371,7 +1372,7 @@
     </p:spTree>
     <p:extLst>
       <p:ext uri="{BB962C8B-B14F-4D97-AF65-F5344CB8AC3E}">
-        <p14:creationId xmlns:p14="http://schemas.microsoft.com/office/powerpoint/2010/main" xmlns="" val="971117636"/>
+        <p14:creationId xmlns="" xmlns:p14="http://schemas.microsoft.com/office/powerpoint/2010/main" val="971117636"/>
       </p:ext>
     </p:extLst>
   </p:cSld>
@@ -1548,7 +1549,7 @@
     </p:spTree>
     <p:extLst>
       <p:ext uri="{BB962C8B-B14F-4D97-AF65-F5344CB8AC3E}">
-        <p14:creationId xmlns:p14="http://schemas.microsoft.com/office/powerpoint/2010/main" xmlns="" val="3348877825"/>
+        <p14:creationId xmlns="" xmlns:p14="http://schemas.microsoft.com/office/powerpoint/2010/main" val="3348877825"/>
       </p:ext>
     </p:extLst>
   </p:cSld>
@@ -1873,7 +1874,7 @@
     </p:spTree>
     <p:extLst>
       <p:ext uri="{BB962C8B-B14F-4D97-AF65-F5344CB8AC3E}">
-        <p14:creationId xmlns:p14="http://schemas.microsoft.com/office/powerpoint/2010/main" xmlns="" val="3256953994"/>
+        <p14:creationId xmlns="" xmlns:p14="http://schemas.microsoft.com/office/powerpoint/2010/main" val="3256953994"/>
       </p:ext>
     </p:extLst>
   </p:cSld>
@@ -2123,7 +2124,7 @@
     </p:spTree>
     <p:extLst>
       <p:ext uri="{BB962C8B-B14F-4D97-AF65-F5344CB8AC3E}">
-        <p14:creationId xmlns:p14="http://schemas.microsoft.com/office/powerpoint/2010/main" xmlns="" val="3067076846"/>
+        <p14:creationId xmlns="" xmlns:p14="http://schemas.microsoft.com/office/powerpoint/2010/main" val="3067076846"/>
       </p:ext>
     </p:extLst>
   </p:cSld>
@@ -2359,7 +2360,7 @@
     </p:spTree>
     <p:extLst>
       <p:ext uri="{BB962C8B-B14F-4D97-AF65-F5344CB8AC3E}">
-        <p14:creationId xmlns:p14="http://schemas.microsoft.com/office/powerpoint/2010/main" xmlns="" val="3710015975"/>
+        <p14:creationId xmlns="" xmlns:p14="http://schemas.microsoft.com/office/powerpoint/2010/main" val="3710015975"/>
       </p:ext>
     </p:extLst>
   </p:cSld>
@@ -2730,7 +2731,7 @@
     </p:spTree>
     <p:extLst>
       <p:ext uri="{BB962C8B-B14F-4D97-AF65-F5344CB8AC3E}">
-        <p14:creationId xmlns:p14="http://schemas.microsoft.com/office/powerpoint/2010/main" xmlns="" val="4075590966"/>
+        <p14:creationId xmlns="" xmlns:p14="http://schemas.microsoft.com/office/powerpoint/2010/main" val="4075590966"/>
       </p:ext>
     </p:extLst>
   </p:cSld>
@@ -2852,7 +2853,7 @@
     </p:spTree>
     <p:extLst>
       <p:ext uri="{BB962C8B-B14F-4D97-AF65-F5344CB8AC3E}">
-        <p14:creationId xmlns:p14="http://schemas.microsoft.com/office/powerpoint/2010/main" xmlns="" val="2889604898"/>
+        <p14:creationId xmlns="" xmlns:p14="http://schemas.microsoft.com/office/powerpoint/2010/main" val="2889604898"/>
       </p:ext>
     </p:extLst>
   </p:cSld>
@@ -2951,7 +2952,7 @@
     </p:spTree>
     <p:extLst>
       <p:ext uri="{BB962C8B-B14F-4D97-AF65-F5344CB8AC3E}">
-        <p14:creationId xmlns:p14="http://schemas.microsoft.com/office/powerpoint/2010/main" xmlns="" val="152384765"/>
+        <p14:creationId xmlns="" xmlns:p14="http://schemas.microsoft.com/office/powerpoint/2010/main" val="152384765"/>
       </p:ext>
     </p:extLst>
   </p:cSld>
@@ -3232,7 +3233,7 @@
     </p:spTree>
     <p:extLst>
       <p:ext uri="{BB962C8B-B14F-4D97-AF65-F5344CB8AC3E}">
-        <p14:creationId xmlns:p14="http://schemas.microsoft.com/office/powerpoint/2010/main" xmlns="" val="2127791886"/>
+        <p14:creationId xmlns="" xmlns:p14="http://schemas.microsoft.com/office/powerpoint/2010/main" val="2127791886"/>
       </p:ext>
     </p:extLst>
   </p:cSld>
@@ -3489,7 +3490,7 @@
     </p:spTree>
     <p:extLst>
       <p:ext uri="{BB962C8B-B14F-4D97-AF65-F5344CB8AC3E}">
-        <p14:creationId xmlns:p14="http://schemas.microsoft.com/office/powerpoint/2010/main" xmlns="" val="1752705130"/>
+        <p14:creationId xmlns="" xmlns:p14="http://schemas.microsoft.com/office/powerpoint/2010/main" val="1752705130"/>
       </p:ext>
     </p:extLst>
   </p:cSld>
@@ -3742,7 +3743,7 @@
     </p:spTree>
     <p:extLst>
       <p:ext uri="{BB962C8B-B14F-4D97-AF65-F5344CB8AC3E}">
-        <p14:creationId xmlns:p14="http://schemas.microsoft.com/office/powerpoint/2010/main" xmlns="" val="968833914"/>
+        <p14:creationId xmlns="" xmlns:p14="http://schemas.microsoft.com/office/powerpoint/2010/main" val="968833914"/>
       </p:ext>
     </p:extLst>
   </p:cSld>
@@ -4223,7 +4224,7 @@
     </p:spTree>
     <p:extLst>
       <p:ext uri="{BB962C8B-B14F-4D97-AF65-F5344CB8AC3E}">
-        <p14:creationId xmlns:p14="http://schemas.microsoft.com/office/powerpoint/2010/main" xmlns="" val="2492894732"/>
+        <p14:creationId xmlns="" xmlns:p14="http://schemas.microsoft.com/office/powerpoint/2010/main" val="2492894732"/>
       </p:ext>
     </p:extLst>
   </p:cSld>
@@ -4744,156 +4745,6 @@
       </p:grpSpPr>
       <p:sp>
         <p:nvSpPr>
-          <p:cNvPr id="2" name="Содержимое 1"/>
-          <p:cNvSpPr>
-            <a:spLocks noGrp="1"/>
-          </p:cNvSpPr>
-          <p:nvPr>
-            <p:ph idx="1"/>
-          </p:nvPr>
-        </p:nvSpPr>
-        <p:spPr/>
-        <p:txBody>
-          <a:bodyPr>
-            <a:normAutofit lnSpcReduction="10000"/>
-          </a:bodyPr>
-          <a:lstStyle/>
-          <a:p>
-            <a:r>
-              <a:rPr lang="en-US" altLang="en-US" dirty="0" smtClean="0"/>
-              <a:t>Consider a 4-digit decimal example</a:t>
-            </a:r>
-          </a:p>
-          <a:p>
-            <a:pPr lvl="1"/>
-            <a:r>
-              <a:rPr lang="en-US" altLang="en-US" sz="2400" dirty="0" smtClean="0"/>
-              <a:t>9.999 × 10</a:t>
-            </a:r>
-            <a:r>
-              <a:rPr lang="en-US" altLang="en-US" sz="2400" baseline="30000" dirty="0" smtClean="0"/>
-              <a:t>1</a:t>
-            </a:r>
-            <a:r>
-              <a:rPr lang="en-US" altLang="en-US" sz="2400" dirty="0" smtClean="0"/>
-              <a:t> + 1.610 × 10</a:t>
-            </a:r>
-            <a:r>
-              <a:rPr lang="en-US" altLang="en-US" sz="2400" baseline="30000" dirty="0" smtClean="0"/>
-              <a:t>–1</a:t>
-            </a:r>
-          </a:p>
-          <a:p>
-            <a:r>
-              <a:rPr lang="en-US" altLang="en-US" dirty="0" smtClean="0"/>
-              <a:t>1. Align decimal points</a:t>
-            </a:r>
-          </a:p>
-          <a:p>
-            <a:pPr lvl="1"/>
-            <a:r>
-              <a:rPr lang="en-US" altLang="en-US" sz="2400" dirty="0" smtClean="0"/>
-              <a:t>Shift number with smaller exponent</a:t>
-            </a:r>
-          </a:p>
-          <a:p>
-            <a:pPr lvl="1"/>
-            <a:r>
-              <a:rPr lang="en-US" altLang="en-US" sz="2400" dirty="0" smtClean="0"/>
-              <a:t>9.999 × 10</a:t>
-            </a:r>
-            <a:r>
-              <a:rPr lang="en-US" altLang="en-US" sz="2400" baseline="30000" dirty="0" smtClean="0"/>
-              <a:t>1</a:t>
-            </a:r>
-            <a:r>
-              <a:rPr lang="en-US" altLang="en-US" sz="2400" dirty="0" smtClean="0"/>
-              <a:t> + 0.016 × 10</a:t>
-            </a:r>
-            <a:r>
-              <a:rPr lang="en-US" altLang="en-US" sz="2400" baseline="30000" dirty="0" smtClean="0"/>
-              <a:t>1</a:t>
-            </a:r>
-          </a:p>
-          <a:p>
-            <a:r>
-              <a:rPr lang="en-US" altLang="en-US" dirty="0" smtClean="0"/>
-              <a:t>2. Add </a:t>
-            </a:r>
-            <a:r>
-              <a:rPr lang="en-US" altLang="en-US" dirty="0" err="1" smtClean="0"/>
-              <a:t>significands</a:t>
-            </a:r>
-            <a:endParaRPr lang="en-US" altLang="en-US" dirty="0" smtClean="0"/>
-          </a:p>
-          <a:p>
-            <a:pPr lvl="1"/>
-            <a:r>
-              <a:rPr lang="en-US" altLang="en-US" sz="2400" dirty="0" smtClean="0"/>
-              <a:t>9.999 × 10</a:t>
-            </a:r>
-            <a:r>
-              <a:rPr lang="en-US" altLang="en-US" sz="2400" baseline="30000" dirty="0" smtClean="0"/>
-              <a:t>1</a:t>
-            </a:r>
-            <a:r>
-              <a:rPr lang="en-US" altLang="en-US" sz="2400" dirty="0" smtClean="0"/>
-              <a:t> + 0.016 × 10</a:t>
-            </a:r>
-            <a:r>
-              <a:rPr lang="en-US" altLang="en-US" sz="2400" baseline="30000" dirty="0" smtClean="0"/>
-              <a:t>1</a:t>
-            </a:r>
-            <a:r>
-              <a:rPr lang="en-US" altLang="en-US" sz="2400" dirty="0" smtClean="0"/>
-              <a:t> = 10.015 × 10</a:t>
-            </a:r>
-            <a:r>
-              <a:rPr lang="en-US" altLang="en-US" sz="2400" baseline="30000" dirty="0" smtClean="0"/>
-              <a:t>1</a:t>
-            </a:r>
-          </a:p>
-          <a:p>
-            <a:r>
-              <a:rPr lang="en-US" altLang="en-US" dirty="0" smtClean="0"/>
-              <a:t>3. Normalize result &amp; check for over/underflow</a:t>
-            </a:r>
-          </a:p>
-          <a:p>
-            <a:pPr lvl="1"/>
-            <a:r>
-              <a:rPr lang="en-US" altLang="en-US" sz="2400" dirty="0" smtClean="0"/>
-              <a:t>1.0015 × 10</a:t>
-            </a:r>
-            <a:r>
-              <a:rPr lang="en-US" altLang="en-US" sz="2400" baseline="30000" dirty="0" smtClean="0"/>
-              <a:t>2</a:t>
-            </a:r>
-          </a:p>
-          <a:p>
-            <a:r>
-              <a:rPr lang="en-US" altLang="en-US" dirty="0" smtClean="0"/>
-              <a:t>4. Round and renormalize if necessary</a:t>
-            </a:r>
-          </a:p>
-          <a:p>
-            <a:pPr lvl="1"/>
-            <a:r>
-              <a:rPr lang="en-US" altLang="en-US" sz="2400" dirty="0" smtClean="0"/>
-              <a:t>1.002 × 10</a:t>
-            </a:r>
-            <a:r>
-              <a:rPr lang="en-US" altLang="en-US" sz="2400" baseline="30000" dirty="0" smtClean="0"/>
-              <a:t>2</a:t>
-            </a:r>
-          </a:p>
-          <a:p>
-            <a:endParaRPr lang="ru-RU" dirty="0"/>
-          </a:p>
-        </p:txBody>
-      </p:sp>
-      <p:sp>
-        <p:nvSpPr>
           <p:cNvPr id="3" name="Номер слайда 2"/>
           <p:cNvSpPr>
             <a:spLocks noGrp="1"/>
@@ -4934,24 +4785,41 @@
           <a:p>
             <a:r>
               <a:rPr lang="en-US" dirty="0" smtClean="0"/>
-              <a:t>Floating-Point Addition</a:t>
+              <a:t>Special Values</a:t>
             </a:r>
             <a:endParaRPr lang="ru-RU" dirty="0"/>
           </a:p>
         </p:txBody>
       </p:sp>
+      <p:pic>
+        <p:nvPicPr>
+          <p:cNvPr id="5" name="Рисунок 4" descr="Screenshot 2021-02-02 at 11.06.04.png"/>
+          <p:cNvPicPr>
+            <a:picLocks noChangeAspect="1"/>
+          </p:cNvPicPr>
+          <p:nvPr/>
+        </p:nvPicPr>
+        <p:blipFill>
+          <a:blip r:embed="rId2" cstate="print"/>
+          <a:stretch>
+            <a:fillRect/>
+          </a:stretch>
+        </p:blipFill>
+        <p:spPr>
+          <a:xfrm>
+            <a:off x="1108050" y="2131368"/>
+            <a:ext cx="10320338" cy="2724150"/>
+          </a:xfrm>
+          <a:prstGeom prst="rect">
+            <a:avLst/>
+          </a:prstGeom>
+        </p:spPr>
+      </p:pic>
     </p:spTree>
   </p:cSld>
   <p:clrMapOvr>
     <a:masterClrMapping/>
   </p:clrMapOvr>
-  <p:timing>
-    <p:tnLst>
-      <p:par>
-        <p:cTn id="1" dur="indefinite" restart="never" nodeType="tmRoot"/>
-      </p:par>
-    </p:tnLst>
-  </p:timing>
 </p:sld>
 </file>
 
@@ -4991,52 +4859,32 @@
           <a:p>
             <a:r>
               <a:rPr lang="en-US" altLang="en-US" dirty="0" smtClean="0"/>
-              <a:t>Now consider a 4-digit binary example</a:t>
+              <a:t>Consider a 4-digit decimal example</a:t>
             </a:r>
           </a:p>
           <a:p>
             <a:pPr lvl="1"/>
             <a:r>
               <a:rPr lang="en-US" altLang="en-US" sz="2400" dirty="0" smtClean="0"/>
-              <a:t>1.000</a:t>
-            </a:r>
-            <a:r>
-              <a:rPr lang="en-US" altLang="en-US" sz="2400" baseline="-25000" dirty="0" smtClean="0"/>
-              <a:t>2</a:t>
+              <a:t>9.999 × 10</a:t>
+            </a:r>
+            <a:r>
+              <a:rPr lang="en-US" altLang="en-US" sz="2400" baseline="30000" dirty="0" smtClean="0"/>
+              <a:t>1</a:t>
             </a:r>
             <a:r>
               <a:rPr lang="en-US" altLang="en-US" sz="2400" dirty="0" smtClean="0"/>
-              <a:t> × 2</a:t>
+              <a:t> + 1.610 × 10</a:t>
             </a:r>
             <a:r>
               <a:rPr lang="en-US" altLang="en-US" sz="2400" baseline="30000" dirty="0" smtClean="0"/>
               <a:t>–1</a:t>
             </a:r>
-            <a:r>
-              <a:rPr lang="en-US" altLang="en-US" sz="2400" dirty="0" smtClean="0"/>
-              <a:t> + –1.110</a:t>
-            </a:r>
-            <a:r>
-              <a:rPr lang="en-US" altLang="en-US" sz="2400" baseline="-25000" dirty="0" smtClean="0"/>
-              <a:t>2</a:t>
-            </a:r>
-            <a:r>
-              <a:rPr lang="en-US" altLang="en-US" sz="2400" dirty="0" smtClean="0"/>
-              <a:t> × 2</a:t>
-            </a:r>
-            <a:r>
-              <a:rPr lang="en-US" altLang="en-US" sz="2400" baseline="30000" dirty="0" smtClean="0"/>
-              <a:t>–2</a:t>
-            </a:r>
-            <a:r>
-              <a:rPr lang="en-US" altLang="en-US" sz="2400" dirty="0" smtClean="0"/>
-              <a:t> (0.5 + –0.4375)</a:t>
-            </a:r>
           </a:p>
           <a:p>
             <a:r>
               <a:rPr lang="en-US" altLang="en-US" dirty="0" smtClean="0"/>
-              <a:t>1. Align binary points</a:t>
+              <a:t>1. Align decimal points</a:t>
             </a:r>
           </a:p>
           <a:p>
@@ -5050,35 +4898,19 @@
             <a:pPr lvl="1"/>
             <a:r>
               <a:rPr lang="en-US" altLang="en-US" sz="2400" dirty="0" smtClean="0"/>
-              <a:t>1.000</a:t>
-            </a:r>
-            <a:r>
-              <a:rPr lang="en-US" altLang="en-US" sz="2400" baseline="-25000" dirty="0" smtClean="0"/>
-              <a:t>2</a:t>
+              <a:t>9.999 × 10</a:t>
+            </a:r>
+            <a:r>
+              <a:rPr lang="en-US" altLang="en-US" sz="2400" baseline="30000" dirty="0" smtClean="0"/>
+              <a:t>1</a:t>
             </a:r>
             <a:r>
               <a:rPr lang="en-US" altLang="en-US" sz="2400" dirty="0" smtClean="0"/>
-              <a:t> × 2</a:t>
+              <a:t> + 0.016 × 10</a:t>
             </a:r>
             <a:r>
               <a:rPr lang="en-US" altLang="en-US" sz="2400" baseline="30000" dirty="0" smtClean="0"/>
-              <a:t>–1</a:t>
-            </a:r>
-            <a:r>
-              <a:rPr lang="en-US" altLang="en-US" sz="2400" dirty="0" smtClean="0"/>
-              <a:t> + –0.111</a:t>
-            </a:r>
-            <a:r>
-              <a:rPr lang="en-US" altLang="en-US" sz="2400" baseline="-25000" dirty="0" smtClean="0"/>
-              <a:t>2</a:t>
-            </a:r>
-            <a:r>
-              <a:rPr lang="en-US" altLang="en-US" sz="2400" dirty="0" smtClean="0"/>
-              <a:t> × 2</a:t>
-            </a:r>
-            <a:r>
-              <a:rPr lang="en-US" altLang="en-US" sz="2400" baseline="30000" dirty="0" smtClean="0"/>
-              <a:t>–1</a:t>
+              <a:t>1</a:t>
             </a:r>
           </a:p>
           <a:p>
@@ -5096,51 +4928,27 @@
             <a:pPr lvl="1"/>
             <a:r>
               <a:rPr lang="en-US" altLang="en-US" sz="2400" dirty="0" smtClean="0"/>
-              <a:t>1.000</a:t>
-            </a:r>
-            <a:r>
-              <a:rPr lang="en-US" altLang="en-US" sz="2400" baseline="-25000" dirty="0" smtClean="0"/>
-              <a:t>2</a:t>
+              <a:t>9.999 × 10</a:t>
+            </a:r>
+            <a:r>
+              <a:rPr lang="en-US" altLang="en-US" sz="2400" baseline="30000" dirty="0" smtClean="0"/>
+              <a:t>1</a:t>
             </a:r>
             <a:r>
               <a:rPr lang="en-US" altLang="en-US" sz="2400" dirty="0" smtClean="0"/>
-              <a:t> × 2</a:t>
+              <a:t> + 0.016 × 10</a:t>
             </a:r>
             <a:r>
               <a:rPr lang="en-US" altLang="en-US" sz="2400" baseline="30000" dirty="0" smtClean="0"/>
-              <a:t>–1</a:t>
+              <a:t>1</a:t>
             </a:r>
             <a:r>
               <a:rPr lang="en-US" altLang="en-US" sz="2400" dirty="0" smtClean="0"/>
-              <a:t> + –0.111</a:t>
-            </a:r>
-            <a:r>
-              <a:rPr lang="en-US" altLang="en-US" sz="2400" baseline="-25000" dirty="0" smtClean="0"/>
-              <a:t>2</a:t>
-            </a:r>
-            <a:r>
-              <a:rPr lang="en-US" altLang="en-US" sz="2400" dirty="0" smtClean="0"/>
-              <a:t> × 2</a:t>
+              <a:t> = 10.015 × 10</a:t>
             </a:r>
             <a:r>
               <a:rPr lang="en-US" altLang="en-US" sz="2400" baseline="30000" dirty="0" smtClean="0"/>
-              <a:t>–1</a:t>
-            </a:r>
-            <a:r>
-              <a:rPr lang="en-US" altLang="en-US" sz="2400" dirty="0" smtClean="0"/>
-              <a:t> = 0.001</a:t>
-            </a:r>
-            <a:r>
-              <a:rPr lang="en-US" altLang="en-US" sz="2400" baseline="-25000" dirty="0" smtClean="0"/>
-              <a:t>2</a:t>
-            </a:r>
-            <a:r>
-              <a:rPr lang="en-US" altLang="en-US" sz="2400" dirty="0" smtClean="0"/>
-              <a:t> × 2</a:t>
-            </a:r>
-            <a:r>
-              <a:rPr lang="en-US" altLang="en-US" sz="2400" baseline="30000" dirty="0" smtClean="0"/>
-              <a:t>–1</a:t>
+              <a:t>1</a:t>
             </a:r>
           </a:p>
           <a:p>
@@ -5153,23 +4961,11 @@
             <a:pPr lvl="1"/>
             <a:r>
               <a:rPr lang="en-US" altLang="en-US" sz="2400" dirty="0" smtClean="0"/>
-              <a:t>1.000</a:t>
-            </a:r>
-            <a:r>
-              <a:rPr lang="en-US" altLang="en-US" sz="2400" baseline="-25000" dirty="0" smtClean="0"/>
+              <a:t>1.0015 × 10</a:t>
+            </a:r>
+            <a:r>
+              <a:rPr lang="en-US" altLang="en-US" sz="2400" baseline="30000" dirty="0" smtClean="0"/>
               <a:t>2</a:t>
-            </a:r>
-            <a:r>
-              <a:rPr lang="en-US" altLang="en-US" sz="2400" dirty="0" smtClean="0"/>
-              <a:t> × 2</a:t>
-            </a:r>
-            <a:r>
-              <a:rPr lang="en-US" altLang="en-US" sz="2400" baseline="30000" dirty="0" smtClean="0"/>
-              <a:t>–4</a:t>
-            </a:r>
-            <a:r>
-              <a:rPr lang="en-US" altLang="en-US" sz="2400" dirty="0" smtClean="0"/>
-              <a:t>, with no over/underflow</a:t>
             </a:r>
           </a:p>
           <a:p>
@@ -5182,23 +4978,11 @@
             <a:pPr lvl="1"/>
             <a:r>
               <a:rPr lang="en-US" altLang="en-US" sz="2400" dirty="0" smtClean="0"/>
-              <a:t>1.000</a:t>
-            </a:r>
-            <a:r>
-              <a:rPr lang="en-US" altLang="en-US" sz="2400" baseline="-25000" dirty="0" smtClean="0"/>
+              <a:t>1.002 × 10</a:t>
+            </a:r>
+            <a:r>
+              <a:rPr lang="en-US" altLang="en-US" sz="2400" baseline="30000" dirty="0" smtClean="0"/>
               <a:t>2</a:t>
-            </a:r>
-            <a:r>
-              <a:rPr lang="en-US" altLang="en-US" sz="2400" dirty="0" smtClean="0"/>
-              <a:t> × 2</a:t>
-            </a:r>
-            <a:r>
-              <a:rPr lang="en-US" altLang="en-US" sz="2400" baseline="30000" dirty="0" smtClean="0"/>
-              <a:t>–4</a:t>
-            </a:r>
-            <a:r>
-              <a:rPr lang="en-US" altLang="en-US" sz="2400" dirty="0" smtClean="0"/>
-              <a:t> (no change)  = 0.0625</a:t>
             </a:r>
           </a:p>
           <a:p>
@@ -5298,47 +5082,222 @@
         </p:nvSpPr>
         <p:spPr/>
         <p:txBody>
-          <a:bodyPr/>
+          <a:bodyPr>
+            <a:normAutofit lnSpcReduction="10000"/>
+          </a:bodyPr>
           <a:lstStyle/>
           <a:p>
             <a:r>
               <a:rPr lang="en-US" altLang="en-US" dirty="0" smtClean="0"/>
-              <a:t>Much more complex than integer adder</a:t>
+              <a:t>Now consider a 4-digit binary example</a:t>
+            </a:r>
+          </a:p>
+          <a:p>
+            <a:pPr lvl="1"/>
+            <a:r>
+              <a:rPr lang="en-US" altLang="en-US" sz="2400" dirty="0" smtClean="0"/>
+              <a:t>1.000</a:t>
+            </a:r>
+            <a:r>
+              <a:rPr lang="en-US" altLang="en-US" sz="2400" baseline="-25000" dirty="0" smtClean="0"/>
+              <a:t>2</a:t>
+            </a:r>
+            <a:r>
+              <a:rPr lang="en-US" altLang="en-US" sz="2400" dirty="0" smtClean="0"/>
+              <a:t> × 2</a:t>
+            </a:r>
+            <a:r>
+              <a:rPr lang="en-US" altLang="en-US" sz="2400" baseline="30000" dirty="0" smtClean="0"/>
+              <a:t>–1</a:t>
+            </a:r>
+            <a:r>
+              <a:rPr lang="en-US" altLang="en-US" sz="2400" dirty="0" smtClean="0"/>
+              <a:t> + –1.110</a:t>
+            </a:r>
+            <a:r>
+              <a:rPr lang="en-US" altLang="en-US" sz="2400" baseline="-25000" dirty="0" smtClean="0"/>
+              <a:t>2</a:t>
+            </a:r>
+            <a:r>
+              <a:rPr lang="en-US" altLang="en-US" sz="2400" dirty="0" smtClean="0"/>
+              <a:t> × 2</a:t>
+            </a:r>
+            <a:r>
+              <a:rPr lang="en-US" altLang="en-US" sz="2400" baseline="30000" dirty="0" smtClean="0"/>
+              <a:t>–2</a:t>
+            </a:r>
+            <a:r>
+              <a:rPr lang="en-US" altLang="en-US" sz="2400" dirty="0" smtClean="0"/>
+              <a:t> (0.5 + –0.4375)</a:t>
             </a:r>
           </a:p>
           <a:p>
             <a:r>
               <a:rPr lang="en-US" altLang="en-US" dirty="0" smtClean="0"/>
-              <a:t>Doing it in one clock cycle would take too long</a:t>
+              <a:t>1. Align binary points</a:t>
             </a:r>
           </a:p>
           <a:p>
             <a:pPr lvl="1"/>
             <a:r>
+              <a:rPr lang="en-US" altLang="en-US" sz="2400" dirty="0" smtClean="0"/>
+              <a:t>Shift number with smaller exponent</a:t>
+            </a:r>
+          </a:p>
+          <a:p>
+            <a:pPr lvl="1"/>
+            <a:r>
+              <a:rPr lang="en-US" altLang="en-US" sz="2400" dirty="0" smtClean="0"/>
+              <a:t>1.000</a:t>
+            </a:r>
+            <a:r>
+              <a:rPr lang="en-US" altLang="en-US" sz="2400" baseline="-25000" dirty="0" smtClean="0"/>
+              <a:t>2</a:t>
+            </a:r>
+            <a:r>
+              <a:rPr lang="en-US" altLang="en-US" sz="2400" dirty="0" smtClean="0"/>
+              <a:t> × 2</a:t>
+            </a:r>
+            <a:r>
+              <a:rPr lang="en-US" altLang="en-US" sz="2400" baseline="30000" dirty="0" smtClean="0"/>
+              <a:t>–1</a:t>
+            </a:r>
+            <a:r>
+              <a:rPr lang="en-US" altLang="en-US" sz="2400" dirty="0" smtClean="0"/>
+              <a:t> + –0.111</a:t>
+            </a:r>
+            <a:r>
+              <a:rPr lang="en-US" altLang="en-US" sz="2400" baseline="-25000" dirty="0" smtClean="0"/>
+              <a:t>2</a:t>
+            </a:r>
+            <a:r>
+              <a:rPr lang="en-US" altLang="en-US" sz="2400" dirty="0" smtClean="0"/>
+              <a:t> × 2</a:t>
+            </a:r>
+            <a:r>
+              <a:rPr lang="en-US" altLang="en-US" sz="2400" baseline="30000" dirty="0" smtClean="0"/>
+              <a:t>–1</a:t>
+            </a:r>
+          </a:p>
+          <a:p>
+            <a:r>
               <a:rPr lang="en-US" altLang="en-US" dirty="0" smtClean="0"/>
-              <a:t>Much longer than integer operations</a:t>
-            </a:r>
+              <a:t>2. Add </a:t>
+            </a:r>
+            <a:r>
+              <a:rPr lang="en-US" altLang="en-US" dirty="0" err="1" smtClean="0"/>
+              <a:t>significands</a:t>
+            </a:r>
+            <a:endParaRPr lang="en-US" altLang="en-US" dirty="0" smtClean="0"/>
           </a:p>
           <a:p>
             <a:pPr lvl="1"/>
             <a:r>
+              <a:rPr lang="en-US" altLang="en-US" sz="2400" dirty="0" smtClean="0"/>
+              <a:t>1.000</a:t>
+            </a:r>
+            <a:r>
+              <a:rPr lang="en-US" altLang="en-US" sz="2400" baseline="-25000" dirty="0" smtClean="0"/>
+              <a:t>2</a:t>
+            </a:r>
+            <a:r>
+              <a:rPr lang="en-US" altLang="en-US" sz="2400" dirty="0" smtClean="0"/>
+              <a:t> × 2</a:t>
+            </a:r>
+            <a:r>
+              <a:rPr lang="en-US" altLang="en-US" sz="2400" baseline="30000" dirty="0" smtClean="0"/>
+              <a:t>–1</a:t>
+            </a:r>
+            <a:r>
+              <a:rPr lang="en-US" altLang="en-US" sz="2400" dirty="0" smtClean="0"/>
+              <a:t> + –0.111</a:t>
+            </a:r>
+            <a:r>
+              <a:rPr lang="en-US" altLang="en-US" sz="2400" baseline="-25000" dirty="0" smtClean="0"/>
+              <a:t>2</a:t>
+            </a:r>
+            <a:r>
+              <a:rPr lang="en-US" altLang="en-US" sz="2400" dirty="0" smtClean="0"/>
+              <a:t> × 2</a:t>
+            </a:r>
+            <a:r>
+              <a:rPr lang="en-US" altLang="en-US" sz="2400" baseline="30000" dirty="0" smtClean="0"/>
+              <a:t>–1</a:t>
+            </a:r>
+            <a:r>
+              <a:rPr lang="en-US" altLang="en-US" sz="2400" dirty="0" smtClean="0"/>
+              <a:t> = 0.001</a:t>
+            </a:r>
+            <a:r>
+              <a:rPr lang="en-US" altLang="en-US" sz="2400" baseline="-25000" dirty="0" smtClean="0"/>
+              <a:t>2</a:t>
+            </a:r>
+            <a:r>
+              <a:rPr lang="en-US" altLang="en-US" sz="2400" dirty="0" smtClean="0"/>
+              <a:t> × 2</a:t>
+            </a:r>
+            <a:r>
+              <a:rPr lang="en-US" altLang="en-US" sz="2400" baseline="30000" dirty="0" smtClean="0"/>
+              <a:t>–1</a:t>
+            </a:r>
+          </a:p>
+          <a:p>
+            <a:r>
               <a:rPr lang="en-US" altLang="en-US" dirty="0" smtClean="0"/>
-              <a:t>Slower clock would penalize all instructions</a:t>
+              <a:t>3. Normalize result &amp; check for over/underflow</a:t>
+            </a:r>
+          </a:p>
+          <a:p>
+            <a:pPr lvl="1"/>
+            <a:r>
+              <a:rPr lang="en-US" altLang="en-US" sz="2400" dirty="0" smtClean="0"/>
+              <a:t>1.000</a:t>
+            </a:r>
+            <a:r>
+              <a:rPr lang="en-US" altLang="en-US" sz="2400" baseline="-25000" dirty="0" smtClean="0"/>
+              <a:t>2</a:t>
+            </a:r>
+            <a:r>
+              <a:rPr lang="en-US" altLang="en-US" sz="2400" dirty="0" smtClean="0"/>
+              <a:t> × 2</a:t>
+            </a:r>
+            <a:r>
+              <a:rPr lang="en-US" altLang="en-US" sz="2400" baseline="30000" dirty="0" smtClean="0"/>
+              <a:t>–4</a:t>
+            </a:r>
+            <a:r>
+              <a:rPr lang="en-US" altLang="en-US" sz="2400" dirty="0" smtClean="0"/>
+              <a:t>, with no over/underflow</a:t>
             </a:r>
           </a:p>
           <a:p>
             <a:r>
               <a:rPr lang="en-US" altLang="en-US" dirty="0" smtClean="0"/>
-              <a:t>FP adder usually takes several cycles</a:t>
+              <a:t>4. Round and renormalize if necessary</a:t>
             </a:r>
           </a:p>
           <a:p>
             <a:pPr lvl="1"/>
             <a:r>
-              <a:rPr lang="en-US" altLang="en-US" dirty="0" smtClean="0"/>
-              <a:t>Can be pipelined</a:t>
-            </a:r>
-            <a:endParaRPr lang="en-AU" altLang="en-US" dirty="0" smtClean="0"/>
+              <a:rPr lang="en-US" altLang="en-US" sz="2400" dirty="0" smtClean="0"/>
+              <a:t>1.000</a:t>
+            </a:r>
+            <a:r>
+              <a:rPr lang="en-US" altLang="en-US" sz="2400" baseline="-25000" dirty="0" smtClean="0"/>
+              <a:t>2</a:t>
+            </a:r>
+            <a:r>
+              <a:rPr lang="en-US" altLang="en-US" sz="2400" dirty="0" smtClean="0"/>
+              <a:t> × 2</a:t>
+            </a:r>
+            <a:r>
+              <a:rPr lang="en-US" altLang="en-US" sz="2400" baseline="30000" dirty="0" smtClean="0"/>
+              <a:t>–4</a:t>
+            </a:r>
+            <a:r>
+              <a:rPr lang="en-US" altLang="en-US" sz="2400" dirty="0" smtClean="0"/>
+              <a:t> (no change)  = 0.0625</a:t>
+            </a:r>
           </a:p>
           <a:p>
             <a:endParaRPr lang="ru-RU" dirty="0"/>
@@ -5387,7 +5346,7 @@
           <a:p>
             <a:r>
               <a:rPr lang="en-US" dirty="0" smtClean="0"/>
-              <a:t>FP Adder Hardware</a:t>
+              <a:t>Floating-Point Addition</a:t>
             </a:r>
             <a:endParaRPr lang="ru-RU" dirty="0"/>
           </a:p>
@@ -5427,6 +5386,65 @@
       </p:grpSpPr>
       <p:sp>
         <p:nvSpPr>
+          <p:cNvPr id="2" name="Содержимое 1"/>
+          <p:cNvSpPr>
+            <a:spLocks noGrp="1"/>
+          </p:cNvSpPr>
+          <p:nvPr>
+            <p:ph idx="1"/>
+          </p:nvPr>
+        </p:nvSpPr>
+        <p:spPr/>
+        <p:txBody>
+          <a:bodyPr/>
+          <a:lstStyle/>
+          <a:p>
+            <a:r>
+              <a:rPr lang="en-US" altLang="en-US" dirty="0" smtClean="0"/>
+              <a:t>Much more complex than integer adder</a:t>
+            </a:r>
+          </a:p>
+          <a:p>
+            <a:r>
+              <a:rPr lang="en-US" altLang="en-US" dirty="0" smtClean="0"/>
+              <a:t>Doing it in one clock cycle would take too long</a:t>
+            </a:r>
+          </a:p>
+          <a:p>
+            <a:pPr lvl="1"/>
+            <a:r>
+              <a:rPr lang="en-US" altLang="en-US" dirty="0" smtClean="0"/>
+              <a:t>Much longer than integer operations</a:t>
+            </a:r>
+          </a:p>
+          <a:p>
+            <a:pPr lvl="1"/>
+            <a:r>
+              <a:rPr lang="en-US" altLang="en-US" dirty="0" smtClean="0"/>
+              <a:t>Slower clock would penalize all instructions</a:t>
+            </a:r>
+          </a:p>
+          <a:p>
+            <a:r>
+              <a:rPr lang="en-US" altLang="en-US" dirty="0" smtClean="0"/>
+              <a:t>FP adder usually takes several cycles</a:t>
+            </a:r>
+          </a:p>
+          <a:p>
+            <a:pPr lvl="1"/>
+            <a:r>
+              <a:rPr lang="en-US" altLang="en-US" dirty="0" smtClean="0"/>
+              <a:t>Can be pipelined</a:t>
+            </a:r>
+            <a:endParaRPr lang="en-AU" altLang="en-US" dirty="0" smtClean="0"/>
+          </a:p>
+          <a:p>
+            <a:endParaRPr lang="ru-RU" dirty="0"/>
+          </a:p>
+        </p:txBody>
+      </p:sp>
+      <p:sp>
+        <p:nvSpPr>
           <p:cNvPr id="3" name="Номер слайда 2"/>
           <p:cNvSpPr>
             <a:spLocks noGrp="1"/>
@@ -5445,6 +5463,86 @@
               <a:rPr lang="ru-RU" smtClean="0"/>
               <a:pPr algn="ctr"/>
               <a:t>15</a:t>
+            </a:fld>
+            <a:endParaRPr lang="ru-RU" dirty="0"/>
+          </a:p>
+        </p:txBody>
+      </p:sp>
+      <p:sp>
+        <p:nvSpPr>
+          <p:cNvPr id="4" name="Заголовок 3"/>
+          <p:cNvSpPr>
+            <a:spLocks noGrp="1"/>
+          </p:cNvSpPr>
+          <p:nvPr>
+            <p:ph type="title"/>
+          </p:nvPr>
+        </p:nvSpPr>
+        <p:spPr/>
+        <p:txBody>
+          <a:bodyPr/>
+          <a:lstStyle/>
+          <a:p>
+            <a:r>
+              <a:rPr lang="en-US" dirty="0" smtClean="0"/>
+              <a:t>FP Adder Hardware</a:t>
+            </a:r>
+            <a:endParaRPr lang="ru-RU" dirty="0"/>
+          </a:p>
+        </p:txBody>
+      </p:sp>
+    </p:spTree>
+  </p:cSld>
+  <p:clrMapOvr>
+    <a:masterClrMapping/>
+  </p:clrMapOvr>
+  <p:timing>
+    <p:tnLst>
+      <p:par>
+        <p:cTn id="1" dur="indefinite" restart="never" nodeType="tmRoot"/>
+      </p:par>
+    </p:tnLst>
+  </p:timing>
+</p:sld>
+</file>
+
+<file path=ppt/slides/slide16.xml><?xml version="1.0" encoding="utf-8"?>
+<p:sld xmlns:a="http://schemas.openxmlformats.org/drawingml/2006/main" xmlns:r="http://schemas.openxmlformats.org/officeDocument/2006/relationships" xmlns:p="http://schemas.openxmlformats.org/presentationml/2006/main">
+  <p:cSld>
+    <p:spTree>
+      <p:nvGrpSpPr>
+        <p:cNvPr id="1" name=""/>
+        <p:cNvGrpSpPr/>
+        <p:nvPr/>
+      </p:nvGrpSpPr>
+      <p:grpSpPr>
+        <a:xfrm>
+          <a:off x="0" y="0"/>
+          <a:ext cx="0" cy="0"/>
+          <a:chOff x="0" y="0"/>
+          <a:chExt cx="0" cy="0"/>
+        </a:xfrm>
+      </p:grpSpPr>
+      <p:sp>
+        <p:nvSpPr>
+          <p:cNvPr id="3" name="Номер слайда 2"/>
+          <p:cNvSpPr>
+            <a:spLocks noGrp="1"/>
+          </p:cNvSpPr>
+          <p:nvPr>
+            <p:ph type="sldNum" sz="quarter" idx="12"/>
+          </p:nvPr>
+        </p:nvSpPr>
+        <p:spPr/>
+        <p:txBody>
+          <a:bodyPr/>
+          <a:lstStyle/>
+          <a:p>
+            <a:pPr algn="ctr"/>
+            <a:fld id="{1397BFD8-F312-4EF2-A268-44FB4BDDBBB0}" type="slidenum">
+              <a:rPr lang="ru-RU" smtClean="0"/>
+              <a:pPr algn="ctr"/>
+              <a:t>16</a:t>
             </a:fld>
             <a:endParaRPr lang="ru-RU" dirty="0"/>
           </a:p>
@@ -5908,326 +6006,6 @@
 </p:sld>
 </file>
 
-<file path=ppt/slides/slide16.xml><?xml version="1.0" encoding="utf-8"?>
-<p:sld xmlns:a="http://schemas.openxmlformats.org/drawingml/2006/main" xmlns:r="http://schemas.openxmlformats.org/officeDocument/2006/relationships" xmlns:p="http://schemas.openxmlformats.org/presentationml/2006/main">
-  <p:cSld>
-    <p:spTree>
-      <p:nvGrpSpPr>
-        <p:cNvPr id="1" name=""/>
-        <p:cNvGrpSpPr/>
-        <p:nvPr/>
-      </p:nvGrpSpPr>
-      <p:grpSpPr>
-        <a:xfrm>
-          <a:off x="0" y="0"/>
-          <a:ext cx="0" cy="0"/>
-          <a:chOff x="0" y="0"/>
-          <a:chExt cx="0" cy="0"/>
-        </a:xfrm>
-      </p:grpSpPr>
-      <p:sp>
-        <p:nvSpPr>
-          <p:cNvPr id="2" name="Содержимое 1"/>
-          <p:cNvSpPr>
-            <a:spLocks noGrp="1"/>
-          </p:cNvSpPr>
-          <p:nvPr>
-            <p:ph idx="1"/>
-          </p:nvPr>
-        </p:nvSpPr>
-        <p:spPr>
-          <a:xfrm>
-            <a:off x="838200" y="1154303"/>
-            <a:ext cx="10515600" cy="4997896"/>
-          </a:xfrm>
-        </p:spPr>
-        <p:txBody>
-          <a:bodyPr>
-            <a:noAutofit/>
-          </a:bodyPr>
-          <a:lstStyle/>
-          <a:p>
-            <a:r>
-              <a:rPr lang="en-US" altLang="en-US" sz="2800" dirty="0" smtClean="0"/>
-              <a:t>Consider a 4-digit decimal example</a:t>
-            </a:r>
-          </a:p>
-          <a:p>
-            <a:pPr lvl="1">
-              <a:lnSpc>
-                <a:spcPct val="100000"/>
-              </a:lnSpc>
-              <a:spcBef>
-                <a:spcPts val="0"/>
-              </a:spcBef>
-            </a:pPr>
-            <a:r>
-              <a:rPr lang="en-US" altLang="en-US" sz="2400" dirty="0" smtClean="0"/>
-              <a:t>1.110 × 10</a:t>
-            </a:r>
-            <a:r>
-              <a:rPr lang="en-US" altLang="en-US" sz="2400" baseline="30000" dirty="0" smtClean="0"/>
-              <a:t>10</a:t>
-            </a:r>
-            <a:r>
-              <a:rPr lang="en-US" altLang="en-US" sz="2400" dirty="0" smtClean="0"/>
-              <a:t> × 9.200 × 10</a:t>
-            </a:r>
-            <a:r>
-              <a:rPr lang="en-US" altLang="en-US" sz="2400" baseline="30000" dirty="0" smtClean="0"/>
-              <a:t>–5</a:t>
-            </a:r>
-          </a:p>
-          <a:p>
-            <a:pPr>
-              <a:lnSpc>
-                <a:spcPct val="100000"/>
-              </a:lnSpc>
-              <a:spcBef>
-                <a:spcPts val="0"/>
-              </a:spcBef>
-            </a:pPr>
-            <a:r>
-              <a:rPr lang="en-US" altLang="en-US" sz="2800" dirty="0" smtClean="0"/>
-              <a:t>1. Add exponents</a:t>
-            </a:r>
-          </a:p>
-          <a:p>
-            <a:pPr lvl="1">
-              <a:lnSpc>
-                <a:spcPct val="100000"/>
-              </a:lnSpc>
-              <a:spcBef>
-                <a:spcPts val="0"/>
-              </a:spcBef>
-            </a:pPr>
-            <a:r>
-              <a:rPr lang="en-US" altLang="en-US" sz="2400" dirty="0" smtClean="0"/>
-              <a:t>For biased exponents, subtract bias from sum</a:t>
-            </a:r>
-          </a:p>
-          <a:p>
-            <a:pPr lvl="1">
-              <a:lnSpc>
-                <a:spcPct val="100000"/>
-              </a:lnSpc>
-              <a:spcBef>
-                <a:spcPts val="0"/>
-              </a:spcBef>
-            </a:pPr>
-            <a:r>
-              <a:rPr lang="en-US" altLang="en-US" sz="2400" dirty="0" smtClean="0"/>
-              <a:t>New exponent = 10 + –5 = 5</a:t>
-            </a:r>
-          </a:p>
-          <a:p>
-            <a:pPr>
-              <a:lnSpc>
-                <a:spcPct val="100000"/>
-              </a:lnSpc>
-              <a:spcBef>
-                <a:spcPts val="0"/>
-              </a:spcBef>
-            </a:pPr>
-            <a:r>
-              <a:rPr lang="en-US" altLang="en-US" sz="2800" dirty="0" smtClean="0"/>
-              <a:t>2. Multiply </a:t>
-            </a:r>
-            <a:r>
-              <a:rPr lang="en-US" altLang="en-US" sz="2800" dirty="0" err="1" smtClean="0"/>
-              <a:t>significands</a:t>
-            </a:r>
-            <a:endParaRPr lang="en-US" altLang="en-US" sz="2800" dirty="0" smtClean="0"/>
-          </a:p>
-          <a:p>
-            <a:pPr lvl="1">
-              <a:lnSpc>
-                <a:spcPct val="100000"/>
-              </a:lnSpc>
-              <a:spcBef>
-                <a:spcPts val="0"/>
-              </a:spcBef>
-            </a:pPr>
-            <a:r>
-              <a:rPr lang="en-US" altLang="en-US" sz="2400" dirty="0" smtClean="0"/>
-              <a:t>1.110 × 9.200 = 10.212  </a:t>
-            </a:r>
-            <a:r>
-              <a:rPr lang="en-US" altLang="en-US" sz="2400" dirty="0" smtClean="0">
-                <a:sym typeface="Symbol" pitchFamily="18" charset="2"/>
-              </a:rPr>
-              <a:t>  10.212 </a:t>
-            </a:r>
-            <a:r>
-              <a:rPr lang="en-US" altLang="en-US" sz="2400" dirty="0" smtClean="0"/>
-              <a:t>× 10</a:t>
-            </a:r>
-            <a:r>
-              <a:rPr lang="en-US" altLang="en-US" sz="2400" baseline="30000" dirty="0" smtClean="0"/>
-              <a:t>5</a:t>
-            </a:r>
-            <a:endParaRPr lang="en-US" altLang="en-US" sz="2400" baseline="30000" dirty="0" smtClean="0">
-              <a:sym typeface="Symbol" pitchFamily="18" charset="2"/>
-            </a:endParaRPr>
-          </a:p>
-          <a:p>
-            <a:pPr>
-              <a:lnSpc>
-                <a:spcPct val="100000"/>
-              </a:lnSpc>
-              <a:spcBef>
-                <a:spcPts val="0"/>
-              </a:spcBef>
-            </a:pPr>
-            <a:r>
-              <a:rPr lang="en-US" altLang="en-US" sz="2800" dirty="0" smtClean="0"/>
-              <a:t>3. Normalize result &amp; check for over/underflow</a:t>
-            </a:r>
-          </a:p>
-          <a:p>
-            <a:pPr lvl="1">
-              <a:lnSpc>
-                <a:spcPct val="100000"/>
-              </a:lnSpc>
-              <a:spcBef>
-                <a:spcPts val="0"/>
-              </a:spcBef>
-            </a:pPr>
-            <a:r>
-              <a:rPr lang="en-US" altLang="en-US" sz="2400" dirty="0" smtClean="0"/>
-              <a:t>1.0212 × 10</a:t>
-            </a:r>
-            <a:r>
-              <a:rPr lang="en-US" altLang="en-US" sz="2400" baseline="30000" dirty="0" smtClean="0"/>
-              <a:t>6</a:t>
-            </a:r>
-          </a:p>
-          <a:p>
-            <a:pPr>
-              <a:lnSpc>
-                <a:spcPct val="100000"/>
-              </a:lnSpc>
-              <a:spcBef>
-                <a:spcPts val="0"/>
-              </a:spcBef>
-            </a:pPr>
-            <a:r>
-              <a:rPr lang="en-US" altLang="en-US" sz="2800" dirty="0" smtClean="0"/>
-              <a:t>4. Round and renormalize if necessary</a:t>
-            </a:r>
-          </a:p>
-          <a:p>
-            <a:pPr lvl="1">
-              <a:spcBef>
-                <a:spcPts val="0"/>
-              </a:spcBef>
-            </a:pPr>
-            <a:r>
-              <a:rPr lang="en-US" altLang="en-US" sz="2400" dirty="0" smtClean="0"/>
-              <a:t>1.021 × 10</a:t>
-            </a:r>
-            <a:r>
-              <a:rPr lang="en-US" altLang="en-US" sz="2400" baseline="30000" dirty="0" smtClean="0"/>
-              <a:t>6</a:t>
-            </a:r>
-          </a:p>
-          <a:p>
-            <a:pPr>
-              <a:lnSpc>
-                <a:spcPct val="100000"/>
-              </a:lnSpc>
-              <a:spcBef>
-                <a:spcPts val="0"/>
-              </a:spcBef>
-            </a:pPr>
-            <a:r>
-              <a:rPr lang="en-US" altLang="en-US" sz="2800" dirty="0" smtClean="0"/>
-              <a:t>5. Determine sign of result from signs of operands</a:t>
-            </a:r>
-          </a:p>
-          <a:p>
-            <a:pPr lvl="1">
-              <a:lnSpc>
-                <a:spcPct val="100000"/>
-              </a:lnSpc>
-              <a:spcBef>
-                <a:spcPts val="0"/>
-              </a:spcBef>
-            </a:pPr>
-            <a:r>
-              <a:rPr lang="en-US" altLang="en-US" sz="2400" dirty="0" smtClean="0"/>
-              <a:t>+1.021 × 10</a:t>
-            </a:r>
-            <a:r>
-              <a:rPr lang="en-US" altLang="en-US" sz="2400" baseline="30000" dirty="0" smtClean="0"/>
-              <a:t>6</a:t>
-            </a:r>
-          </a:p>
-        </p:txBody>
-      </p:sp>
-      <p:sp>
-        <p:nvSpPr>
-          <p:cNvPr id="3" name="Номер слайда 2"/>
-          <p:cNvSpPr>
-            <a:spLocks noGrp="1"/>
-          </p:cNvSpPr>
-          <p:nvPr>
-            <p:ph type="sldNum" sz="quarter" idx="12"/>
-          </p:nvPr>
-        </p:nvSpPr>
-        <p:spPr/>
-        <p:txBody>
-          <a:bodyPr/>
-          <a:lstStyle/>
-          <a:p>
-            <a:pPr algn="ctr"/>
-            <a:fld id="{1397BFD8-F312-4EF2-A268-44FB4BDDBBB0}" type="slidenum">
-              <a:rPr lang="ru-RU" smtClean="0"/>
-              <a:pPr algn="ctr"/>
-              <a:t>16</a:t>
-            </a:fld>
-            <a:endParaRPr lang="ru-RU" dirty="0"/>
-          </a:p>
-        </p:txBody>
-      </p:sp>
-      <p:sp>
-        <p:nvSpPr>
-          <p:cNvPr id="4" name="Заголовок 3"/>
-          <p:cNvSpPr>
-            <a:spLocks noGrp="1"/>
-          </p:cNvSpPr>
-          <p:nvPr>
-            <p:ph type="title"/>
-          </p:nvPr>
-        </p:nvSpPr>
-        <p:spPr/>
-        <p:txBody>
-          <a:bodyPr/>
-          <a:lstStyle/>
-          <a:p>
-            <a:r>
-              <a:rPr lang="en-US" altLang="en-US" dirty="0" smtClean="0"/>
-              <a:t>Floating-Point Multiplication</a:t>
-            </a:r>
-            <a:endParaRPr lang="ru-RU" dirty="0"/>
-          </a:p>
-        </p:txBody>
-      </p:sp>
-    </p:spTree>
-  </p:cSld>
-  <p:clrMapOvr>
-    <a:masterClrMapping/>
-  </p:clrMapOvr>
-  <p:timing>
-    <p:tnLst>
-      <p:par>
-        <p:cTn id="1" dur="indefinite" restart="never" nodeType="tmRoot"/>
-      </p:par>
-    </p:tnLst>
-  </p:timing>
-</p:sld>
-</file>
-
 <file path=ppt/slides/slide17.xml><?xml version="1.0" encoding="utf-8"?>
 <p:sld xmlns:a="http://schemas.openxmlformats.org/drawingml/2006/main" xmlns:r="http://schemas.openxmlformats.org/officeDocument/2006/relationships" xmlns:p="http://schemas.openxmlformats.org/presentationml/2006/main">
   <p:cSld>
@@ -6257,8 +6035,8 @@
         </p:nvSpPr>
         <p:spPr>
           <a:xfrm>
-            <a:off x="838200" y="1094928"/>
-            <a:ext cx="10515600" cy="5270246"/>
+            <a:off x="838200" y="1154303"/>
+            <a:ext cx="10515600" cy="4997896"/>
           </a:xfrm>
         </p:spPr>
         <p:txBody>
@@ -6266,6 +6044,38 @@
             <a:noAutofit/>
           </a:bodyPr>
           <a:lstStyle/>
+          <a:p>
+            <a:r>
+              <a:rPr lang="en-US" altLang="en-US" sz="2800" dirty="0" smtClean="0"/>
+              <a:t>Consider a 4-digit decimal example</a:t>
+            </a:r>
+          </a:p>
+          <a:p>
+            <a:pPr lvl="1">
+              <a:lnSpc>
+                <a:spcPct val="100000"/>
+              </a:lnSpc>
+              <a:spcBef>
+                <a:spcPts val="0"/>
+              </a:spcBef>
+            </a:pPr>
+            <a:r>
+              <a:rPr lang="en-US" altLang="en-US" sz="2400" dirty="0" smtClean="0"/>
+              <a:t>1.110 × 10</a:t>
+            </a:r>
+            <a:r>
+              <a:rPr lang="en-US" altLang="en-US" sz="2400" baseline="30000" dirty="0" smtClean="0"/>
+              <a:t>10</a:t>
+            </a:r>
+            <a:r>
+              <a:rPr lang="en-US" altLang="en-US" sz="2400" dirty="0" smtClean="0"/>
+              <a:t> × 9.200 × 10</a:t>
+            </a:r>
+            <a:r>
+              <a:rPr lang="en-US" altLang="en-US" sz="2400" baseline="30000" dirty="0" smtClean="0"/>
+              <a:t>–5</a:t>
+            </a:r>
+          </a:p>
           <a:p>
             <a:pPr>
               <a:lnSpc>
@@ -6277,7 +6087,7 @@
             </a:pPr>
             <a:r>
               <a:rPr lang="en-US" altLang="en-US" sz="2800" dirty="0" smtClean="0"/>
-              <a:t>Now consider a 4-digit binary example</a:t>
+              <a:t>1. Add exponents</a:t>
             </a:r>
           </a:p>
           <a:p>
@@ -6291,39 +6101,21 @@
             </a:pPr>
             <a:r>
               <a:rPr lang="en-US" altLang="en-US" sz="2400" dirty="0" smtClean="0"/>
-              <a:t>1.000</a:t>
-            </a:r>
-            <a:r>
-              <a:rPr lang="en-US" altLang="en-US" sz="2400" baseline="-25000" dirty="0" smtClean="0"/>
-              <a:t>2</a:t>
-            </a:r>
+              <a:t>For biased exponents, subtract bias from sum</a:t>
+            </a:r>
+          </a:p>
+          <a:p>
+            <a:pPr lvl="1">
+              <a:lnSpc>
+                <a:spcPct val="100000"/>
+              </a:lnSpc>
+              <a:spcBef>
+                <a:spcPts val="0"/>
+              </a:spcBef>
+            </a:pPr>
             <a:r>
               <a:rPr lang="en-US" altLang="en-US" sz="2400" dirty="0" smtClean="0"/>
-              <a:t> × 2</a:t>
-            </a:r>
-            <a:r>
-              <a:rPr lang="en-US" altLang="en-US" sz="2400" baseline="30000" dirty="0" smtClean="0"/>
-              <a:t>–1</a:t>
-            </a:r>
-            <a:r>
-              <a:rPr lang="en-US" altLang="en-US" sz="2400" dirty="0" smtClean="0"/>
-              <a:t> × –1.110</a:t>
-            </a:r>
-            <a:r>
-              <a:rPr lang="en-US" altLang="en-US" sz="2400" baseline="-25000" dirty="0" smtClean="0"/>
-              <a:t>2</a:t>
-            </a:r>
-            <a:r>
-              <a:rPr lang="en-US" altLang="en-US" sz="2400" dirty="0" smtClean="0"/>
-              <a:t> × 2</a:t>
-            </a:r>
-            <a:r>
-              <a:rPr lang="en-US" altLang="en-US" sz="2400" baseline="30000" dirty="0" smtClean="0"/>
-              <a:t>–2</a:t>
-            </a:r>
-            <a:r>
-              <a:rPr lang="en-US" altLang="en-US" sz="2400" dirty="0" smtClean="0"/>
-              <a:t> (0.5 × –0.4375)</a:t>
+              <a:t>New exponent = 10 + –5 = 5</a:t>
             </a:r>
           </a:p>
           <a:p>
@@ -6337,8 +6129,13 @@
             </a:pPr>
             <a:r>
               <a:rPr lang="en-US" altLang="en-US" sz="2800" dirty="0" smtClean="0"/>
-              <a:t>1. Add exponents</a:t>
-            </a:r>
+              <a:t>2. Multiply </a:t>
+            </a:r>
+            <a:r>
+              <a:rPr lang="en-US" altLang="en-US" sz="2800" dirty="0" err="1" smtClean="0"/>
+              <a:t>significands</a:t>
+            </a:r>
+            <a:endParaRPr lang="en-US" altLang="en-US" sz="2800" dirty="0" smtClean="0"/>
           </a:p>
           <a:p>
             <a:pPr lvl="1">
@@ -6351,7 +6148,38 @@
             </a:pPr>
             <a:r>
               <a:rPr lang="en-US" altLang="en-US" sz="2400" dirty="0" smtClean="0"/>
-              <a:t>Unbiased: –1 + –2 = –3</a:t>
+              <a:t>1.110 × 9.200 = 10.212  </a:t>
+            </a:r>
+            <a:r>
+              <a:rPr lang="en-US" altLang="en-US" sz="2400" dirty="0" smtClean="0">
+                <a:sym typeface="Symbol" pitchFamily="18" charset="2"/>
+              </a:rPr>
+              <a:t>  10.212 </a:t>
+            </a:r>
+            <a:r>
+              <a:rPr lang="en-US" altLang="en-US" sz="2400" dirty="0" smtClean="0"/>
+              <a:t>× 10</a:t>
+            </a:r>
+            <a:r>
+              <a:rPr lang="en-US" altLang="en-US" sz="2400" baseline="30000" dirty="0" smtClean="0"/>
+              <a:t>5</a:t>
+            </a:r>
+            <a:endParaRPr lang="en-US" altLang="en-US" sz="2400" baseline="30000" dirty="0" smtClean="0">
+              <a:sym typeface="Symbol" pitchFamily="18" charset="2"/>
+            </a:endParaRPr>
+          </a:p>
+          <a:p>
+            <a:pPr>
+              <a:lnSpc>
+                <a:spcPct val="100000"/>
+              </a:lnSpc>
+              <a:spcBef>
+                <a:spcPts val="0"/>
+              </a:spcBef>
+            </a:pPr>
+            <a:r>
+              <a:rPr lang="en-US" altLang="en-US" sz="2800" dirty="0" smtClean="0"/>
+              <a:t>3. Normalize result &amp; check for over/underflow</a:t>
             </a:r>
           </a:p>
           <a:p>
@@ -6365,7 +6193,11 @@
             </a:pPr>
             <a:r>
               <a:rPr lang="en-US" altLang="en-US" sz="2400" dirty="0" smtClean="0"/>
-              <a:t>Biased: (–1 + 127) + (–2 + 127) = –3 + 254 – 127 = –3 + 127</a:t>
+              <a:t>1.0212 × 10</a:t>
+            </a:r>
+            <a:r>
+              <a:rPr lang="en-US" altLang="en-US" sz="2400" baseline="30000" dirty="0" smtClean="0"/>
+              <a:t>6</a:t>
             </a:r>
           </a:p>
           <a:p>
@@ -6379,13 +6211,37 @@
             </a:pPr>
             <a:r>
               <a:rPr lang="en-US" altLang="en-US" sz="2800" dirty="0" smtClean="0"/>
-              <a:t>2. Multiply </a:t>
-            </a:r>
-            <a:r>
-              <a:rPr lang="en-US" altLang="en-US" sz="2800" dirty="0" err="1" smtClean="0"/>
-              <a:t>significands</a:t>
-            </a:r>
-            <a:endParaRPr lang="en-US" altLang="en-US" sz="2800" dirty="0" smtClean="0"/>
+              <a:t>4. Round and renormalize if necessary</a:t>
+            </a:r>
+          </a:p>
+          <a:p>
+            <a:pPr lvl="1">
+              <a:spcBef>
+                <a:spcPts val="0"/>
+              </a:spcBef>
+            </a:pPr>
+            <a:r>
+              <a:rPr lang="en-US" altLang="en-US" sz="2400" dirty="0" smtClean="0"/>
+              <a:t>1.021 × 10</a:t>
+            </a:r>
+            <a:r>
+              <a:rPr lang="en-US" altLang="en-US" sz="2400" baseline="30000" dirty="0" smtClean="0"/>
+              <a:t>6</a:t>
+            </a:r>
+          </a:p>
+          <a:p>
+            <a:pPr>
+              <a:lnSpc>
+                <a:spcPct val="100000"/>
+              </a:lnSpc>
+              <a:spcBef>
+                <a:spcPts val="0"/>
+              </a:spcBef>
+            </a:pPr>
+            <a:r>
+              <a:rPr lang="en-US" altLang="en-US" sz="2800" dirty="0" smtClean="0"/>
+              <a:t>5. Determine sign of result from signs of operands</a:t>
+            </a:r>
           </a:p>
           <a:p>
             <a:pPr lvl="1">
@@ -6398,208 +6254,11 @@
             </a:pPr>
             <a:r>
               <a:rPr lang="en-US" altLang="en-US" sz="2400" dirty="0" smtClean="0"/>
-              <a:t>1.000</a:t>
-            </a:r>
-            <a:r>
-              <a:rPr lang="en-US" altLang="en-US" sz="2400" baseline="-25000" dirty="0" smtClean="0"/>
-              <a:t>2</a:t>
-            </a:r>
-            <a:r>
-              <a:rPr lang="en-US" altLang="en-US" sz="2400" dirty="0" smtClean="0"/>
-              <a:t> × 1.110</a:t>
-            </a:r>
-            <a:r>
-              <a:rPr lang="en-US" altLang="en-US" sz="2400" baseline="-25000" dirty="0" smtClean="0"/>
-              <a:t>2</a:t>
-            </a:r>
-            <a:r>
-              <a:rPr lang="en-US" altLang="en-US" sz="2400" dirty="0" smtClean="0"/>
-              <a:t> = 1.1102  </a:t>
-            </a:r>
-            <a:r>
-              <a:rPr lang="en-US" altLang="en-US" sz="2400" dirty="0" smtClean="0">
-                <a:sym typeface="Symbol" pitchFamily="18" charset="2"/>
-              </a:rPr>
-              <a:t>  </a:t>
-            </a:r>
-            <a:r>
-              <a:rPr lang="en-US" altLang="en-US" sz="2400" dirty="0" smtClean="0"/>
-              <a:t>1.110</a:t>
-            </a:r>
-            <a:r>
-              <a:rPr lang="en-US" altLang="en-US" sz="2400" baseline="-25000" dirty="0" smtClean="0"/>
-              <a:t>2</a:t>
-            </a:r>
-            <a:r>
-              <a:rPr lang="en-US" altLang="en-US" sz="2400" dirty="0" smtClean="0"/>
-              <a:t> × 2</a:t>
+              <a:t>+1.021 × 10</a:t>
             </a:r>
             <a:r>
               <a:rPr lang="en-US" altLang="en-US" sz="2400" baseline="30000" dirty="0" smtClean="0"/>
-              <a:t>–3</a:t>
-            </a:r>
-          </a:p>
-          <a:p>
-            <a:pPr>
-              <a:lnSpc>
-                <a:spcPct val="100000"/>
-              </a:lnSpc>
-              <a:spcBef>
-                <a:spcPts val="0"/>
-              </a:spcBef>
-            </a:pPr>
-            <a:r>
-              <a:rPr lang="en-US" altLang="en-US" sz="2800" dirty="0" smtClean="0"/>
-              <a:t>3. Normalize result &amp; check for over/underflow</a:t>
-            </a:r>
-          </a:p>
-          <a:p>
-            <a:pPr lvl="1">
-              <a:lnSpc>
-                <a:spcPct val="100000"/>
-              </a:lnSpc>
-              <a:spcBef>
-                <a:spcPts val="0"/>
-              </a:spcBef>
-            </a:pPr>
-            <a:r>
-              <a:rPr lang="en-US" altLang="en-US" sz="2400" dirty="0" smtClean="0"/>
-              <a:t>1.110</a:t>
-            </a:r>
-            <a:r>
-              <a:rPr lang="en-US" altLang="en-US" sz="2400" baseline="-25000" dirty="0" smtClean="0"/>
-              <a:t>2</a:t>
-            </a:r>
-            <a:r>
-              <a:rPr lang="en-US" altLang="en-US" sz="2400" dirty="0" smtClean="0"/>
-              <a:t> × 2</a:t>
-            </a:r>
-            <a:r>
-              <a:rPr lang="en-US" altLang="en-US" sz="2400" baseline="30000" dirty="0" smtClean="0"/>
-              <a:t>–3</a:t>
-            </a:r>
-            <a:r>
-              <a:rPr lang="en-US" altLang="en-US" sz="2400" dirty="0" smtClean="0"/>
-              <a:t> (no change) with no over/underflow</a:t>
-            </a:r>
-          </a:p>
-          <a:p>
-            <a:pPr>
-              <a:lnSpc>
-                <a:spcPct val="100000"/>
-              </a:lnSpc>
-              <a:spcBef>
-                <a:spcPts val="0"/>
-              </a:spcBef>
-            </a:pPr>
-            <a:r>
-              <a:rPr lang="en-US" altLang="en-US" sz="2800" dirty="0" smtClean="0"/>
-              <a:t>4. Round and renormalize if necessary</a:t>
-            </a:r>
-          </a:p>
-          <a:p>
-            <a:pPr lvl="1">
-              <a:lnSpc>
-                <a:spcPct val="100000"/>
-              </a:lnSpc>
-              <a:spcBef>
-                <a:spcPts val="0"/>
-              </a:spcBef>
-            </a:pPr>
-            <a:r>
-              <a:rPr lang="en-US" altLang="en-US" sz="2400" dirty="0" smtClean="0"/>
-              <a:t>1.110</a:t>
-            </a:r>
-            <a:r>
-              <a:rPr lang="en-US" altLang="en-US" sz="2400" baseline="-25000" dirty="0" smtClean="0"/>
-              <a:t>2</a:t>
-            </a:r>
-            <a:r>
-              <a:rPr lang="en-US" altLang="en-US" sz="2400" dirty="0" smtClean="0"/>
-              <a:t> × 2</a:t>
-            </a:r>
-            <a:r>
-              <a:rPr lang="en-US" altLang="en-US" sz="2400" baseline="30000" dirty="0" smtClean="0"/>
-              <a:t>–3</a:t>
-            </a:r>
-            <a:r>
-              <a:rPr lang="en-US" altLang="en-US" sz="2400" dirty="0" smtClean="0"/>
-              <a:t> (no change)</a:t>
-            </a:r>
-          </a:p>
-          <a:p>
-            <a:pPr>
-              <a:lnSpc>
-                <a:spcPct val="100000"/>
-              </a:lnSpc>
-              <a:spcBef>
-                <a:spcPts val="0"/>
-              </a:spcBef>
-            </a:pPr>
-            <a:r>
-              <a:rPr lang="en-US" altLang="en-US" sz="2800" dirty="0" smtClean="0"/>
-              <a:t>5. Determine sign: +</a:t>
-            </a:r>
-            <a:r>
-              <a:rPr lang="en-US" altLang="en-US" sz="2800" dirty="0" err="1" smtClean="0"/>
-              <a:t>ve</a:t>
-            </a:r>
-            <a:r>
-              <a:rPr lang="en-US" altLang="en-US" sz="2800" dirty="0" smtClean="0"/>
-              <a:t> × –</a:t>
-            </a:r>
-            <a:r>
-              <a:rPr lang="en-US" altLang="en-US" sz="2800" dirty="0" err="1" smtClean="0"/>
-              <a:t>ve</a:t>
-            </a:r>
-            <a:r>
-              <a:rPr lang="en-US" altLang="en-US" sz="2800" dirty="0" smtClean="0"/>
-              <a:t> </a:t>
-            </a:r>
-            <a:r>
-              <a:rPr lang="en-US" altLang="en-US" sz="2800" dirty="0" smtClean="0">
-                <a:sym typeface="Symbol" pitchFamily="18" charset="2"/>
-              </a:rPr>
-              <a:t> </a:t>
-            </a:r>
-            <a:r>
-              <a:rPr lang="en-US" altLang="en-US" sz="2800" dirty="0" smtClean="0"/>
-              <a:t>–</a:t>
-            </a:r>
-            <a:r>
-              <a:rPr lang="en-US" altLang="en-US" sz="2800" dirty="0" err="1" smtClean="0"/>
-              <a:t>ve</a:t>
-            </a:r>
-            <a:endParaRPr lang="en-US" altLang="en-US" sz="2800" dirty="0" smtClean="0"/>
-          </a:p>
-          <a:p>
-            <a:pPr lvl="1">
-              <a:lnSpc>
-                <a:spcPct val="100000"/>
-              </a:lnSpc>
-              <a:spcBef>
-                <a:spcPts val="0"/>
-              </a:spcBef>
-            </a:pPr>
-            <a:r>
-              <a:rPr lang="en-US" altLang="en-US" sz="2400" dirty="0" smtClean="0"/>
-              <a:t>–1.110</a:t>
-            </a:r>
-            <a:r>
-              <a:rPr lang="en-US" altLang="en-US" sz="2400" baseline="-25000" dirty="0" smtClean="0"/>
-              <a:t>2</a:t>
-            </a:r>
-            <a:r>
-              <a:rPr lang="en-US" altLang="en-US" sz="2400" dirty="0" smtClean="0"/>
-              <a:t> × 2</a:t>
-            </a:r>
-            <a:r>
-              <a:rPr lang="en-US" altLang="en-US" sz="2400" baseline="30000" dirty="0" smtClean="0"/>
-              <a:t>–3</a:t>
-            </a:r>
-            <a:r>
-              <a:rPr lang="en-US" altLang="en-US" sz="2400" dirty="0" smtClean="0"/>
-              <a:t>  = –0.21875</a:t>
+              <a:t>6</a:t>
             </a:r>
           </a:p>
         </p:txBody>
@@ -6645,7 +6304,7 @@
           <a:lstStyle/>
           <a:p>
             <a:r>
-              <a:rPr lang="en-US" dirty="0" smtClean="0"/>
+              <a:rPr lang="en-US" altLang="en-US" dirty="0" smtClean="0"/>
               <a:t>Floating-Point Multiplication</a:t>
             </a:r>
             <a:endParaRPr lang="ru-RU" dirty="0"/>
@@ -6694,70 +6353,352 @@
             <p:ph idx="1"/>
           </p:nvPr>
         </p:nvSpPr>
-        <p:spPr/>
-        <p:txBody>
-          <a:bodyPr/>
-          <a:lstStyle/>
-          <a:p>
-            <a:r>
-              <a:rPr lang="en-US" altLang="en-US" dirty="0" smtClean="0"/>
-              <a:t>FP multiplier is of similar complexity to FP adder</a:t>
-            </a:r>
-          </a:p>
-          <a:p>
-            <a:pPr lvl="1"/>
-            <a:r>
-              <a:rPr lang="en-US" altLang="en-US" dirty="0" smtClean="0"/>
-              <a:t>But uses a multiplier for </a:t>
-            </a:r>
-            <a:r>
-              <a:rPr lang="en-US" altLang="en-US" dirty="0" err="1" smtClean="0"/>
+        <p:spPr>
+          <a:xfrm>
+            <a:off x="838200" y="1094928"/>
+            <a:ext cx="10515600" cy="5270246"/>
+          </a:xfrm>
+        </p:spPr>
+        <p:txBody>
+          <a:bodyPr>
+            <a:noAutofit/>
+          </a:bodyPr>
+          <a:lstStyle/>
+          <a:p>
+            <a:pPr>
+              <a:lnSpc>
+                <a:spcPct val="100000"/>
+              </a:lnSpc>
+              <a:spcBef>
+                <a:spcPts val="0"/>
+              </a:spcBef>
+            </a:pPr>
+            <a:r>
+              <a:rPr lang="en-US" altLang="en-US" sz="2800" dirty="0" smtClean="0"/>
+              <a:t>Now consider a 4-digit binary example</a:t>
+            </a:r>
+          </a:p>
+          <a:p>
+            <a:pPr lvl="1">
+              <a:lnSpc>
+                <a:spcPct val="100000"/>
+              </a:lnSpc>
+              <a:spcBef>
+                <a:spcPts val="0"/>
+              </a:spcBef>
+            </a:pPr>
+            <a:r>
+              <a:rPr lang="en-US" altLang="en-US" sz="2400" dirty="0" smtClean="0"/>
+              <a:t>1.000</a:t>
+            </a:r>
+            <a:r>
+              <a:rPr lang="en-US" altLang="en-US" sz="2400" baseline="-25000" dirty="0" smtClean="0"/>
+              <a:t>2</a:t>
+            </a:r>
+            <a:r>
+              <a:rPr lang="en-US" altLang="en-US" sz="2400" dirty="0" smtClean="0"/>
+              <a:t> × 2</a:t>
+            </a:r>
+            <a:r>
+              <a:rPr lang="en-US" altLang="en-US" sz="2400" baseline="30000" dirty="0" smtClean="0"/>
+              <a:t>–1</a:t>
+            </a:r>
+            <a:r>
+              <a:rPr lang="en-US" altLang="en-US" sz="2400" dirty="0" smtClean="0"/>
+              <a:t> × –1.110</a:t>
+            </a:r>
+            <a:r>
+              <a:rPr lang="en-US" altLang="en-US" sz="2400" baseline="-25000" dirty="0" smtClean="0"/>
+              <a:t>2</a:t>
+            </a:r>
+            <a:r>
+              <a:rPr lang="en-US" altLang="en-US" sz="2400" dirty="0" smtClean="0"/>
+              <a:t> × 2</a:t>
+            </a:r>
+            <a:r>
+              <a:rPr lang="en-US" altLang="en-US" sz="2400" baseline="30000" dirty="0" smtClean="0"/>
+              <a:t>–2</a:t>
+            </a:r>
+            <a:r>
+              <a:rPr lang="en-US" altLang="en-US" sz="2400" dirty="0" smtClean="0"/>
+              <a:t> (0.5 × –0.4375)</a:t>
+            </a:r>
+          </a:p>
+          <a:p>
+            <a:pPr>
+              <a:lnSpc>
+                <a:spcPct val="100000"/>
+              </a:lnSpc>
+              <a:spcBef>
+                <a:spcPts val="0"/>
+              </a:spcBef>
+            </a:pPr>
+            <a:r>
+              <a:rPr lang="en-US" altLang="en-US" sz="2800" dirty="0" smtClean="0"/>
+              <a:t>1. Add exponents</a:t>
+            </a:r>
+          </a:p>
+          <a:p>
+            <a:pPr lvl="1">
+              <a:lnSpc>
+                <a:spcPct val="100000"/>
+              </a:lnSpc>
+              <a:spcBef>
+                <a:spcPts val="0"/>
+              </a:spcBef>
+            </a:pPr>
+            <a:r>
+              <a:rPr lang="en-US" altLang="en-US" sz="2400" dirty="0" smtClean="0"/>
+              <a:t>Unbiased: –1 + –2 = –3</a:t>
+            </a:r>
+          </a:p>
+          <a:p>
+            <a:pPr lvl="1">
+              <a:lnSpc>
+                <a:spcPct val="100000"/>
+              </a:lnSpc>
+              <a:spcBef>
+                <a:spcPts val="0"/>
+              </a:spcBef>
+            </a:pPr>
+            <a:r>
+              <a:rPr lang="en-US" altLang="en-US" sz="2400" dirty="0" smtClean="0"/>
+              <a:t>Biased: (–1 + 127) + (–2 + 127) = –3 + 254 – 127 = –3 + 127</a:t>
+            </a:r>
+          </a:p>
+          <a:p>
+            <a:pPr>
+              <a:lnSpc>
+                <a:spcPct val="100000"/>
+              </a:lnSpc>
+              <a:spcBef>
+                <a:spcPts val="0"/>
+              </a:spcBef>
+            </a:pPr>
+            <a:r>
+              <a:rPr lang="en-US" altLang="en-US" sz="2800" dirty="0" smtClean="0"/>
+              <a:t>2. Multiply </a:t>
+            </a:r>
+            <a:r>
+              <a:rPr lang="en-US" altLang="en-US" sz="2800" dirty="0" err="1" smtClean="0"/>
               <a:t>significands</a:t>
             </a:r>
-            <a:r>
-              <a:rPr lang="en-US" altLang="en-US" dirty="0" smtClean="0"/>
-              <a:t> instead of an adder</a:t>
-            </a:r>
-          </a:p>
-          <a:p>
-            <a:r>
-              <a:rPr lang="en-US" altLang="en-US" dirty="0" smtClean="0"/>
-              <a:t>FP arithmetic hardware usually does</a:t>
-            </a:r>
-          </a:p>
-          <a:p>
-            <a:pPr lvl="1"/>
-            <a:r>
-              <a:rPr lang="en-US" altLang="en-US" dirty="0" smtClean="0"/>
-              <a:t>Addition, subtraction, multiplication, division, reciprocal, square-root</a:t>
-            </a:r>
-          </a:p>
-          <a:p>
-            <a:pPr lvl="1"/>
-            <a:r>
-              <a:rPr lang="en-US" altLang="en-US" dirty="0" smtClean="0"/>
-              <a:t>FP </a:t>
-            </a:r>
-            <a:r>
-              <a:rPr lang="en-US" altLang="en-US" dirty="0" smtClean="0">
+            <a:endParaRPr lang="en-US" altLang="en-US" sz="2800" dirty="0" smtClean="0"/>
+          </a:p>
+          <a:p>
+            <a:pPr lvl="1">
+              <a:lnSpc>
+                <a:spcPct val="100000"/>
+              </a:lnSpc>
+              <a:spcBef>
+                <a:spcPts val="0"/>
+              </a:spcBef>
+            </a:pPr>
+            <a:r>
+              <a:rPr lang="en-US" altLang="en-US" sz="2400" dirty="0" smtClean="0"/>
+              <a:t>1.000</a:t>
+            </a:r>
+            <a:r>
+              <a:rPr lang="en-US" altLang="en-US" sz="2400" baseline="-25000" dirty="0" smtClean="0"/>
+              <a:t>2</a:t>
+            </a:r>
+            <a:r>
+              <a:rPr lang="en-US" altLang="en-US" sz="2400" dirty="0" smtClean="0"/>
+              <a:t> × 1.110</a:t>
+            </a:r>
+            <a:r>
+              <a:rPr lang="en-US" altLang="en-US" sz="2400" baseline="-25000" dirty="0" smtClean="0"/>
+              <a:t>2</a:t>
+            </a:r>
+            <a:r>
+              <a:rPr lang="en-US" altLang="en-US" sz="2400" dirty="0" smtClean="0"/>
+              <a:t> = 1.1102  </a:t>
+            </a:r>
+            <a:r>
+              <a:rPr lang="en-US" altLang="en-US" sz="2400" dirty="0" smtClean="0">
                 <a:sym typeface="Symbol" pitchFamily="18" charset="2"/>
               </a:rPr>
-              <a:t> integer conversion</a:t>
-            </a:r>
-          </a:p>
-          <a:p>
-            <a:r>
-              <a:rPr lang="en-US" altLang="en-US" dirty="0" smtClean="0"/>
-              <a:t>Operations usually takes several cycles</a:t>
-            </a:r>
-          </a:p>
-          <a:p>
-            <a:pPr lvl="1"/>
-            <a:r>
-              <a:rPr lang="en-US" altLang="en-US" dirty="0" smtClean="0"/>
-              <a:t>Can be pipelined</a:t>
-            </a:r>
-            <a:endParaRPr lang="ru-RU" dirty="0"/>
+              <a:t>  </a:t>
+            </a:r>
+            <a:r>
+              <a:rPr lang="en-US" altLang="en-US" sz="2400" dirty="0" smtClean="0"/>
+              <a:t>1.110</a:t>
+            </a:r>
+            <a:r>
+              <a:rPr lang="en-US" altLang="en-US" sz="2400" baseline="-25000" dirty="0" smtClean="0"/>
+              <a:t>2</a:t>
+            </a:r>
+            <a:r>
+              <a:rPr lang="en-US" altLang="en-US" sz="2400" dirty="0" smtClean="0"/>
+              <a:t> × 2</a:t>
+            </a:r>
+            <a:r>
+              <a:rPr lang="en-US" altLang="en-US" sz="2400" baseline="30000" dirty="0" smtClean="0"/>
+              <a:t>–3</a:t>
+            </a:r>
+          </a:p>
+          <a:p>
+            <a:pPr>
+              <a:lnSpc>
+                <a:spcPct val="100000"/>
+              </a:lnSpc>
+              <a:spcBef>
+                <a:spcPts val="0"/>
+              </a:spcBef>
+            </a:pPr>
+            <a:r>
+              <a:rPr lang="en-US" altLang="en-US" sz="2800" dirty="0" smtClean="0"/>
+              <a:t>3. Normalize result &amp; check for over/underflow</a:t>
+            </a:r>
+          </a:p>
+          <a:p>
+            <a:pPr lvl="1">
+              <a:lnSpc>
+                <a:spcPct val="100000"/>
+              </a:lnSpc>
+              <a:spcBef>
+                <a:spcPts val="0"/>
+              </a:spcBef>
+            </a:pPr>
+            <a:r>
+              <a:rPr lang="en-US" altLang="en-US" sz="2400" dirty="0" smtClean="0"/>
+              <a:t>1.110</a:t>
+            </a:r>
+            <a:r>
+              <a:rPr lang="en-US" altLang="en-US" sz="2400" baseline="-25000" dirty="0" smtClean="0"/>
+              <a:t>2</a:t>
+            </a:r>
+            <a:r>
+              <a:rPr lang="en-US" altLang="en-US" sz="2400" dirty="0" smtClean="0"/>
+              <a:t> × 2</a:t>
+            </a:r>
+            <a:r>
+              <a:rPr lang="en-US" altLang="en-US" sz="2400" baseline="30000" dirty="0" smtClean="0"/>
+              <a:t>–3</a:t>
+            </a:r>
+            <a:r>
+              <a:rPr lang="en-US" altLang="en-US" sz="2400" dirty="0" smtClean="0"/>
+              <a:t> (no change) with no over/underflow</a:t>
+            </a:r>
+          </a:p>
+          <a:p>
+            <a:pPr>
+              <a:lnSpc>
+                <a:spcPct val="100000"/>
+              </a:lnSpc>
+              <a:spcBef>
+                <a:spcPts val="0"/>
+              </a:spcBef>
+            </a:pPr>
+            <a:r>
+              <a:rPr lang="en-US" altLang="en-US" sz="2800" dirty="0" smtClean="0"/>
+              <a:t>4. Round and renormalize if necessary</a:t>
+            </a:r>
+          </a:p>
+          <a:p>
+            <a:pPr lvl="1">
+              <a:lnSpc>
+                <a:spcPct val="100000"/>
+              </a:lnSpc>
+              <a:spcBef>
+                <a:spcPts val="0"/>
+              </a:spcBef>
+            </a:pPr>
+            <a:r>
+              <a:rPr lang="en-US" altLang="en-US" sz="2400" dirty="0" smtClean="0"/>
+              <a:t>1.110</a:t>
+            </a:r>
+            <a:r>
+              <a:rPr lang="en-US" altLang="en-US" sz="2400" baseline="-25000" dirty="0" smtClean="0"/>
+              <a:t>2</a:t>
+            </a:r>
+            <a:r>
+              <a:rPr lang="en-US" altLang="en-US" sz="2400" dirty="0" smtClean="0"/>
+              <a:t> × 2</a:t>
+            </a:r>
+            <a:r>
+              <a:rPr lang="en-US" altLang="en-US" sz="2400" baseline="30000" dirty="0" smtClean="0"/>
+              <a:t>–3</a:t>
+            </a:r>
+            <a:r>
+              <a:rPr lang="en-US" altLang="en-US" sz="2400" dirty="0" smtClean="0"/>
+              <a:t> (no change)</a:t>
+            </a:r>
+          </a:p>
+          <a:p>
+            <a:pPr>
+              <a:lnSpc>
+                <a:spcPct val="100000"/>
+              </a:lnSpc>
+              <a:spcBef>
+                <a:spcPts val="0"/>
+              </a:spcBef>
+            </a:pPr>
+            <a:r>
+              <a:rPr lang="en-US" altLang="en-US" sz="2800" dirty="0" smtClean="0"/>
+              <a:t>5. Determine sign: +</a:t>
+            </a:r>
+            <a:r>
+              <a:rPr lang="en-US" altLang="en-US" sz="2800" dirty="0" err="1" smtClean="0"/>
+              <a:t>ve</a:t>
+            </a:r>
+            <a:r>
+              <a:rPr lang="en-US" altLang="en-US" sz="2800" dirty="0" smtClean="0"/>
+              <a:t> × –</a:t>
+            </a:r>
+            <a:r>
+              <a:rPr lang="en-US" altLang="en-US" sz="2800" dirty="0" err="1" smtClean="0"/>
+              <a:t>ve</a:t>
+            </a:r>
+            <a:r>
+              <a:rPr lang="en-US" altLang="en-US" sz="2800" dirty="0" smtClean="0"/>
+              <a:t> </a:t>
+            </a:r>
+            <a:r>
+              <a:rPr lang="en-US" altLang="en-US" sz="2800" dirty="0" smtClean="0">
+                <a:sym typeface="Symbol" pitchFamily="18" charset="2"/>
+              </a:rPr>
+              <a:t> </a:t>
+            </a:r>
+            <a:r>
+              <a:rPr lang="en-US" altLang="en-US" sz="2800" dirty="0" smtClean="0"/>
+              <a:t>–</a:t>
+            </a:r>
+            <a:r>
+              <a:rPr lang="en-US" altLang="en-US" sz="2800" dirty="0" err="1" smtClean="0"/>
+              <a:t>ve</a:t>
+            </a:r>
+            <a:endParaRPr lang="en-US" altLang="en-US" sz="2800" dirty="0" smtClean="0"/>
+          </a:p>
+          <a:p>
+            <a:pPr lvl="1">
+              <a:lnSpc>
+                <a:spcPct val="100000"/>
+              </a:lnSpc>
+              <a:spcBef>
+                <a:spcPts val="0"/>
+              </a:spcBef>
+            </a:pPr>
+            <a:r>
+              <a:rPr lang="en-US" altLang="en-US" sz="2400" dirty="0" smtClean="0"/>
+              <a:t>–1.110</a:t>
+            </a:r>
+            <a:r>
+              <a:rPr lang="en-US" altLang="en-US" sz="2400" baseline="-25000" dirty="0" smtClean="0"/>
+              <a:t>2</a:t>
+            </a:r>
+            <a:r>
+              <a:rPr lang="en-US" altLang="en-US" sz="2400" dirty="0" smtClean="0"/>
+              <a:t> × 2</a:t>
+            </a:r>
+            <a:r>
+              <a:rPr lang="en-US" altLang="en-US" sz="2400" baseline="30000" dirty="0" smtClean="0"/>
+              <a:t>–3</a:t>
+            </a:r>
+            <a:r>
+              <a:rPr lang="en-US" altLang="en-US" sz="2400" dirty="0" smtClean="0"/>
+              <a:t>  = –0.21875</a:t>
+            </a:r>
           </a:p>
         </p:txBody>
       </p:sp>
@@ -6802,8 +6743,8 @@
           <a:lstStyle/>
           <a:p>
             <a:r>
-              <a:rPr lang="en-US" altLang="en-US" dirty="0" smtClean="0"/>
-              <a:t>FP Arithmetic Hardware</a:t>
+              <a:rPr lang="en-US" dirty="0" smtClean="0"/>
+              <a:t>Floating-Point Multiplication</a:t>
             </a:r>
             <a:endParaRPr lang="ru-RU" dirty="0"/>
           </a:p>
@@ -6851,178 +6792,69 @@
             <p:ph idx="1"/>
           </p:nvPr>
         </p:nvSpPr>
-        <p:spPr>
-          <a:xfrm>
-            <a:off x="838200" y="1178053"/>
-            <a:ext cx="10515600" cy="5270248"/>
-          </a:xfrm>
-        </p:spPr>
-        <p:txBody>
-          <a:bodyPr>
-            <a:normAutofit fontScale="92500" lnSpcReduction="10000"/>
-          </a:bodyPr>
-          <a:lstStyle/>
-          <a:p>
-            <a:pPr>
-              <a:lnSpc>
-                <a:spcPct val="100000"/>
-              </a:lnSpc>
-              <a:spcBef>
-                <a:spcPts val="600"/>
-              </a:spcBef>
-            </a:pPr>
-            <a:r>
-              <a:rPr lang="en-US" altLang="en-US" sz="3900" dirty="0" smtClean="0"/>
-              <a:t>Separate FP registers: f0, …, f31</a:t>
-            </a:r>
-          </a:p>
-          <a:p>
-            <a:pPr lvl="1">
-              <a:lnSpc>
-                <a:spcPct val="100000"/>
-              </a:lnSpc>
-              <a:spcBef>
-                <a:spcPts val="600"/>
-              </a:spcBef>
-            </a:pPr>
-            <a:r>
-              <a:rPr lang="en-US" altLang="en-US" sz="3500" dirty="0" smtClean="0"/>
-              <a:t>double-precision</a:t>
-            </a:r>
-          </a:p>
-          <a:p>
-            <a:pPr lvl="1">
-              <a:lnSpc>
-                <a:spcPct val="100000"/>
-              </a:lnSpc>
-              <a:spcBef>
-                <a:spcPts val="600"/>
-              </a:spcBef>
-            </a:pPr>
-            <a:r>
-              <a:rPr lang="en-US" altLang="en-US" sz="3500" dirty="0" smtClean="0"/>
-              <a:t>single-precision values stored in the lower 32 bits</a:t>
-            </a:r>
-          </a:p>
-          <a:p>
-            <a:pPr>
-              <a:lnSpc>
-                <a:spcPct val="100000"/>
-              </a:lnSpc>
-              <a:spcBef>
-                <a:spcPts val="600"/>
-              </a:spcBef>
-            </a:pPr>
-            <a:r>
-              <a:rPr lang="en-US" altLang="en-US" sz="3900" dirty="0" smtClean="0"/>
-              <a:t>FP instructions operate only on FP registers</a:t>
-            </a:r>
-          </a:p>
-          <a:p>
-            <a:pPr lvl="1">
-              <a:lnSpc>
-                <a:spcPct val="100000"/>
-              </a:lnSpc>
-              <a:spcBef>
-                <a:spcPts val="600"/>
-              </a:spcBef>
-            </a:pPr>
-            <a:r>
-              <a:rPr lang="en-US" altLang="en-US" sz="3500" dirty="0" smtClean="0"/>
-              <a:t>Programs generally don’t do integer ops on FP data, or vice versa</a:t>
-            </a:r>
-          </a:p>
-          <a:p>
-            <a:pPr lvl="1">
-              <a:lnSpc>
-                <a:spcPct val="100000"/>
-              </a:lnSpc>
-              <a:spcBef>
-                <a:spcPts val="600"/>
-              </a:spcBef>
-            </a:pPr>
-            <a:r>
-              <a:rPr lang="en-US" altLang="en-US" sz="3500" dirty="0" smtClean="0"/>
-              <a:t>More registers with minimal code-size impact</a:t>
-            </a:r>
-          </a:p>
-          <a:p>
-            <a:pPr>
-              <a:lnSpc>
-                <a:spcPct val="100000"/>
-              </a:lnSpc>
-              <a:spcBef>
-                <a:spcPts val="600"/>
-              </a:spcBef>
-            </a:pPr>
-            <a:r>
-              <a:rPr lang="en-US" altLang="en-US" sz="3900" dirty="0" smtClean="0"/>
-              <a:t>FP load and store instructions</a:t>
-            </a:r>
-          </a:p>
-          <a:p>
-            <a:pPr lvl="1">
-              <a:lnSpc>
-                <a:spcPct val="100000"/>
-              </a:lnSpc>
-              <a:spcBef>
-                <a:spcPts val="600"/>
-              </a:spcBef>
-            </a:pPr>
-            <a:r>
-              <a:rPr lang="en-US" altLang="en-US" sz="3500" dirty="0" err="1" smtClean="0">
-                <a:latin typeface="Lucida Console" pitchFamily="49" charset="0"/>
-              </a:rPr>
-              <a:t>flw</a:t>
-            </a:r>
-            <a:r>
-              <a:rPr lang="en-US" altLang="en-US" sz="3500" dirty="0" smtClean="0">
-                <a:latin typeface="Lucida Console" pitchFamily="49" charset="0"/>
-              </a:rPr>
-              <a:t>, </a:t>
-            </a:r>
-            <a:r>
-              <a:rPr lang="en-US" altLang="en-US" sz="3500" dirty="0" err="1" smtClean="0">
-                <a:latin typeface="Lucida Console" pitchFamily="49" charset="0"/>
-              </a:rPr>
-              <a:t>fld</a:t>
-            </a:r>
-            <a:endParaRPr lang="en-US" altLang="en-US" sz="3500" dirty="0" smtClean="0">
-              <a:latin typeface="Lucida Console" pitchFamily="49" charset="0"/>
-            </a:endParaRPr>
-          </a:p>
-          <a:p>
-            <a:pPr lvl="1">
-              <a:lnSpc>
-                <a:spcPct val="100000"/>
-              </a:lnSpc>
-              <a:spcBef>
-                <a:spcPts val="600"/>
-              </a:spcBef>
-            </a:pPr>
-            <a:r>
-              <a:rPr lang="en-US" altLang="en-US" sz="3500" dirty="0" err="1" smtClean="0">
-                <a:latin typeface="Lucida Console" pitchFamily="49" charset="0"/>
-              </a:rPr>
-              <a:t>fsw</a:t>
-            </a:r>
-            <a:r>
-              <a:rPr lang="en-US" altLang="en-US" sz="3500" dirty="0" smtClean="0">
-                <a:latin typeface="Lucida Console" pitchFamily="49" charset="0"/>
-              </a:rPr>
-              <a:t>, </a:t>
-            </a:r>
-            <a:r>
-              <a:rPr lang="en-US" altLang="en-US" sz="3500" dirty="0" err="1" smtClean="0">
-                <a:latin typeface="Lucida Console" pitchFamily="49" charset="0"/>
-              </a:rPr>
-              <a:t>fsd</a:t>
-            </a:r>
-            <a:endParaRPr lang="en-US" altLang="en-US" sz="3500" dirty="0" smtClean="0">
-              <a:latin typeface="Lucida Console" pitchFamily="49" charset="0"/>
-            </a:endParaRPr>
-          </a:p>
-          <a:p>
+        <p:spPr/>
+        <p:txBody>
+          <a:bodyPr/>
+          <a:lstStyle/>
+          <a:p>
+            <a:r>
+              <a:rPr lang="en-US" altLang="en-US" dirty="0" smtClean="0"/>
+              <a:t>FP multiplier is of similar complexity to FP adder</a:t>
+            </a:r>
+          </a:p>
+          <a:p>
+            <a:pPr lvl="1"/>
+            <a:r>
+              <a:rPr lang="en-US" altLang="en-US" dirty="0" smtClean="0"/>
+              <a:t>But uses a multiplier for </a:t>
+            </a:r>
+            <a:r>
+              <a:rPr lang="en-US" altLang="en-US" dirty="0" err="1" smtClean="0"/>
+              <a:t>significands</a:t>
+            </a:r>
+            <a:r>
+              <a:rPr lang="en-US" altLang="en-US" dirty="0" smtClean="0"/>
+              <a:t> instead of an adder</a:t>
+            </a:r>
+          </a:p>
+          <a:p>
+            <a:r>
+              <a:rPr lang="en-US" altLang="en-US" dirty="0" smtClean="0"/>
+              <a:t>FP arithmetic hardware usually does</a:t>
+            </a:r>
+          </a:p>
+          <a:p>
+            <a:pPr lvl="1"/>
+            <a:r>
+              <a:rPr lang="en-US" altLang="en-US" dirty="0" smtClean="0"/>
+              <a:t>Addition, subtraction, multiplication, division, reciprocal, square-root</a:t>
+            </a:r>
+          </a:p>
+          <a:p>
+            <a:pPr lvl="1"/>
+            <a:r>
+              <a:rPr lang="en-US" altLang="en-US" dirty="0" smtClean="0"/>
+              <a:t>FP </a:t>
+            </a:r>
+            <a:r>
+              <a:rPr lang="en-US" altLang="en-US" dirty="0" smtClean="0">
+                <a:sym typeface="Symbol" pitchFamily="18" charset="2"/>
+              </a:rPr>
+              <a:t> integer conversion</a:t>
+            </a:r>
+          </a:p>
+          <a:p>
+            <a:r>
+              <a:rPr lang="en-US" altLang="en-US" dirty="0" smtClean="0"/>
+              <a:t>Operations usually takes several cycles</a:t>
+            </a:r>
+          </a:p>
+          <a:p>
+            <a:pPr lvl="1"/>
+            <a:r>
+              <a:rPr lang="en-US" altLang="en-US" dirty="0" smtClean="0"/>
+              <a:t>Can be pipelined</a:t>
+            </a:r>
             <a:endParaRPr lang="ru-RU" dirty="0"/>
           </a:p>
         </p:txBody>
@@ -7069,7 +6901,7 @@
           <a:p>
             <a:r>
               <a:rPr lang="en-US" altLang="en-US" dirty="0" smtClean="0"/>
-              <a:t>FP Instructions in RISC-V</a:t>
+              <a:t>FP Arithmetic Hardware</a:t>
             </a:r>
             <a:endParaRPr lang="ru-RU" dirty="0"/>
           </a:p>
@@ -8037,7 +7869,7 @@
         </p:spPr>
         <p:txBody>
           <a:bodyPr>
-            <a:normAutofit fontScale="92500" lnSpcReduction="20000"/>
+            <a:normAutofit fontScale="92500" lnSpcReduction="10000"/>
           </a:bodyPr>
           <a:lstStyle/>
           <a:p>
@@ -8050,8 +7882,8 @@
               </a:spcBef>
             </a:pPr>
             <a:r>
-              <a:rPr lang="en-US" altLang="en-US" sz="3500" dirty="0" smtClean="0"/>
-              <a:t>Single-precision arithmetic</a:t>
+              <a:rPr lang="en-US" altLang="en-US" sz="3900" dirty="0" smtClean="0"/>
+              <a:t>Separate FP registers: f0, …, f31</a:t>
             </a:r>
           </a:p>
           <a:p>
@@ -8064,65 +7896,12 @@
               </a:spcBef>
             </a:pPr>
             <a:r>
-              <a:rPr lang="en-US" altLang="en-US" sz="2600" dirty="0" err="1" smtClean="0">
-                <a:latin typeface="Lucida Console" pitchFamily="49" charset="0"/>
-              </a:rPr>
-              <a:t>fadd.s</a:t>
-            </a:r>
-            <a:r>
-              <a:rPr lang="en-US" altLang="en-US" sz="2600" dirty="0" smtClean="0">
-                <a:latin typeface="Lucida Console" pitchFamily="49" charset="0"/>
-              </a:rPr>
-              <a:t>, </a:t>
-            </a:r>
-            <a:r>
-              <a:rPr lang="en-US" altLang="en-US" sz="2600" dirty="0" err="1" smtClean="0">
-                <a:latin typeface="Lucida Console" pitchFamily="49" charset="0"/>
-              </a:rPr>
-              <a:t>fsub.s</a:t>
-            </a:r>
-            <a:r>
-              <a:rPr lang="en-US" altLang="en-US" sz="2600" dirty="0" smtClean="0">
-                <a:latin typeface="Lucida Console" pitchFamily="49" charset="0"/>
-              </a:rPr>
-              <a:t>, </a:t>
-            </a:r>
-            <a:r>
-              <a:rPr lang="en-US" altLang="en-US" sz="2600" dirty="0" err="1" smtClean="0">
-                <a:latin typeface="Lucida Console" pitchFamily="49" charset="0"/>
-              </a:rPr>
-              <a:t>fmul.s</a:t>
-            </a:r>
-            <a:r>
-              <a:rPr lang="en-US" altLang="en-US" sz="2600" dirty="0" smtClean="0">
-                <a:latin typeface="Lucida Console" pitchFamily="49" charset="0"/>
-              </a:rPr>
-              <a:t>, </a:t>
-            </a:r>
-            <a:r>
-              <a:rPr lang="en-US" altLang="en-US" sz="2600" dirty="0" err="1" smtClean="0">
-                <a:latin typeface="Lucida Console" pitchFamily="49" charset="0"/>
-              </a:rPr>
-              <a:t>fdiv.s</a:t>
-            </a:r>
-            <a:r>
-              <a:rPr lang="en-US" altLang="en-US" sz="2600" dirty="0" smtClean="0">
-                <a:latin typeface="Lucida Console" pitchFamily="49" charset="0"/>
-              </a:rPr>
-              <a:t>, </a:t>
-            </a:r>
-            <a:r>
-              <a:rPr lang="en-US" altLang="en-US" sz="2600" dirty="0" err="1" smtClean="0">
-                <a:latin typeface="Lucida Console" pitchFamily="49" charset="0"/>
-              </a:rPr>
-              <a:t>fsqrt.s</a:t>
-            </a:r>
-            <a:endParaRPr lang="en-US" altLang="en-US" sz="2600" dirty="0" smtClean="0">
-              <a:latin typeface="Lucida Console" pitchFamily="49" charset="0"/>
-            </a:endParaRPr>
-          </a:p>
-          <a:p>
-            <a:pPr lvl="2">
+              <a:rPr lang="en-US" altLang="en-US" sz="3500" dirty="0" smtClean="0"/>
+              <a:t>double-precision</a:t>
+            </a:r>
+          </a:p>
+          <a:p>
+            <a:pPr lvl="1">
               <a:lnSpc>
                 <a:spcPct val="100000"/>
               </a:lnSpc>
@@ -8131,20 +7910,8 @@
               </a:spcBef>
             </a:pPr>
             <a:r>
-              <a:rPr lang="en-US" altLang="en-US" sz="2200" dirty="0" smtClean="0"/>
-              <a:t>e.g., </a:t>
-            </a:r>
-            <a:r>
-              <a:rPr lang="en-US" altLang="en-US" sz="2200" dirty="0" err="1" smtClean="0">
-                <a:latin typeface="Lucida Console" pitchFamily="49" charset="0"/>
-              </a:rPr>
-              <a:t>fadds.s</a:t>
-            </a:r>
-            <a:r>
-              <a:rPr lang="en-US" altLang="en-US" sz="2200" dirty="0" smtClean="0">
-                <a:latin typeface="Lucida Console" pitchFamily="49" charset="0"/>
-              </a:rPr>
-              <a:t> f2, f4, f6</a:t>
+              <a:rPr lang="en-US" altLang="en-US" sz="3500" dirty="0" smtClean="0"/>
+              <a:t>single-precision values stored in the lower 32 bits</a:t>
             </a:r>
           </a:p>
           <a:p>
@@ -8157,8 +7924,8 @@
               </a:spcBef>
             </a:pPr>
             <a:r>
-              <a:rPr lang="en-US" altLang="en-US" sz="3500" dirty="0" smtClean="0"/>
-              <a:t>Double-precision arithmetic</a:t>
+              <a:rPr lang="en-US" altLang="en-US" sz="3900" dirty="0" smtClean="0"/>
+              <a:t>FP instructions operate only on FP registers</a:t>
             </a:r>
           </a:p>
           <a:p>
@@ -8171,65 +7938,12 @@
               </a:spcBef>
             </a:pPr>
             <a:r>
-              <a:rPr lang="en-US" altLang="en-US" sz="2600" dirty="0" err="1" smtClean="0">
-                <a:latin typeface="Lucida Console" pitchFamily="49" charset="0"/>
-              </a:rPr>
-              <a:t>fadd.d</a:t>
-            </a:r>
-            <a:r>
-              <a:rPr lang="en-US" altLang="en-US" sz="2600" dirty="0" smtClean="0">
-                <a:latin typeface="Lucida Console" pitchFamily="49" charset="0"/>
-              </a:rPr>
-              <a:t>, </a:t>
-            </a:r>
-            <a:r>
-              <a:rPr lang="en-US" altLang="en-US" sz="2600" dirty="0" err="1" smtClean="0">
-                <a:latin typeface="Lucida Console" pitchFamily="49" charset="0"/>
-              </a:rPr>
-              <a:t>fsub.d</a:t>
-            </a:r>
-            <a:r>
-              <a:rPr lang="en-US" altLang="en-US" sz="2600" dirty="0" smtClean="0">
-                <a:latin typeface="Lucida Console" pitchFamily="49" charset="0"/>
-              </a:rPr>
-              <a:t>, </a:t>
-            </a:r>
-            <a:r>
-              <a:rPr lang="en-US" altLang="en-US" sz="2600" dirty="0" err="1" smtClean="0">
-                <a:latin typeface="Lucida Console" pitchFamily="49" charset="0"/>
-              </a:rPr>
-              <a:t>fmul.d</a:t>
-            </a:r>
-            <a:r>
-              <a:rPr lang="en-US" altLang="en-US" sz="2600" dirty="0" smtClean="0">
-                <a:latin typeface="Lucida Console" pitchFamily="49" charset="0"/>
-              </a:rPr>
-              <a:t>, </a:t>
-            </a:r>
-            <a:r>
-              <a:rPr lang="en-US" altLang="en-US" sz="2600" dirty="0" err="1" smtClean="0">
-                <a:latin typeface="Lucida Console" pitchFamily="49" charset="0"/>
-              </a:rPr>
-              <a:t>fdiv.d</a:t>
-            </a:r>
-            <a:r>
-              <a:rPr lang="en-US" altLang="en-US" sz="2600" dirty="0" smtClean="0">
-                <a:latin typeface="Lucida Console" pitchFamily="49" charset="0"/>
-              </a:rPr>
-              <a:t>, </a:t>
-            </a:r>
-            <a:r>
-              <a:rPr lang="en-US" altLang="en-US" sz="2600" dirty="0" err="1" smtClean="0">
-                <a:latin typeface="Lucida Console" pitchFamily="49" charset="0"/>
-              </a:rPr>
-              <a:t>fsqrt.d</a:t>
-            </a:r>
-            <a:endParaRPr lang="en-US" altLang="en-US" sz="2600" dirty="0" smtClean="0">
-              <a:latin typeface="Lucida Console" pitchFamily="49" charset="0"/>
-            </a:endParaRPr>
-          </a:p>
-          <a:p>
-            <a:pPr lvl="2">
+              <a:rPr lang="en-US" altLang="en-US" sz="3500" dirty="0" smtClean="0"/>
+              <a:t>Programs generally don’t do integer ops on FP data, or vice versa</a:t>
+            </a:r>
+          </a:p>
+          <a:p>
+            <a:pPr lvl="1">
               <a:lnSpc>
                 <a:spcPct val="100000"/>
               </a:lnSpc>
@@ -8238,20 +7952,8 @@
               </a:spcBef>
             </a:pPr>
             <a:r>
-              <a:rPr lang="en-US" altLang="en-US" sz="2200" dirty="0" smtClean="0"/>
-              <a:t>e.g., </a:t>
-            </a:r>
-            <a:r>
-              <a:rPr lang="en-US" altLang="en-US" sz="2200" dirty="0" err="1" smtClean="0">
-                <a:latin typeface="Lucida Console" pitchFamily="49" charset="0"/>
-              </a:rPr>
-              <a:t>fadd.d</a:t>
-            </a:r>
-            <a:r>
-              <a:rPr lang="en-US" altLang="en-US" sz="2200" dirty="0" smtClean="0">
-                <a:latin typeface="Lucida Console" pitchFamily="49" charset="0"/>
-              </a:rPr>
-              <a:t> f2, f4, f6</a:t>
+              <a:rPr lang="en-US" altLang="en-US" sz="3500" dirty="0" smtClean="0"/>
+              <a:t>More registers with minimal code-size impact</a:t>
             </a:r>
           </a:p>
           <a:p>
@@ -8264,8 +7966,8 @@
               </a:spcBef>
             </a:pPr>
             <a:r>
-              <a:rPr lang="en-US" altLang="en-US" sz="3500" dirty="0" smtClean="0"/>
-              <a:t>Single- and double-precision comparison</a:t>
+              <a:rPr lang="en-US" altLang="en-US" sz="3900" dirty="0" smtClean="0"/>
+              <a:t>FP load and store instructions</a:t>
             </a:r>
           </a:p>
           <a:p>
@@ -8278,36 +7980,26 @@
               </a:spcBef>
             </a:pPr>
             <a:r>
-              <a:rPr lang="en-US" altLang="en-US" sz="2600" dirty="0" err="1" smtClean="0">
+              <a:rPr lang="en-US" altLang="en-US" sz="3500" dirty="0" err="1" smtClean="0">
                 <a:latin typeface="Lucida Console" pitchFamily="49" charset="0"/>
               </a:rPr>
-              <a:t>feq.s</a:t>
-            </a:r>
-            <a:r>
-              <a:rPr lang="en-US" altLang="en-US" sz="2600" dirty="0" smtClean="0">
+              <a:t>flw</a:t>
+            </a:r>
+            <a:r>
+              <a:rPr lang="en-US" altLang="en-US" sz="3500" dirty="0" smtClean="0">
                 <a:latin typeface="Lucida Console" pitchFamily="49" charset="0"/>
               </a:rPr>
               <a:t>, </a:t>
             </a:r>
             <a:r>
-              <a:rPr lang="en-US" altLang="en-US" sz="2600" dirty="0" err="1" smtClean="0">
+              <a:rPr lang="en-US" altLang="en-US" sz="3500" dirty="0" err="1" smtClean="0">
                 <a:latin typeface="Lucida Console" pitchFamily="49" charset="0"/>
               </a:rPr>
-              <a:t>flt.s</a:t>
-            </a:r>
-            <a:r>
-              <a:rPr lang="en-US" altLang="en-US" sz="2600" dirty="0" smtClean="0">
-                <a:latin typeface="Lucida Console" pitchFamily="49" charset="0"/>
-              </a:rPr>
-              <a:t>, </a:t>
-            </a:r>
-            <a:r>
-              <a:rPr lang="en-US" altLang="en-US" sz="2600" dirty="0" err="1" smtClean="0">
-                <a:latin typeface="Lucida Console" pitchFamily="49" charset="0"/>
-              </a:rPr>
-              <a:t>fle.s</a:t>
-            </a:r>
-            <a:endParaRPr lang="en-US" altLang="en-US" sz="2600" dirty="0" smtClean="0"/>
+              <a:t>fld</a:t>
+            </a:r>
+            <a:endParaRPr lang="en-US" altLang="en-US" sz="3500" dirty="0" smtClean="0">
+              <a:latin typeface="Lucida Console" pitchFamily="49" charset="0"/>
+            </a:endParaRPr>
           </a:p>
           <a:p>
             <a:pPr lvl="1">
@@ -8319,113 +8011,29 @@
               </a:spcBef>
             </a:pPr>
             <a:r>
-              <a:rPr lang="en-US" altLang="en-US" sz="2600" dirty="0" err="1" smtClean="0">
+              <a:rPr lang="en-US" altLang="en-US" sz="3500" dirty="0" err="1" smtClean="0">
                 <a:latin typeface="Lucida Console" pitchFamily="49" charset="0"/>
               </a:rPr>
-              <a:t>feq.d</a:t>
-            </a:r>
-            <a:r>
-              <a:rPr lang="en-US" altLang="en-US" sz="2600" dirty="0" smtClean="0">
+              <a:t>fsw</a:t>
+            </a:r>
+            <a:r>
+              <a:rPr lang="en-US" altLang="en-US" sz="3500" dirty="0" smtClean="0">
                 <a:latin typeface="Lucida Console" pitchFamily="49" charset="0"/>
               </a:rPr>
               <a:t>, </a:t>
             </a:r>
             <a:r>
-              <a:rPr lang="en-US" altLang="en-US" sz="2600" dirty="0" err="1" smtClean="0">
+              <a:rPr lang="en-US" altLang="en-US" sz="3500" dirty="0" err="1" smtClean="0">
                 <a:latin typeface="Lucida Console" pitchFamily="49" charset="0"/>
               </a:rPr>
-              <a:t>flt.d</a:t>
-            </a:r>
-            <a:r>
-              <a:rPr lang="en-US" altLang="en-US" sz="2600" dirty="0" smtClean="0">
-                <a:latin typeface="Lucida Console" pitchFamily="49" charset="0"/>
-              </a:rPr>
-              <a:t>, </a:t>
-            </a:r>
-            <a:r>
-              <a:rPr lang="en-US" altLang="en-US" sz="2600" dirty="0" err="1" smtClean="0">
-                <a:latin typeface="Lucida Console" pitchFamily="49" charset="0"/>
-              </a:rPr>
-              <a:t>fle.d</a:t>
-            </a:r>
-            <a:endParaRPr lang="en-US" altLang="en-US" sz="2600" dirty="0" smtClean="0"/>
-          </a:p>
-          <a:p>
-            <a:pPr lvl="1">
-              <a:lnSpc>
-                <a:spcPct val="100000"/>
-              </a:lnSpc>
-              <a:spcBef>
-                <a:spcPts val="600"/>
-              </a:spcBef>
-            </a:pPr>
-            <a:r>
-              <a:rPr lang="en-US" altLang="en-US" sz="2600" dirty="0" smtClean="0"/>
-              <a:t>Result is 0 or 1 in integer destination register</a:t>
-            </a:r>
-          </a:p>
-          <a:p>
-            <a:pPr lvl="2">
-              <a:lnSpc>
-                <a:spcPct val="100000"/>
-              </a:lnSpc>
-              <a:spcBef>
-                <a:spcPts val="600"/>
-              </a:spcBef>
-            </a:pPr>
-            <a:r>
-              <a:rPr lang="en-US" altLang="en-US" sz="2200" dirty="0" smtClean="0"/>
-              <a:t>Use </a:t>
-            </a:r>
-            <a:r>
-              <a:rPr lang="en-US" altLang="en-US" sz="2200" dirty="0" err="1" smtClean="0"/>
-              <a:t>beq</a:t>
-            </a:r>
-            <a:r>
-              <a:rPr lang="en-US" altLang="en-US" sz="2200" dirty="0" smtClean="0"/>
-              <a:t>, </a:t>
-            </a:r>
-            <a:r>
-              <a:rPr lang="en-US" altLang="en-US" sz="2200" dirty="0" err="1" smtClean="0"/>
-              <a:t>bne</a:t>
-            </a:r>
-            <a:r>
-              <a:rPr lang="en-US" altLang="en-US" sz="2200" dirty="0" smtClean="0"/>
-              <a:t> to branch on comparison result</a:t>
-            </a:r>
-          </a:p>
-          <a:p>
-            <a:pPr>
-              <a:lnSpc>
-                <a:spcPct val="100000"/>
-              </a:lnSpc>
-              <a:spcBef>
-                <a:spcPts val="600"/>
-              </a:spcBef>
-            </a:pPr>
-            <a:r>
-              <a:rPr lang="en-US" altLang="en-US" sz="3500" dirty="0" smtClean="0"/>
-              <a:t>Branch on FP condition code true or false</a:t>
-            </a:r>
-          </a:p>
-          <a:p>
-            <a:pPr lvl="1">
-              <a:lnSpc>
-                <a:spcPct val="100000"/>
-              </a:lnSpc>
-              <a:spcBef>
-                <a:spcPts val="600"/>
-              </a:spcBef>
-            </a:pPr>
-            <a:r>
-              <a:rPr lang="en-US" altLang="en-US" sz="2600" dirty="0" err="1" smtClean="0">
-                <a:latin typeface="Lucida Console" pitchFamily="49" charset="0"/>
-              </a:rPr>
-              <a:t>b.cond</a:t>
-            </a:r>
-            <a:endParaRPr lang="en-AU" altLang="en-US" sz="2600" dirty="0" smtClean="0">
+              <a:t>fsd</a:t>
+            </a:r>
+            <a:endParaRPr lang="en-US" altLang="en-US" sz="3500" dirty="0" smtClean="0">
               <a:latin typeface="Lucida Console" pitchFamily="49" charset="0"/>
             </a:endParaRPr>
+          </a:p>
+          <a:p>
+            <a:endParaRPr lang="ru-RU" dirty="0"/>
           </a:p>
         </p:txBody>
       </p:sp>
@@ -8521,419 +8129,401 @@
         </p:nvSpPr>
         <p:spPr>
           <a:xfrm>
-            <a:off x="838200" y="1178052"/>
-            <a:ext cx="10515600" cy="5472130"/>
+            <a:off x="838200" y="1178053"/>
+            <a:ext cx="10515600" cy="5270248"/>
           </a:xfrm>
         </p:spPr>
         <p:txBody>
           <a:bodyPr>
-            <a:normAutofit lnSpcReduction="10000"/>
+            <a:normAutofit fontScale="92500" lnSpcReduction="20000"/>
           </a:bodyPr>
           <a:lstStyle/>
           <a:p>
             <a:pPr>
-              <a:defRPr/>
+              <a:lnSpc>
+                <a:spcPct val="100000"/>
+              </a:lnSpc>
+              <a:spcBef>
+                <a:spcPts val="600"/>
+              </a:spcBef>
             </a:pPr>
             <a:r>
               <a:rPr lang="en-US" altLang="en-US" sz="3500" dirty="0" smtClean="0"/>
-              <a:t>C code:</a:t>
-            </a:r>
-          </a:p>
-          <a:p>
-            <a:pPr>
-              <a:buNone/>
-              <a:defRPr/>
-            </a:pPr>
-            <a:r>
-              <a:rPr lang="en-US" altLang="en-US" sz="2400" dirty="0" smtClean="0">
-                <a:latin typeface="Lucida Console" panose="020B0609040504020204" pitchFamily="49" charset="0"/>
-              </a:rPr>
-              <a:t>	</a:t>
-            </a:r>
-            <a:r>
-              <a:rPr lang="en-US" altLang="en-US" sz="2000" dirty="0" smtClean="0">
-                <a:latin typeface="Lucida Console" panose="020B0609040504020204" pitchFamily="49" charset="0"/>
-              </a:rPr>
-              <a:t>  </a:t>
-            </a:r>
-            <a:r>
-              <a:rPr lang="en-US" altLang="en-US" sz="2000" dirty="0" smtClean="0">
-                <a:solidFill>
-                  <a:srgbClr val="2F5CB5"/>
-                </a:solidFill>
-                <a:latin typeface="Lucida Console" panose="020B0609040504020204" pitchFamily="49" charset="0"/>
-              </a:rPr>
-              <a:t>float</a:t>
-            </a:r>
-            <a:r>
-              <a:rPr lang="en-US" altLang="en-US" sz="2000" dirty="0" smtClean="0">
-                <a:solidFill>
-                  <a:schemeClr val="tx1"/>
-                </a:solidFill>
-                <a:latin typeface="Lucida Console" panose="020B0609040504020204" pitchFamily="49" charset="0"/>
-              </a:rPr>
-              <a:t> f2c (</a:t>
-            </a:r>
-            <a:r>
-              <a:rPr lang="en-US" altLang="en-US" sz="2000" dirty="0" smtClean="0">
-                <a:solidFill>
-                  <a:srgbClr val="2F5CB5"/>
-                </a:solidFill>
-                <a:latin typeface="Lucida Console" panose="020B0609040504020204" pitchFamily="49" charset="0"/>
-              </a:rPr>
-              <a:t>float</a:t>
-            </a:r>
-            <a:r>
-              <a:rPr lang="en-US" altLang="en-US" sz="2000" dirty="0" smtClean="0">
-                <a:solidFill>
-                  <a:schemeClr val="tx1"/>
-                </a:solidFill>
-                <a:latin typeface="Lucida Console" panose="020B0609040504020204" pitchFamily="49" charset="0"/>
-              </a:rPr>
-              <a:t> fahr) {</a:t>
-            </a:r>
-            <a:br>
-              <a:rPr lang="en-US" altLang="en-US" sz="2000" dirty="0" smtClean="0">
-                <a:solidFill>
-                  <a:schemeClr val="tx1"/>
-                </a:solidFill>
-                <a:latin typeface="Lucida Console" panose="020B0609040504020204" pitchFamily="49" charset="0"/>
-              </a:rPr>
-            </a:br>
-            <a:r>
-              <a:rPr lang="en-US" altLang="en-US" sz="2000" dirty="0" smtClean="0">
-                <a:solidFill>
-                  <a:schemeClr val="tx1"/>
-                </a:solidFill>
-                <a:latin typeface="Lucida Console" panose="020B0609040504020204" pitchFamily="49" charset="0"/>
-              </a:rPr>
-              <a:t>    </a:t>
-            </a:r>
-            <a:r>
-              <a:rPr lang="en-US" altLang="en-US" sz="2000" dirty="0" smtClean="0">
-                <a:solidFill>
-                  <a:srgbClr val="2F5CB5"/>
-                </a:solidFill>
-                <a:latin typeface="Lucida Console" panose="020B0609040504020204" pitchFamily="49" charset="0"/>
-              </a:rPr>
-              <a:t>return</a:t>
-            </a:r>
-            <a:r>
-              <a:rPr lang="en-US" altLang="en-US" sz="2000" dirty="0" smtClean="0">
-                <a:solidFill>
-                  <a:schemeClr val="tx1"/>
-                </a:solidFill>
-                <a:latin typeface="Lucida Console" panose="020B0609040504020204" pitchFamily="49" charset="0"/>
-              </a:rPr>
-              <a:t> ((5.0/9.0)*(fahr - 32.0));</a:t>
-            </a:r>
-            <a:br>
-              <a:rPr lang="en-US" altLang="en-US" sz="2000" dirty="0" smtClean="0">
-                <a:solidFill>
-                  <a:schemeClr val="tx1"/>
-                </a:solidFill>
-                <a:latin typeface="Lucida Console" panose="020B0609040504020204" pitchFamily="49" charset="0"/>
-              </a:rPr>
-            </a:br>
-            <a:r>
-              <a:rPr lang="en-US" altLang="en-US" sz="2000" dirty="0" smtClean="0">
-                <a:solidFill>
-                  <a:schemeClr val="tx1"/>
-                </a:solidFill>
-                <a:latin typeface="Lucida Console" panose="020B0609040504020204" pitchFamily="49" charset="0"/>
-              </a:rPr>
-              <a:t>  }</a:t>
+              <a:t>Single-precision arithmetic</a:t>
             </a:r>
           </a:p>
           <a:p>
             <a:pPr lvl="1">
               <a:lnSpc>
-                <a:spcPct val="110000"/>
+                <a:spcPct val="100000"/>
               </a:lnSpc>
               <a:spcBef>
-                <a:spcPts val="1200"/>
+                <a:spcPts val="600"/>
               </a:spcBef>
-              <a:defRPr/>
             </a:pPr>
             <a:r>
-              <a:rPr lang="en-US" altLang="en-US" sz="2400" dirty="0" smtClean="0">
-                <a:latin typeface="Lucida Console" panose="020B0609040504020204" pitchFamily="49" charset="0"/>
-              </a:rPr>
-              <a:t>fahr</a:t>
-            </a:r>
-            <a:r>
-              <a:rPr lang="en-US" altLang="en-US" sz="2400" dirty="0" smtClean="0"/>
-              <a:t> in f10, result in f10, literals in global memory space</a:t>
+              <a:rPr lang="en-US" altLang="en-US" sz="2600" dirty="0" err="1" smtClean="0">
+                <a:latin typeface="Lucida Console" pitchFamily="49" charset="0"/>
+              </a:rPr>
+              <a:t>fadd.s</a:t>
+            </a:r>
+            <a:r>
+              <a:rPr lang="en-US" altLang="en-US" sz="2600" dirty="0" smtClean="0">
+                <a:latin typeface="Lucida Console" pitchFamily="49" charset="0"/>
+              </a:rPr>
+              <a:t>, </a:t>
+            </a:r>
+            <a:r>
+              <a:rPr lang="en-US" altLang="en-US" sz="2600" dirty="0" err="1" smtClean="0">
+                <a:latin typeface="Lucida Console" pitchFamily="49" charset="0"/>
+              </a:rPr>
+              <a:t>fsub.s</a:t>
+            </a:r>
+            <a:r>
+              <a:rPr lang="en-US" altLang="en-US" sz="2600" dirty="0" smtClean="0">
+                <a:latin typeface="Lucida Console" pitchFamily="49" charset="0"/>
+              </a:rPr>
+              <a:t>, </a:t>
+            </a:r>
+            <a:r>
+              <a:rPr lang="en-US" altLang="en-US" sz="2600" dirty="0" err="1" smtClean="0">
+                <a:latin typeface="Lucida Console" pitchFamily="49" charset="0"/>
+              </a:rPr>
+              <a:t>fmul.s</a:t>
+            </a:r>
+            <a:r>
+              <a:rPr lang="en-US" altLang="en-US" sz="2600" dirty="0" smtClean="0">
+                <a:latin typeface="Lucida Console" pitchFamily="49" charset="0"/>
+              </a:rPr>
+              <a:t>, </a:t>
+            </a:r>
+            <a:r>
+              <a:rPr lang="en-US" altLang="en-US" sz="2600" dirty="0" err="1" smtClean="0">
+                <a:latin typeface="Lucida Console" pitchFamily="49" charset="0"/>
+              </a:rPr>
+              <a:t>fdiv.s</a:t>
+            </a:r>
+            <a:r>
+              <a:rPr lang="en-US" altLang="en-US" sz="2600" dirty="0" smtClean="0">
+                <a:latin typeface="Lucida Console" pitchFamily="49" charset="0"/>
+              </a:rPr>
+              <a:t>, </a:t>
+            </a:r>
+            <a:r>
+              <a:rPr lang="en-US" altLang="en-US" sz="2600" dirty="0" err="1" smtClean="0">
+                <a:latin typeface="Lucida Console" pitchFamily="49" charset="0"/>
+              </a:rPr>
+              <a:t>fsqrt.s</a:t>
+            </a:r>
+            <a:endParaRPr lang="en-US" altLang="en-US" sz="2600" dirty="0" smtClean="0">
+              <a:latin typeface="Lucida Console" pitchFamily="49" charset="0"/>
+            </a:endParaRPr>
+          </a:p>
+          <a:p>
+            <a:pPr lvl="2">
+              <a:lnSpc>
+                <a:spcPct val="100000"/>
+              </a:lnSpc>
+              <a:spcBef>
+                <a:spcPts val="600"/>
+              </a:spcBef>
+            </a:pPr>
+            <a:r>
+              <a:rPr lang="en-US" altLang="en-US" sz="2200" dirty="0" smtClean="0"/>
+              <a:t>e.g., </a:t>
+            </a:r>
+            <a:r>
+              <a:rPr lang="en-US" altLang="en-US" sz="2200" dirty="0" err="1" smtClean="0">
+                <a:latin typeface="Lucida Console" pitchFamily="49" charset="0"/>
+              </a:rPr>
+              <a:t>fadds.s</a:t>
+            </a:r>
+            <a:r>
+              <a:rPr lang="en-US" altLang="en-US" sz="2200" dirty="0" smtClean="0">
+                <a:latin typeface="Lucida Console" pitchFamily="49" charset="0"/>
+              </a:rPr>
+              <a:t> f2, f4, f6</a:t>
             </a:r>
           </a:p>
           <a:p>
             <a:pPr>
-              <a:defRPr/>
+              <a:lnSpc>
+                <a:spcPct val="100000"/>
+              </a:lnSpc>
+              <a:spcBef>
+                <a:spcPts val="600"/>
+              </a:spcBef>
             </a:pPr>
             <a:r>
               <a:rPr lang="en-US" altLang="en-US" sz="3500" dirty="0" smtClean="0"/>
-              <a:t>Compiled RISC-V code:</a:t>
+              <a:t>Double-precision arithmetic</a:t>
+            </a:r>
+          </a:p>
+          <a:p>
+            <a:pPr lvl="1">
+              <a:lnSpc>
+                <a:spcPct val="100000"/>
+              </a:lnSpc>
+              <a:spcBef>
+                <a:spcPts val="600"/>
+              </a:spcBef>
+            </a:pPr>
+            <a:r>
+              <a:rPr lang="en-US" altLang="en-US" sz="2600" dirty="0" err="1" smtClean="0">
+                <a:latin typeface="Lucida Console" pitchFamily="49" charset="0"/>
+              </a:rPr>
+              <a:t>fadd.d</a:t>
+            </a:r>
+            <a:r>
+              <a:rPr lang="en-US" altLang="en-US" sz="2600" dirty="0" smtClean="0">
+                <a:latin typeface="Lucida Console" pitchFamily="49" charset="0"/>
+              </a:rPr>
+              <a:t>, </a:t>
+            </a:r>
+            <a:r>
+              <a:rPr lang="en-US" altLang="en-US" sz="2600" dirty="0" err="1" smtClean="0">
+                <a:latin typeface="Lucida Console" pitchFamily="49" charset="0"/>
+              </a:rPr>
+              <a:t>fsub.d</a:t>
+            </a:r>
+            <a:r>
+              <a:rPr lang="en-US" altLang="en-US" sz="2600" dirty="0" smtClean="0">
+                <a:latin typeface="Lucida Console" pitchFamily="49" charset="0"/>
+              </a:rPr>
+              <a:t>, </a:t>
+            </a:r>
+            <a:r>
+              <a:rPr lang="en-US" altLang="en-US" sz="2600" dirty="0" err="1" smtClean="0">
+                <a:latin typeface="Lucida Console" pitchFamily="49" charset="0"/>
+              </a:rPr>
+              <a:t>fmul.d</a:t>
+            </a:r>
+            <a:r>
+              <a:rPr lang="en-US" altLang="en-US" sz="2600" dirty="0" smtClean="0">
+                <a:latin typeface="Lucida Console" pitchFamily="49" charset="0"/>
+              </a:rPr>
+              <a:t>, </a:t>
+            </a:r>
+            <a:r>
+              <a:rPr lang="en-US" altLang="en-US" sz="2600" dirty="0" err="1" smtClean="0">
+                <a:latin typeface="Lucida Console" pitchFamily="49" charset="0"/>
+              </a:rPr>
+              <a:t>fdiv.d</a:t>
+            </a:r>
+            <a:r>
+              <a:rPr lang="en-US" altLang="en-US" sz="2600" dirty="0" smtClean="0">
+                <a:latin typeface="Lucida Console" pitchFamily="49" charset="0"/>
+              </a:rPr>
+              <a:t>, </a:t>
+            </a:r>
+            <a:r>
+              <a:rPr lang="en-US" altLang="en-US" sz="2600" dirty="0" err="1" smtClean="0">
+                <a:latin typeface="Lucida Console" pitchFamily="49" charset="0"/>
+              </a:rPr>
+              <a:t>fsqrt.d</a:t>
+            </a:r>
+            <a:endParaRPr lang="en-US" altLang="en-US" sz="2600" dirty="0" smtClean="0">
+              <a:latin typeface="Lucida Console" pitchFamily="49" charset="0"/>
+            </a:endParaRPr>
+          </a:p>
+          <a:p>
+            <a:pPr lvl="2">
+              <a:lnSpc>
+                <a:spcPct val="100000"/>
+              </a:lnSpc>
+              <a:spcBef>
+                <a:spcPts val="600"/>
+              </a:spcBef>
+            </a:pPr>
+            <a:r>
+              <a:rPr lang="en-US" altLang="en-US" sz="2200" dirty="0" smtClean="0"/>
+              <a:t>e.g., </a:t>
+            </a:r>
+            <a:r>
+              <a:rPr lang="en-US" altLang="en-US" sz="2200" dirty="0" err="1" smtClean="0">
+                <a:latin typeface="Lucida Console" pitchFamily="49" charset="0"/>
+              </a:rPr>
+              <a:t>fadd.d</a:t>
+            </a:r>
+            <a:r>
+              <a:rPr lang="en-US" altLang="en-US" sz="2200" dirty="0" smtClean="0">
+                <a:latin typeface="Lucida Console" pitchFamily="49" charset="0"/>
+              </a:rPr>
+              <a:t> f2, f4, f6</a:t>
             </a:r>
           </a:p>
           <a:p>
             <a:pPr>
-              <a:buNone/>
-              <a:defRPr/>
+              <a:lnSpc>
+                <a:spcPct val="100000"/>
+              </a:lnSpc>
+              <a:spcBef>
+                <a:spcPts val="600"/>
+              </a:spcBef>
             </a:pPr>
             <a:r>
-              <a:rPr lang="en-US" altLang="en-US" sz="2000" dirty="0" smtClean="0">
-                <a:latin typeface="Lucida Console" panose="020B0609040504020204" pitchFamily="49" charset="0"/>
-              </a:rPr>
-              <a:t>	f2c:</a:t>
+              <a:rPr lang="en-US" altLang="en-US" sz="3500" dirty="0" smtClean="0"/>
+              <a:t>Single- and double-precision comparison</a:t>
+            </a:r>
+          </a:p>
+          <a:p>
+            <a:pPr lvl="1">
+              <a:lnSpc>
+                <a:spcPct val="100000"/>
+              </a:lnSpc>
+              <a:spcBef>
+                <a:spcPts val="600"/>
+              </a:spcBef>
+            </a:pPr>
+            <a:r>
+              <a:rPr lang="en-US" altLang="en-US" sz="2600" dirty="0" err="1" smtClean="0">
+                <a:latin typeface="Lucida Console" pitchFamily="49" charset="0"/>
+              </a:rPr>
+              <a:t>feq.s</a:t>
+            </a:r>
+            <a:r>
+              <a:rPr lang="en-US" altLang="en-US" sz="2600" dirty="0" smtClean="0">
+                <a:latin typeface="Lucida Console" pitchFamily="49" charset="0"/>
+              </a:rPr>
+              <a:t>, </a:t>
+            </a:r>
+            <a:r>
+              <a:rPr lang="en-US" altLang="en-US" sz="2600" dirty="0" err="1" smtClean="0">
+                <a:latin typeface="Lucida Console" pitchFamily="49" charset="0"/>
+              </a:rPr>
+              <a:t>flt.s</a:t>
+            </a:r>
+            <a:r>
+              <a:rPr lang="en-US" altLang="en-US" sz="2600" dirty="0" smtClean="0">
+                <a:latin typeface="Lucida Console" pitchFamily="49" charset="0"/>
+              </a:rPr>
+              <a:t>, </a:t>
+            </a:r>
+            <a:r>
+              <a:rPr lang="en-US" altLang="en-US" sz="2600" dirty="0" err="1" smtClean="0">
+                <a:latin typeface="Lucida Console" pitchFamily="49" charset="0"/>
+              </a:rPr>
+              <a:t>fle.s</a:t>
+            </a:r>
+            <a:endParaRPr lang="en-US" altLang="en-US" sz="2600" dirty="0" smtClean="0"/>
+          </a:p>
+          <a:p>
+            <a:pPr lvl="1">
+              <a:lnSpc>
+                <a:spcPct val="100000"/>
+              </a:lnSpc>
+              <a:spcBef>
+                <a:spcPts val="600"/>
+              </a:spcBef>
+            </a:pPr>
+            <a:r>
+              <a:rPr lang="en-US" altLang="en-US" sz="2600" dirty="0" err="1" smtClean="0">
+                <a:latin typeface="Lucida Console" pitchFamily="49" charset="0"/>
+              </a:rPr>
+              <a:t>feq.d</a:t>
+            </a:r>
+            <a:r>
+              <a:rPr lang="en-US" altLang="en-US" sz="2600" dirty="0" smtClean="0">
+                <a:latin typeface="Lucida Console" pitchFamily="49" charset="0"/>
+              </a:rPr>
+              <a:t>, </a:t>
+            </a:r>
+            <a:r>
+              <a:rPr lang="en-US" altLang="en-US" sz="2600" dirty="0" err="1" smtClean="0">
+                <a:latin typeface="Lucida Console" pitchFamily="49" charset="0"/>
+              </a:rPr>
+              <a:t>flt.d</a:t>
+            </a:r>
+            <a:r>
+              <a:rPr lang="en-US" altLang="en-US" sz="2600" dirty="0" smtClean="0">
+                <a:latin typeface="Lucida Console" pitchFamily="49" charset="0"/>
+              </a:rPr>
+              <a:t>, </a:t>
+            </a:r>
+            <a:r>
+              <a:rPr lang="en-US" altLang="en-US" sz="2600" dirty="0" err="1" smtClean="0">
+                <a:latin typeface="Lucida Console" pitchFamily="49" charset="0"/>
+              </a:rPr>
+              <a:t>fle.d</a:t>
+            </a:r>
+            <a:endParaRPr lang="en-US" altLang="en-US" sz="2600" dirty="0" smtClean="0"/>
+          </a:p>
+          <a:p>
+            <a:pPr lvl="1">
+              <a:lnSpc>
+                <a:spcPct val="100000"/>
+              </a:lnSpc>
+              <a:spcBef>
+                <a:spcPts val="600"/>
+              </a:spcBef>
+            </a:pPr>
+            <a:r>
+              <a:rPr lang="en-US" altLang="en-US" sz="2600" dirty="0" smtClean="0"/>
+              <a:t>Result is 0 or 1 in integer destination register</a:t>
+            </a:r>
+          </a:p>
+          <a:p>
+            <a:pPr lvl="2">
+              <a:lnSpc>
+                <a:spcPct val="100000"/>
+              </a:lnSpc>
+              <a:spcBef>
+                <a:spcPts val="600"/>
+              </a:spcBef>
+            </a:pPr>
+            <a:r>
+              <a:rPr lang="en-US" altLang="en-US" sz="2200" dirty="0" smtClean="0"/>
+              <a:t>Use </a:t>
+            </a:r>
+            <a:r>
+              <a:rPr lang="en-US" altLang="en-US" sz="2200" dirty="0" err="1" smtClean="0"/>
+              <a:t>beq</a:t>
+            </a:r>
+            <a:r>
+              <a:rPr lang="en-US" altLang="en-US" sz="2200" dirty="0" smtClean="0"/>
+              <a:t>, </a:t>
+            </a:r>
+            <a:r>
+              <a:rPr lang="en-US" altLang="en-US" sz="2200" dirty="0" err="1" smtClean="0"/>
+              <a:t>bne</a:t>
+            </a:r>
+            <a:r>
+              <a:rPr lang="en-US" altLang="en-US" sz="2200" dirty="0" smtClean="0"/>
+              <a:t> to branch on comparison result</a:t>
             </a:r>
           </a:p>
           <a:p>
             <a:pPr>
-              <a:buNone/>
-              <a:defRPr/>
+              <a:lnSpc>
+                <a:spcPct val="100000"/>
+              </a:lnSpc>
+              <a:spcBef>
+                <a:spcPts val="600"/>
+              </a:spcBef>
             </a:pPr>
             <a:r>
-              <a:rPr lang="en-US" altLang="en-US" sz="2000" dirty="0" smtClean="0">
-                <a:latin typeface="Lucida Console" panose="020B0609040504020204" pitchFamily="49" charset="0"/>
-              </a:rPr>
-              <a:t>    </a:t>
-            </a:r>
-            <a:r>
-              <a:rPr lang="en-US" altLang="en-US" sz="2000" dirty="0" err="1" smtClean="0">
-                <a:latin typeface="Lucida Console" panose="020B0609040504020204" pitchFamily="49" charset="0"/>
-              </a:rPr>
-              <a:t>flw</a:t>
-            </a:r>
-            <a:r>
-              <a:rPr lang="en-US" altLang="en-US" sz="2000" dirty="0" smtClean="0">
-                <a:latin typeface="Lucida Console" panose="020B0609040504020204" pitchFamily="49" charset="0"/>
-              </a:rPr>
-              <a:t>    f0,const5(x3)  </a:t>
-            </a:r>
-            <a:r>
-              <a:rPr lang="en-US" altLang="en-US" sz="2000" dirty="0" smtClean="0">
-                <a:solidFill>
-                  <a:schemeClr val="accent6">
-                    <a:lumMod val="75000"/>
-                  </a:schemeClr>
-                </a:solidFill>
-                <a:latin typeface="Lucida Console" panose="020B0609040504020204" pitchFamily="49" charset="0"/>
-              </a:rPr>
-              <a:t>// f0 = 5.0f</a:t>
-            </a:r>
-          </a:p>
-          <a:p>
-            <a:pPr>
-              <a:buNone/>
-              <a:defRPr/>
+              <a:rPr lang="en-US" altLang="en-US" sz="3500" dirty="0" smtClean="0"/>
+              <a:t>Branch on FP condition code true or false</a:t>
+            </a:r>
+          </a:p>
+          <a:p>
+            <a:pPr lvl="1">
+              <a:lnSpc>
+                <a:spcPct val="100000"/>
+              </a:lnSpc>
+              <a:spcBef>
+                <a:spcPts val="600"/>
+              </a:spcBef>
             </a:pPr>
             <a:r>
-              <a:rPr lang="en-US" altLang="en-US" sz="2000" dirty="0" smtClean="0">
-                <a:latin typeface="Lucida Console" panose="020B0609040504020204" pitchFamily="49" charset="0"/>
-              </a:rPr>
-              <a:t>    </a:t>
-            </a:r>
-            <a:r>
-              <a:rPr lang="en-US" altLang="en-US" sz="2000" dirty="0" err="1" smtClean="0">
-                <a:latin typeface="Lucida Console" panose="020B0609040504020204" pitchFamily="49" charset="0"/>
-              </a:rPr>
-              <a:t>flw</a:t>
-            </a:r>
-            <a:r>
-              <a:rPr lang="en-US" altLang="en-US" sz="2000" dirty="0" smtClean="0">
-                <a:latin typeface="Lucida Console" panose="020B0609040504020204" pitchFamily="49" charset="0"/>
-              </a:rPr>
-              <a:t>    f1,const9(x3)  </a:t>
-            </a:r>
-            <a:r>
-              <a:rPr lang="en-US" altLang="en-US" sz="2000" dirty="0" smtClean="0">
-                <a:solidFill>
-                  <a:schemeClr val="accent6">
-                    <a:lumMod val="75000"/>
-                  </a:schemeClr>
-                </a:solidFill>
-                <a:latin typeface="Lucida Console" panose="020B0609040504020204" pitchFamily="49" charset="0"/>
-              </a:rPr>
-              <a:t>// f1 = 9.0f</a:t>
-            </a:r>
-          </a:p>
-          <a:p>
-            <a:pPr>
-              <a:buNone/>
-              <a:defRPr/>
-            </a:pPr>
-            <a:r>
-              <a:rPr lang="en-US" altLang="en-US" sz="2000" dirty="0" smtClean="0">
-                <a:latin typeface="Lucida Console" panose="020B0609040504020204" pitchFamily="49" charset="0"/>
-              </a:rPr>
-              <a:t>    </a:t>
-            </a:r>
-            <a:r>
-              <a:rPr lang="en-US" altLang="en-US" sz="2000" dirty="0" err="1" smtClean="0">
-                <a:latin typeface="Lucida Console" panose="020B0609040504020204" pitchFamily="49" charset="0"/>
-              </a:rPr>
-              <a:t>fdiv.s</a:t>
-            </a:r>
-            <a:r>
-              <a:rPr lang="en-US" altLang="en-US" sz="2000" dirty="0" smtClean="0">
-                <a:latin typeface="Lucida Console" panose="020B0609040504020204" pitchFamily="49" charset="0"/>
-              </a:rPr>
-              <a:t> f0, f0, f1     </a:t>
-            </a:r>
-            <a:r>
-              <a:rPr lang="en-US" altLang="en-US" sz="2000" dirty="0" smtClean="0">
-                <a:solidFill>
-                  <a:schemeClr val="accent6">
-                    <a:lumMod val="75000"/>
-                  </a:schemeClr>
-                </a:solidFill>
-                <a:latin typeface="Lucida Console" panose="020B0609040504020204" pitchFamily="49" charset="0"/>
-              </a:rPr>
-              <a:t>// f0 = 5.0f / 9.0f</a:t>
-            </a:r>
-          </a:p>
-          <a:p>
-            <a:pPr>
-              <a:buNone/>
-              <a:defRPr/>
-            </a:pPr>
-            <a:r>
-              <a:rPr lang="en-US" altLang="en-US" sz="2000" dirty="0" smtClean="0">
-                <a:latin typeface="Lucida Console" panose="020B0609040504020204" pitchFamily="49" charset="0"/>
-              </a:rPr>
-              <a:t>    </a:t>
-            </a:r>
-            <a:r>
-              <a:rPr lang="en-US" altLang="en-US" sz="2000" dirty="0" err="1" smtClean="0">
-                <a:latin typeface="Lucida Console" panose="020B0609040504020204" pitchFamily="49" charset="0"/>
-              </a:rPr>
-              <a:t>flw</a:t>
-            </a:r>
-            <a:r>
-              <a:rPr lang="en-US" altLang="en-US" sz="2000" dirty="0" smtClean="0">
-                <a:latin typeface="Lucida Console" panose="020B0609040504020204" pitchFamily="49" charset="0"/>
-              </a:rPr>
-              <a:t>    f1,const32(x3) </a:t>
-            </a:r>
-            <a:r>
-              <a:rPr lang="en-US" altLang="en-US" sz="2000" dirty="0" smtClean="0">
-                <a:solidFill>
-                  <a:schemeClr val="accent6">
-                    <a:lumMod val="75000"/>
-                  </a:schemeClr>
-                </a:solidFill>
-                <a:latin typeface="Lucida Console" panose="020B0609040504020204" pitchFamily="49" charset="0"/>
-              </a:rPr>
-              <a:t>// f1 = 32.0f</a:t>
-            </a:r>
-          </a:p>
-          <a:p>
-            <a:pPr>
-              <a:buNone/>
-              <a:defRPr/>
-            </a:pPr>
-            <a:r>
-              <a:rPr lang="en-US" altLang="en-US" sz="2000" dirty="0" smtClean="0">
-                <a:latin typeface="Lucida Console" panose="020B0609040504020204" pitchFamily="49" charset="0"/>
-              </a:rPr>
-              <a:t>    </a:t>
-            </a:r>
-            <a:r>
-              <a:rPr lang="en-US" altLang="en-US" sz="2000" dirty="0" err="1" smtClean="0">
-                <a:latin typeface="Lucida Console" panose="020B0609040504020204" pitchFamily="49" charset="0"/>
-              </a:rPr>
-              <a:t>fsub.s</a:t>
-            </a:r>
-            <a:r>
-              <a:rPr lang="en-US" altLang="en-US" sz="2000" dirty="0" smtClean="0">
-                <a:latin typeface="Lucida Console" panose="020B0609040504020204" pitchFamily="49" charset="0"/>
-              </a:rPr>
-              <a:t> f10,f10,f1     </a:t>
-            </a:r>
-            <a:r>
-              <a:rPr lang="en-US" altLang="en-US" sz="2000" dirty="0" smtClean="0">
-                <a:solidFill>
-                  <a:schemeClr val="accent6">
-                    <a:lumMod val="75000"/>
-                  </a:schemeClr>
-                </a:solidFill>
-                <a:latin typeface="Lucida Console" panose="020B0609040504020204" pitchFamily="49" charset="0"/>
-              </a:rPr>
-              <a:t>// f10 = fahr – 32.0</a:t>
-            </a:r>
-          </a:p>
-          <a:p>
-            <a:pPr>
-              <a:buNone/>
-              <a:defRPr/>
-            </a:pPr>
-            <a:r>
-              <a:rPr lang="en-US" altLang="en-US" sz="2000" dirty="0" smtClean="0">
-                <a:latin typeface="Lucida Console" panose="020B0609040504020204" pitchFamily="49" charset="0"/>
-              </a:rPr>
-              <a:t>    </a:t>
-            </a:r>
-            <a:r>
-              <a:rPr lang="en-US" altLang="en-US" sz="2000" dirty="0" err="1" smtClean="0">
-                <a:latin typeface="Lucida Console" panose="020B0609040504020204" pitchFamily="49" charset="0"/>
-              </a:rPr>
-              <a:t>fmul.s</a:t>
-            </a:r>
-            <a:r>
-              <a:rPr lang="en-US" altLang="en-US" sz="2000" dirty="0" smtClean="0">
-                <a:latin typeface="Lucida Console" panose="020B0609040504020204" pitchFamily="49" charset="0"/>
-              </a:rPr>
-              <a:t> f10,f0,f10     </a:t>
-            </a:r>
-            <a:r>
-              <a:rPr lang="en-US" altLang="en-US" sz="2000" dirty="0" smtClean="0">
-                <a:solidFill>
-                  <a:schemeClr val="accent6">
-                    <a:lumMod val="75000"/>
-                  </a:schemeClr>
-                </a:solidFill>
-                <a:latin typeface="Lucida Console" panose="020B0609040504020204" pitchFamily="49" charset="0"/>
-              </a:rPr>
-              <a:t>// f10 = (5.0f/9.0f) * (fahr–32.0f)</a:t>
-            </a:r>
-          </a:p>
-          <a:p>
-            <a:pPr>
-              <a:buNone/>
-              <a:defRPr/>
-            </a:pPr>
-            <a:r>
-              <a:rPr lang="en-US" altLang="en-US" sz="2000" dirty="0" smtClean="0">
-                <a:latin typeface="Lucida Console" panose="020B0609040504020204" pitchFamily="49" charset="0"/>
-              </a:rPr>
-              <a:t>    </a:t>
-            </a:r>
-            <a:r>
-              <a:rPr lang="en-US" altLang="en-US" sz="2000" dirty="0" err="1" smtClean="0">
-                <a:latin typeface="Lucida Console" panose="020B0609040504020204" pitchFamily="49" charset="0"/>
-              </a:rPr>
-              <a:t>jalr</a:t>
-            </a:r>
-            <a:r>
-              <a:rPr lang="en-US" altLang="en-US" sz="2000" dirty="0" smtClean="0">
-                <a:latin typeface="Lucida Console" panose="020B0609040504020204" pitchFamily="49" charset="0"/>
-              </a:rPr>
-              <a:t>   x0,0(x1)       </a:t>
-            </a:r>
-            <a:r>
-              <a:rPr lang="en-US" altLang="en-US" sz="2000" dirty="0" smtClean="0">
-                <a:solidFill>
-                  <a:schemeClr val="accent6">
-                    <a:lumMod val="75000"/>
-                  </a:schemeClr>
-                </a:solidFill>
-                <a:latin typeface="Lucida Console" panose="020B0609040504020204" pitchFamily="49" charset="0"/>
-              </a:rPr>
-              <a:t>// return</a:t>
-            </a:r>
-          </a:p>
-          <a:p>
-            <a:endParaRPr lang="ru-RU" dirty="0"/>
+              <a:rPr lang="en-US" altLang="en-US" sz="2600" dirty="0" err="1" smtClean="0">
+                <a:latin typeface="Lucida Console" pitchFamily="49" charset="0"/>
+              </a:rPr>
+              <a:t>b.cond</a:t>
+            </a:r>
+            <a:endParaRPr lang="en-AU" altLang="en-US" sz="2600" dirty="0" smtClean="0">
+              <a:latin typeface="Lucida Console" pitchFamily="49" charset="0"/>
+            </a:endParaRPr>
           </a:p>
         </p:txBody>
       </p:sp>
@@ -8979,7 +8569,7 @@
           <a:p>
             <a:r>
               <a:rPr lang="en-US" altLang="en-US" dirty="0" smtClean="0"/>
-              <a:t>FP Example: °F to °C</a:t>
+              <a:t>FP Instructions in RISC-V</a:t>
             </a:r>
             <a:endParaRPr lang="ru-RU" dirty="0"/>
           </a:p>
@@ -9030,409 +8620,418 @@
         <p:spPr>
           <a:xfrm>
             <a:off x="838200" y="1178052"/>
-            <a:ext cx="10515600" cy="5293999"/>
+            <a:ext cx="10515600" cy="5472130"/>
           </a:xfrm>
         </p:spPr>
         <p:txBody>
           <a:bodyPr>
-            <a:normAutofit/>
+            <a:normAutofit lnSpcReduction="10000"/>
           </a:bodyPr>
           <a:lstStyle/>
           <a:p>
             <a:pPr>
+              <a:defRPr/>
+            </a:pPr>
+            <a:r>
+              <a:rPr lang="en-US" altLang="en-US" sz="3500" dirty="0" smtClean="0"/>
+              <a:t>C code:</a:t>
+            </a:r>
+          </a:p>
+          <a:p>
+            <a:pPr>
+              <a:buNone/>
+              <a:defRPr/>
+            </a:pPr>
+            <a:r>
+              <a:rPr lang="en-US" altLang="en-US" sz="2400" dirty="0" smtClean="0">
+                <a:latin typeface="Lucida Console" panose="020B0609040504020204" pitchFamily="49" charset="0"/>
+              </a:rPr>
+              <a:t>	</a:t>
+            </a:r>
+            <a:r>
+              <a:rPr lang="en-US" altLang="en-US" sz="2000" dirty="0" smtClean="0">
+                <a:latin typeface="Lucida Console" panose="020B0609040504020204" pitchFamily="49" charset="0"/>
+              </a:rPr>
+              <a:t>  </a:t>
+            </a:r>
+            <a:r>
+              <a:rPr lang="en-US" altLang="en-US" sz="2000" dirty="0" smtClean="0">
+                <a:solidFill>
+                  <a:srgbClr val="2F5CB5"/>
+                </a:solidFill>
+                <a:latin typeface="Lucida Console" panose="020B0609040504020204" pitchFamily="49" charset="0"/>
+              </a:rPr>
+              <a:t>float</a:t>
+            </a:r>
+            <a:r>
+              <a:rPr lang="en-US" altLang="en-US" sz="2000" dirty="0" smtClean="0">
+                <a:solidFill>
+                  <a:schemeClr val="tx1"/>
+                </a:solidFill>
+                <a:latin typeface="Lucida Console" panose="020B0609040504020204" pitchFamily="49" charset="0"/>
+              </a:rPr>
+              <a:t> f2c (</a:t>
+            </a:r>
+            <a:r>
+              <a:rPr lang="en-US" altLang="en-US" sz="2000" dirty="0" smtClean="0">
+                <a:solidFill>
+                  <a:srgbClr val="2F5CB5"/>
+                </a:solidFill>
+                <a:latin typeface="Lucida Console" panose="020B0609040504020204" pitchFamily="49" charset="0"/>
+              </a:rPr>
+              <a:t>float</a:t>
+            </a:r>
+            <a:r>
+              <a:rPr lang="en-US" altLang="en-US" sz="2000" dirty="0" smtClean="0">
+                <a:solidFill>
+                  <a:schemeClr val="tx1"/>
+                </a:solidFill>
+                <a:latin typeface="Lucida Console" panose="020B0609040504020204" pitchFamily="49" charset="0"/>
+              </a:rPr>
+              <a:t> fahr) {</a:t>
+            </a:r>
+            <a:br>
+              <a:rPr lang="en-US" altLang="en-US" sz="2000" dirty="0" smtClean="0">
+                <a:solidFill>
+                  <a:schemeClr val="tx1"/>
+                </a:solidFill>
+                <a:latin typeface="Lucida Console" panose="020B0609040504020204" pitchFamily="49" charset="0"/>
+              </a:rPr>
+            </a:br>
+            <a:r>
+              <a:rPr lang="en-US" altLang="en-US" sz="2000" dirty="0" smtClean="0">
+                <a:solidFill>
+                  <a:schemeClr val="tx1"/>
+                </a:solidFill>
+                <a:latin typeface="Lucida Console" panose="020B0609040504020204" pitchFamily="49" charset="0"/>
+              </a:rPr>
+              <a:t>    </a:t>
+            </a:r>
+            <a:r>
+              <a:rPr lang="en-US" altLang="en-US" sz="2000" dirty="0" smtClean="0">
+                <a:solidFill>
+                  <a:srgbClr val="2F5CB5"/>
+                </a:solidFill>
+                <a:latin typeface="Lucida Console" panose="020B0609040504020204" pitchFamily="49" charset="0"/>
+              </a:rPr>
+              <a:t>return</a:t>
+            </a:r>
+            <a:r>
+              <a:rPr lang="en-US" altLang="en-US" sz="2000" dirty="0" smtClean="0">
+                <a:solidFill>
+                  <a:schemeClr val="tx1"/>
+                </a:solidFill>
+                <a:latin typeface="Lucida Console" panose="020B0609040504020204" pitchFamily="49" charset="0"/>
+              </a:rPr>
+              <a:t> ((5.0/9.0)*(fahr - 32.0));</a:t>
+            </a:r>
+            <a:br>
+              <a:rPr lang="en-US" altLang="en-US" sz="2000" dirty="0" smtClean="0">
+                <a:solidFill>
+                  <a:schemeClr val="tx1"/>
+                </a:solidFill>
+                <a:latin typeface="Lucida Console" panose="020B0609040504020204" pitchFamily="49" charset="0"/>
+              </a:rPr>
+            </a:br>
+            <a:r>
+              <a:rPr lang="en-US" altLang="en-US" sz="2000" dirty="0" smtClean="0">
+                <a:solidFill>
+                  <a:schemeClr val="tx1"/>
+                </a:solidFill>
+                <a:latin typeface="Lucida Console" panose="020B0609040504020204" pitchFamily="49" charset="0"/>
+              </a:rPr>
+              <a:t>  }</a:t>
+            </a:r>
+          </a:p>
+          <a:p>
+            <a:pPr lvl="1">
               <a:lnSpc>
-                <a:spcPct val="100000"/>
+                <a:spcPct val="110000"/>
               </a:lnSpc>
               <a:spcBef>
-                <a:spcPts val="600"/>
+                <a:spcPts val="1200"/>
               </a:spcBef>
+              <a:defRPr/>
             </a:pPr>
             <a:r>
-              <a:rPr lang="en-US" altLang="en-US" sz="3200" dirty="0" smtClean="0"/>
-              <a:t>C = C + A </a:t>
-            </a:r>
-            <a:r>
-              <a:rPr lang="en-US" altLang="en-US" sz="3200" dirty="0" smtClean="0">
-                <a:cs typeface="Arial" charset="0"/>
-              </a:rPr>
-              <a:t>× B</a:t>
-            </a:r>
-          </a:p>
-          <a:p>
-            <a:pPr lvl="1">
-              <a:lnSpc>
-                <a:spcPct val="100000"/>
-              </a:lnSpc>
-              <a:spcBef>
-                <a:spcPts val="600"/>
-              </a:spcBef>
+              <a:rPr lang="en-US" altLang="en-US" sz="2400" dirty="0" smtClean="0">
+                <a:latin typeface="Lucida Console" panose="020B0609040504020204" pitchFamily="49" charset="0"/>
+              </a:rPr>
+              <a:t>fahr</a:t>
+            </a:r>
+            <a:r>
+              <a:rPr lang="en-US" altLang="en-US" sz="2400" dirty="0" smtClean="0"/>
+              <a:t> in f10, result in f10, literals in global memory space</a:t>
+            </a:r>
+          </a:p>
+          <a:p>
+            <a:pPr>
+              <a:defRPr/>
             </a:pPr>
             <a:r>
-              <a:rPr lang="en-US" altLang="en-US" sz="2800" dirty="0" smtClean="0">
-                <a:cs typeface="Arial" charset="0"/>
-              </a:rPr>
-              <a:t>All 32 × 32 matrices, 64-bit double-precision elements</a:t>
+              <a:rPr lang="en-US" altLang="en-US" sz="3500" dirty="0" smtClean="0"/>
+              <a:t>Compiled RISC-V code:</a:t>
             </a:r>
           </a:p>
           <a:p>
             <a:pPr>
-              <a:lnSpc>
-                <a:spcPct val="100000"/>
-              </a:lnSpc>
-              <a:spcBef>
-                <a:spcPts val="600"/>
-              </a:spcBef>
+              <a:buNone/>
+              <a:defRPr/>
             </a:pPr>
             <a:r>
-              <a:rPr lang="en-US" altLang="en-US" sz="3200" dirty="0" smtClean="0"/>
-              <a:t>C code:</a:t>
+              <a:rPr lang="en-US" altLang="en-US" sz="2000" dirty="0" smtClean="0">
+                <a:latin typeface="Lucida Console" panose="020B0609040504020204" pitchFamily="49" charset="0"/>
+              </a:rPr>
+              <a:t>	f2c:</a:t>
             </a:r>
           </a:p>
           <a:p>
             <a:pPr>
-              <a:lnSpc>
-                <a:spcPct val="100000"/>
-              </a:lnSpc>
-              <a:spcBef>
-                <a:spcPts val="600"/>
-              </a:spcBef>
               <a:buNone/>
+              <a:defRPr/>
             </a:pPr>
             <a:r>
-              <a:rPr lang="en-US" altLang="en-US" sz="2400" dirty="0" smtClean="0">
-                <a:latin typeface="Lucida Console" pitchFamily="49" charset="0"/>
-              </a:rPr>
-              <a:t>	  </a:t>
-            </a:r>
-            <a:r>
-              <a:rPr lang="nb-NO" altLang="en-US" sz="2000" dirty="0" smtClean="0">
-                <a:solidFill>
-                  <a:srgbClr val="2F5CB5"/>
-                </a:solidFill>
-                <a:latin typeface="Lucida Console" pitchFamily="49" charset="0"/>
-              </a:rPr>
-              <a:t>void</a:t>
-            </a:r>
-            <a:r>
-              <a:rPr lang="nb-NO" altLang="en-US" sz="2000" dirty="0" smtClean="0">
-                <a:solidFill>
-                  <a:schemeClr val="tx1"/>
-                </a:solidFill>
-                <a:latin typeface="Lucida Console" pitchFamily="49" charset="0"/>
-              </a:rPr>
-              <a:t> mm (</a:t>
-            </a:r>
-            <a:r>
-              <a:rPr lang="nb-NO" altLang="en-US" sz="2000" dirty="0" smtClean="0">
-                <a:solidFill>
-                  <a:srgbClr val="2F5CB5"/>
-                </a:solidFill>
-                <a:latin typeface="Lucida Console" pitchFamily="49" charset="0"/>
-              </a:rPr>
-              <a:t>double</a:t>
-            </a:r>
-            <a:r>
-              <a:rPr lang="nb-NO" altLang="en-US" sz="2000" dirty="0" smtClean="0">
-                <a:solidFill>
-                  <a:schemeClr val="tx1"/>
-                </a:solidFill>
-                <a:latin typeface="Lucida Console" pitchFamily="49" charset="0"/>
-              </a:rPr>
-              <a:t> c[][], </a:t>
-            </a:r>
-            <a:r>
-              <a:rPr lang="nb-NO" altLang="en-US" sz="2000" dirty="0" smtClean="0">
-                <a:solidFill>
-                  <a:srgbClr val="2F5CB5"/>
-                </a:solidFill>
-                <a:latin typeface="Lucida Console" pitchFamily="49" charset="0"/>
-              </a:rPr>
-              <a:t>double</a:t>
-            </a:r>
-            <a:r>
-              <a:rPr lang="nb-NO" altLang="en-US" sz="2000" dirty="0" smtClean="0">
-                <a:solidFill>
-                  <a:schemeClr val="tx1"/>
-                </a:solidFill>
-                <a:latin typeface="Lucida Console" pitchFamily="49" charset="0"/>
-              </a:rPr>
-              <a:t> a[][], </a:t>
-            </a:r>
-            <a:r>
-              <a:rPr lang="nb-NO" altLang="en-US" sz="2000" dirty="0" smtClean="0">
-                <a:solidFill>
-                  <a:srgbClr val="2F5CB5"/>
-                </a:solidFill>
-                <a:latin typeface="Lucida Console" pitchFamily="49" charset="0"/>
-              </a:rPr>
-              <a:t>double</a:t>
-            </a:r>
-            <a:r>
-              <a:rPr lang="nb-NO" altLang="en-US" sz="2000" dirty="0" smtClean="0">
-                <a:solidFill>
-                  <a:schemeClr val="tx1"/>
-                </a:solidFill>
-                <a:latin typeface="Lucida Console" pitchFamily="49" charset="0"/>
-              </a:rPr>
-              <a:t> b[][]) {</a:t>
-            </a:r>
-            <a:br>
-              <a:rPr lang="nb-NO" altLang="en-US" sz="2000" dirty="0" smtClean="0">
-                <a:solidFill>
-                  <a:schemeClr val="tx1"/>
-                </a:solidFill>
-                <a:latin typeface="Lucida Console" pitchFamily="49" charset="0"/>
-              </a:rPr>
-            </a:br>
-            <a:r>
-              <a:rPr lang="nb-NO" altLang="en-US" sz="2000" dirty="0" smtClean="0">
-                <a:solidFill>
-                  <a:schemeClr val="tx1"/>
-                </a:solidFill>
-                <a:latin typeface="Lucida Console" pitchFamily="49" charset="0"/>
+              <a:rPr lang="en-US" altLang="en-US" sz="2000" dirty="0" smtClean="0">
+                <a:latin typeface="Lucida Console" panose="020B0609040504020204" pitchFamily="49" charset="0"/>
               </a:rPr>
               <a:t>    </a:t>
             </a:r>
             <a:r>
-              <a:rPr lang="nb-NO" altLang="en-US" sz="2000" dirty="0" smtClean="0">
-                <a:solidFill>
-                  <a:srgbClr val="2F5CB5"/>
-                </a:solidFill>
-                <a:latin typeface="Lucida Console" pitchFamily="49" charset="0"/>
-              </a:rPr>
-              <a:t>size_t</a:t>
-            </a:r>
-            <a:r>
-              <a:rPr lang="nb-NO" altLang="en-US" sz="2000" dirty="0" smtClean="0">
-                <a:solidFill>
-                  <a:schemeClr val="tx1"/>
-                </a:solidFill>
-                <a:latin typeface="Lucida Console" pitchFamily="49" charset="0"/>
-              </a:rPr>
-              <a:t> i, j, k;</a:t>
-            </a:r>
-            <a:br>
-              <a:rPr lang="nb-NO" altLang="en-US" sz="2000" dirty="0" smtClean="0">
-                <a:solidFill>
-                  <a:schemeClr val="tx1"/>
-                </a:solidFill>
-                <a:latin typeface="Lucida Console" pitchFamily="49" charset="0"/>
-              </a:rPr>
-            </a:br>
-            <a:r>
-              <a:rPr lang="nb-NO" altLang="en-US" sz="2000" dirty="0" smtClean="0">
-                <a:solidFill>
-                  <a:schemeClr val="tx1"/>
-                </a:solidFill>
-                <a:latin typeface="Lucida Console" pitchFamily="49" charset="0"/>
+              <a:rPr lang="en-US" altLang="en-US" sz="2000" dirty="0" err="1" smtClean="0">
+                <a:latin typeface="Lucida Console" panose="020B0609040504020204" pitchFamily="49" charset="0"/>
+              </a:rPr>
+              <a:t>flw</a:t>
+            </a:r>
+            <a:r>
+              <a:rPr lang="en-US" altLang="en-US" sz="2000" dirty="0" smtClean="0">
+                <a:latin typeface="Lucida Console" panose="020B0609040504020204" pitchFamily="49" charset="0"/>
+              </a:rPr>
+              <a:t>    f0,const5(x3)  </a:t>
+            </a:r>
+            <a:r>
+              <a:rPr lang="en-US" altLang="en-US" sz="2000" dirty="0" smtClean="0">
+                <a:solidFill>
+                  <a:schemeClr val="accent6">
+                    <a:lumMod val="75000"/>
+                  </a:schemeClr>
+                </a:solidFill>
+                <a:latin typeface="Lucida Console" panose="020B0609040504020204" pitchFamily="49" charset="0"/>
+              </a:rPr>
+              <a:t>// f0 = 5.0f</a:t>
+            </a:r>
+          </a:p>
+          <a:p>
+            <a:pPr>
+              <a:buNone/>
+              <a:defRPr/>
+            </a:pPr>
+            <a:r>
+              <a:rPr lang="en-US" altLang="en-US" sz="2000" dirty="0" smtClean="0">
+                <a:latin typeface="Lucida Console" panose="020B0609040504020204" pitchFamily="49" charset="0"/>
               </a:rPr>
               <a:t>    </a:t>
             </a:r>
             <a:r>
-              <a:rPr lang="nb-NO" altLang="en-US" sz="2000" dirty="0" smtClean="0">
-                <a:solidFill>
-                  <a:srgbClr val="2F5CB5"/>
-                </a:solidFill>
-                <a:latin typeface="Lucida Console" pitchFamily="49" charset="0"/>
-              </a:rPr>
-              <a:t>for</a:t>
-            </a:r>
-            <a:r>
-              <a:rPr lang="nb-NO" altLang="en-US" sz="2000" dirty="0" smtClean="0">
-                <a:solidFill>
-                  <a:schemeClr val="tx1"/>
-                </a:solidFill>
-                <a:latin typeface="Lucida Console" pitchFamily="49" charset="0"/>
-              </a:rPr>
-              <a:t> (i = 0; i &lt; 32; i = i + 1)</a:t>
-            </a:r>
-            <a:br>
-              <a:rPr lang="nb-NO" altLang="en-US" sz="2000" dirty="0" smtClean="0">
-                <a:solidFill>
-                  <a:schemeClr val="tx1"/>
-                </a:solidFill>
-                <a:latin typeface="Lucida Console" pitchFamily="49" charset="0"/>
-              </a:rPr>
-            </a:br>
-            <a:r>
-              <a:rPr lang="nb-NO" altLang="en-US" sz="2000" dirty="0" smtClean="0">
-                <a:solidFill>
-                  <a:schemeClr val="tx1"/>
-                </a:solidFill>
-                <a:latin typeface="Lucida Console" pitchFamily="49" charset="0"/>
-              </a:rPr>
-              <a:t>      </a:t>
-            </a:r>
-            <a:r>
-              <a:rPr lang="nb-NO" altLang="en-US" sz="2000" dirty="0" smtClean="0">
-                <a:solidFill>
-                  <a:srgbClr val="2F5CB5"/>
-                </a:solidFill>
-                <a:latin typeface="Lucida Console" pitchFamily="49" charset="0"/>
-              </a:rPr>
-              <a:t>for</a:t>
-            </a:r>
-            <a:r>
-              <a:rPr lang="nb-NO" altLang="en-US" sz="2000" dirty="0" smtClean="0">
-                <a:solidFill>
-                  <a:schemeClr val="tx1"/>
-                </a:solidFill>
-                <a:latin typeface="Lucida Console" pitchFamily="49" charset="0"/>
-              </a:rPr>
-              <a:t> (j = 0; j &lt; 32; j = j + 1)</a:t>
-            </a:r>
-            <a:br>
-              <a:rPr lang="nb-NO" altLang="en-US" sz="2000" dirty="0" smtClean="0">
-                <a:solidFill>
-                  <a:schemeClr val="tx1"/>
-                </a:solidFill>
-                <a:latin typeface="Lucida Console" pitchFamily="49" charset="0"/>
-              </a:rPr>
-            </a:br>
-            <a:r>
-              <a:rPr lang="nb-NO" altLang="en-US" sz="2000" dirty="0" smtClean="0">
-                <a:solidFill>
-                  <a:schemeClr val="tx1"/>
-                </a:solidFill>
-                <a:latin typeface="Lucida Console" pitchFamily="49" charset="0"/>
-              </a:rPr>
-              <a:t>        </a:t>
-            </a:r>
-            <a:r>
-              <a:rPr lang="nb-NO" altLang="en-US" sz="2000" dirty="0" smtClean="0">
-                <a:solidFill>
-                  <a:srgbClr val="2F5CB5"/>
-                </a:solidFill>
-                <a:latin typeface="Lucida Console" pitchFamily="49" charset="0"/>
-              </a:rPr>
-              <a:t>for</a:t>
-            </a:r>
-            <a:r>
-              <a:rPr lang="nb-NO" altLang="en-US" sz="2000" dirty="0" smtClean="0">
-                <a:solidFill>
-                  <a:schemeClr val="tx1"/>
-                </a:solidFill>
-                <a:latin typeface="Lucida Console" pitchFamily="49" charset="0"/>
-              </a:rPr>
-              <a:t> (k = 0; k &lt; 32; k = k + 1)</a:t>
-            </a:r>
-            <a:br>
-              <a:rPr lang="nb-NO" altLang="en-US" sz="2000" dirty="0" smtClean="0">
-                <a:solidFill>
-                  <a:schemeClr val="tx1"/>
-                </a:solidFill>
-                <a:latin typeface="Lucida Console" pitchFamily="49" charset="0"/>
-              </a:rPr>
-            </a:br>
-            <a:r>
-              <a:rPr lang="nb-NO" altLang="en-US" sz="2000" dirty="0" smtClean="0">
-                <a:solidFill>
-                  <a:schemeClr val="tx1"/>
-                </a:solidFill>
-                <a:latin typeface="Lucida Console" pitchFamily="49" charset="0"/>
-              </a:rPr>
-              <a:t>          c[i][j] = c[i][j] + a[i][k] * b[k][j];</a:t>
-            </a:r>
-            <a:br>
-              <a:rPr lang="nb-NO" altLang="en-US" sz="2000" dirty="0" smtClean="0">
-                <a:solidFill>
-                  <a:schemeClr val="tx1"/>
-                </a:solidFill>
-                <a:latin typeface="Lucida Console" pitchFamily="49" charset="0"/>
-              </a:rPr>
-            </a:br>
-            <a:r>
-              <a:rPr lang="nb-NO" altLang="en-US" sz="2000" dirty="0" smtClean="0">
-                <a:solidFill>
-                  <a:schemeClr val="tx1"/>
-                </a:solidFill>
-                <a:latin typeface="Lucida Console" pitchFamily="49" charset="0"/>
-              </a:rPr>
-              <a:t>  }</a:t>
-            </a:r>
-            <a:endParaRPr lang="en-US" altLang="en-US" sz="2000" dirty="0" smtClean="0">
-              <a:solidFill>
-                <a:schemeClr val="tx1"/>
-              </a:solidFill>
-              <a:latin typeface="Lucida Console" pitchFamily="49" charset="0"/>
-            </a:endParaRPr>
-          </a:p>
-          <a:p>
-            <a:pPr lvl="1">
-              <a:lnSpc>
-                <a:spcPct val="100000"/>
-              </a:lnSpc>
-              <a:spcBef>
-                <a:spcPts val="600"/>
-              </a:spcBef>
+              <a:rPr lang="en-US" altLang="en-US" sz="2000" dirty="0" err="1" smtClean="0">
+                <a:latin typeface="Lucida Console" panose="020B0609040504020204" pitchFamily="49" charset="0"/>
+              </a:rPr>
+              <a:t>flw</a:t>
+            </a:r>
+            <a:r>
+              <a:rPr lang="en-US" altLang="en-US" sz="2000" dirty="0" smtClean="0">
+                <a:latin typeface="Lucida Console" panose="020B0609040504020204" pitchFamily="49" charset="0"/>
+              </a:rPr>
+              <a:t>    f1,const9(x3)  </a:t>
+            </a:r>
+            <a:r>
+              <a:rPr lang="en-US" altLang="en-US" sz="2000" dirty="0" smtClean="0">
+                <a:solidFill>
+                  <a:schemeClr val="accent6">
+                    <a:lumMod val="75000"/>
+                  </a:schemeClr>
+                </a:solidFill>
+                <a:latin typeface="Lucida Console" panose="020B0609040504020204" pitchFamily="49" charset="0"/>
+              </a:rPr>
+              <a:t>// f1 = 9.0f</a:t>
+            </a:r>
+          </a:p>
+          <a:p>
+            <a:pPr>
+              <a:buNone/>
+              <a:defRPr/>
             </a:pPr>
             <a:r>
-              <a:rPr lang="en-US" altLang="en-US" sz="2800" dirty="0" smtClean="0"/>
-              <a:t>Addresses of </a:t>
-            </a:r>
-            <a:r>
-              <a:rPr lang="en-US" altLang="en-US" sz="2800" dirty="0" smtClean="0">
-                <a:latin typeface="Lucida Console" pitchFamily="49" charset="0"/>
-              </a:rPr>
-              <a:t>c</a:t>
-            </a:r>
-            <a:r>
-              <a:rPr lang="en-US" altLang="en-US" sz="2800" dirty="0" smtClean="0"/>
-              <a:t>, </a:t>
-            </a:r>
-            <a:r>
-              <a:rPr lang="en-US" altLang="en-US" sz="2800" dirty="0" smtClean="0">
-                <a:latin typeface="Lucida Console" pitchFamily="49" charset="0"/>
-              </a:rPr>
-              <a:t>a</a:t>
-            </a:r>
-            <a:r>
-              <a:rPr lang="en-US" altLang="en-US" sz="2800" dirty="0" smtClean="0"/>
-              <a:t>, </a:t>
-            </a:r>
-            <a:r>
-              <a:rPr lang="en-US" altLang="en-US" sz="2800" dirty="0" smtClean="0">
-                <a:latin typeface="Lucida Console" pitchFamily="49" charset="0"/>
-              </a:rPr>
-              <a:t>b</a:t>
-            </a:r>
-            <a:r>
-              <a:rPr lang="en-US" altLang="en-US" sz="2800" dirty="0" smtClean="0"/>
-              <a:t> in x10, x11, x12, and</a:t>
-            </a:r>
-            <a:br>
-              <a:rPr lang="en-US" altLang="en-US" sz="2800" dirty="0" smtClean="0"/>
-            </a:br>
-            <a:r>
-              <a:rPr lang="en-US" altLang="en-US" sz="2800" dirty="0" err="1" smtClean="0">
-                <a:latin typeface="Lucida Console" pitchFamily="49" charset="0"/>
-              </a:rPr>
-              <a:t>i</a:t>
-            </a:r>
-            <a:r>
-              <a:rPr lang="en-US" altLang="en-US" sz="2800" dirty="0" smtClean="0"/>
-              <a:t>, </a:t>
-            </a:r>
-            <a:r>
-              <a:rPr lang="en-US" altLang="en-US" sz="2800" dirty="0" smtClean="0">
-                <a:latin typeface="Lucida Console" pitchFamily="49" charset="0"/>
-              </a:rPr>
-              <a:t>j</a:t>
-            </a:r>
-            <a:r>
-              <a:rPr lang="en-US" altLang="en-US" sz="2800" dirty="0" smtClean="0"/>
-              <a:t>, </a:t>
-            </a:r>
-            <a:r>
-              <a:rPr lang="en-US" altLang="en-US" sz="2800" dirty="0" smtClean="0">
-                <a:latin typeface="Lucida Console" pitchFamily="49" charset="0"/>
-              </a:rPr>
-              <a:t>k</a:t>
-            </a:r>
-            <a:r>
-              <a:rPr lang="en-US" altLang="en-US" sz="2800" dirty="0" smtClean="0"/>
-              <a:t> in x5, x6, x7</a:t>
-            </a:r>
+              <a:rPr lang="en-US" altLang="en-US" sz="2000" dirty="0" smtClean="0">
+                <a:latin typeface="Lucida Console" panose="020B0609040504020204" pitchFamily="49" charset="0"/>
+              </a:rPr>
+              <a:t>    </a:t>
+            </a:r>
+            <a:r>
+              <a:rPr lang="en-US" altLang="en-US" sz="2000" dirty="0" err="1" smtClean="0">
+                <a:latin typeface="Lucida Console" panose="020B0609040504020204" pitchFamily="49" charset="0"/>
+              </a:rPr>
+              <a:t>fdiv.s</a:t>
+            </a:r>
+            <a:r>
+              <a:rPr lang="en-US" altLang="en-US" sz="2000" dirty="0" smtClean="0">
+                <a:latin typeface="Lucida Console" panose="020B0609040504020204" pitchFamily="49" charset="0"/>
+              </a:rPr>
+              <a:t> f0, f0, f1     </a:t>
+            </a:r>
+            <a:r>
+              <a:rPr lang="en-US" altLang="en-US" sz="2000" dirty="0" smtClean="0">
+                <a:solidFill>
+                  <a:schemeClr val="accent6">
+                    <a:lumMod val="75000"/>
+                  </a:schemeClr>
+                </a:solidFill>
+                <a:latin typeface="Lucida Console" panose="020B0609040504020204" pitchFamily="49" charset="0"/>
+              </a:rPr>
+              <a:t>// f0 = 5.0f / 9.0f</a:t>
+            </a:r>
+          </a:p>
+          <a:p>
+            <a:pPr>
+              <a:buNone/>
+              <a:defRPr/>
+            </a:pPr>
+            <a:r>
+              <a:rPr lang="en-US" altLang="en-US" sz="2000" dirty="0" smtClean="0">
+                <a:latin typeface="Lucida Console" panose="020B0609040504020204" pitchFamily="49" charset="0"/>
+              </a:rPr>
+              <a:t>    </a:t>
+            </a:r>
+            <a:r>
+              <a:rPr lang="en-US" altLang="en-US" sz="2000" dirty="0" err="1" smtClean="0">
+                <a:latin typeface="Lucida Console" panose="020B0609040504020204" pitchFamily="49" charset="0"/>
+              </a:rPr>
+              <a:t>flw</a:t>
+            </a:r>
+            <a:r>
+              <a:rPr lang="en-US" altLang="en-US" sz="2000" dirty="0" smtClean="0">
+                <a:latin typeface="Lucida Console" panose="020B0609040504020204" pitchFamily="49" charset="0"/>
+              </a:rPr>
+              <a:t>    f1,const32(x3) </a:t>
+            </a:r>
+            <a:r>
+              <a:rPr lang="en-US" altLang="en-US" sz="2000" dirty="0" smtClean="0">
+                <a:solidFill>
+                  <a:schemeClr val="accent6">
+                    <a:lumMod val="75000"/>
+                  </a:schemeClr>
+                </a:solidFill>
+                <a:latin typeface="Lucida Console" panose="020B0609040504020204" pitchFamily="49" charset="0"/>
+              </a:rPr>
+              <a:t>// f1 = 32.0f</a:t>
+            </a:r>
+          </a:p>
+          <a:p>
+            <a:pPr>
+              <a:buNone/>
+              <a:defRPr/>
+            </a:pPr>
+            <a:r>
+              <a:rPr lang="en-US" altLang="en-US" sz="2000" dirty="0" smtClean="0">
+                <a:latin typeface="Lucida Console" panose="020B0609040504020204" pitchFamily="49" charset="0"/>
+              </a:rPr>
+              <a:t>    </a:t>
+            </a:r>
+            <a:r>
+              <a:rPr lang="en-US" altLang="en-US" sz="2000" dirty="0" err="1" smtClean="0">
+                <a:latin typeface="Lucida Console" panose="020B0609040504020204" pitchFamily="49" charset="0"/>
+              </a:rPr>
+              <a:t>fsub.s</a:t>
+            </a:r>
+            <a:r>
+              <a:rPr lang="en-US" altLang="en-US" sz="2000" dirty="0" smtClean="0">
+                <a:latin typeface="Lucida Console" panose="020B0609040504020204" pitchFamily="49" charset="0"/>
+              </a:rPr>
+              <a:t> f10,f10,f1     </a:t>
+            </a:r>
+            <a:r>
+              <a:rPr lang="en-US" altLang="en-US" sz="2000" dirty="0" smtClean="0">
+                <a:solidFill>
+                  <a:schemeClr val="accent6">
+                    <a:lumMod val="75000"/>
+                  </a:schemeClr>
+                </a:solidFill>
+                <a:latin typeface="Lucida Console" panose="020B0609040504020204" pitchFamily="49" charset="0"/>
+              </a:rPr>
+              <a:t>// f10 = fahr – 32.0</a:t>
+            </a:r>
+          </a:p>
+          <a:p>
+            <a:pPr>
+              <a:buNone/>
+              <a:defRPr/>
+            </a:pPr>
+            <a:r>
+              <a:rPr lang="en-US" altLang="en-US" sz="2000" dirty="0" smtClean="0">
+                <a:latin typeface="Lucida Console" panose="020B0609040504020204" pitchFamily="49" charset="0"/>
+              </a:rPr>
+              <a:t>    </a:t>
+            </a:r>
+            <a:r>
+              <a:rPr lang="en-US" altLang="en-US" sz="2000" dirty="0" err="1" smtClean="0">
+                <a:latin typeface="Lucida Console" panose="020B0609040504020204" pitchFamily="49" charset="0"/>
+              </a:rPr>
+              <a:t>fmul.s</a:t>
+            </a:r>
+            <a:r>
+              <a:rPr lang="en-US" altLang="en-US" sz="2000" dirty="0" smtClean="0">
+                <a:latin typeface="Lucida Console" panose="020B0609040504020204" pitchFamily="49" charset="0"/>
+              </a:rPr>
+              <a:t> f10,f0,f10     </a:t>
+            </a:r>
+            <a:r>
+              <a:rPr lang="en-US" altLang="en-US" sz="2000" dirty="0" smtClean="0">
+                <a:solidFill>
+                  <a:schemeClr val="accent6">
+                    <a:lumMod val="75000"/>
+                  </a:schemeClr>
+                </a:solidFill>
+                <a:latin typeface="Lucida Console" panose="020B0609040504020204" pitchFamily="49" charset="0"/>
+              </a:rPr>
+              <a:t>// f10 = (5.0f/9.0f) * (fahr–32.0f)</a:t>
+            </a:r>
+          </a:p>
+          <a:p>
+            <a:pPr>
+              <a:buNone/>
+              <a:defRPr/>
+            </a:pPr>
+            <a:r>
+              <a:rPr lang="en-US" altLang="en-US" sz="2000" dirty="0" smtClean="0">
+                <a:latin typeface="Lucida Console" panose="020B0609040504020204" pitchFamily="49" charset="0"/>
+              </a:rPr>
+              <a:t>    </a:t>
+            </a:r>
+            <a:r>
+              <a:rPr lang="en-US" altLang="en-US" sz="2000" dirty="0" err="1" smtClean="0">
+                <a:latin typeface="Lucida Console" panose="020B0609040504020204" pitchFamily="49" charset="0"/>
+              </a:rPr>
+              <a:t>jalr</a:t>
+            </a:r>
+            <a:r>
+              <a:rPr lang="en-US" altLang="en-US" sz="2000" dirty="0" smtClean="0">
+                <a:latin typeface="Lucida Console" panose="020B0609040504020204" pitchFamily="49" charset="0"/>
+              </a:rPr>
+              <a:t>   x0,0(x1)       </a:t>
+            </a:r>
+            <a:r>
+              <a:rPr lang="en-US" altLang="en-US" sz="2000" dirty="0" smtClean="0">
+                <a:solidFill>
+                  <a:schemeClr val="accent6">
+                    <a:lumMod val="75000"/>
+                  </a:schemeClr>
+                </a:solidFill>
+                <a:latin typeface="Lucida Console" panose="020B0609040504020204" pitchFamily="49" charset="0"/>
+              </a:rPr>
+              <a:t>// return</a:t>
+            </a:r>
+          </a:p>
+          <a:p>
+            <a:endParaRPr lang="ru-RU" dirty="0"/>
           </a:p>
         </p:txBody>
       </p:sp>
@@ -9478,7 +9077,7 @@
           <a:p>
             <a:r>
               <a:rPr lang="en-US" altLang="en-US" dirty="0" smtClean="0"/>
-              <a:t>FP Example: Array Multiplication</a:t>
+              <a:t>FP Example: °F to °C</a:t>
             </a:r>
             <a:endParaRPr lang="ru-RU" dirty="0"/>
           </a:p>
@@ -9489,6 +9088,13 @@
   <p:clrMapOvr>
     <a:masterClrMapping/>
   </p:clrMapOvr>
+  <p:timing>
+    <p:tnLst>
+      <p:par>
+        <p:cTn id="1" dur="indefinite" restart="never" nodeType="tmRoot"/>
+      </p:par>
+    </p:tnLst>
+  </p:timing>
 </p:sld>
 </file>
 
@@ -9521,782 +9127,409 @@
         </p:nvSpPr>
         <p:spPr>
           <a:xfrm>
-            <a:off x="838200" y="1045029"/>
-            <a:ext cx="10515600" cy="5130920"/>
+            <a:off x="838200" y="1178052"/>
+            <a:ext cx="10515600" cy="5293999"/>
           </a:xfrm>
         </p:spPr>
         <p:txBody>
           <a:bodyPr>
-            <a:normAutofit fontScale="32500" lnSpcReduction="20000"/>
+            <a:normAutofit/>
           </a:bodyPr>
           <a:lstStyle/>
-          <a:p>
-            <a:pPr>
-              <a:defRPr/>
-            </a:pPr>
-            <a:r>
-              <a:rPr lang="en-US" altLang="en-US" sz="9800" dirty="0" smtClean="0"/>
-              <a:t>RISC-V code:</a:t>
-            </a:r>
-          </a:p>
           <a:p>
             <a:pPr>
               <a:lnSpc>
-                <a:spcPct val="120000"/>
+                <a:spcPct val="100000"/>
               </a:lnSpc>
               <a:spcBef>
-                <a:spcPts val="0"/>
+                <a:spcPts val="600"/>
+              </a:spcBef>
+            </a:pPr>
+            <a:r>
+              <a:rPr lang="en-US" altLang="en-US" sz="3200" dirty="0" smtClean="0"/>
+              <a:t>C = C + A </a:t>
+            </a:r>
+            <a:r>
+              <a:rPr lang="en-US" altLang="en-US" sz="3200" dirty="0" smtClean="0">
+                <a:cs typeface="Arial" charset="0"/>
+              </a:rPr>
+              <a:t>× B</a:t>
+            </a:r>
+          </a:p>
+          <a:p>
+            <a:pPr lvl="1">
+              <a:lnSpc>
+                <a:spcPct val="100000"/>
+              </a:lnSpc>
+              <a:spcBef>
+                <a:spcPts val="600"/>
+              </a:spcBef>
+            </a:pPr>
+            <a:r>
+              <a:rPr lang="en-US" altLang="en-US" sz="2800" dirty="0" smtClean="0">
+                <a:cs typeface="Arial" charset="0"/>
+              </a:rPr>
+              <a:t>All 32 × 32 matrices, 64-bit double-precision elements</a:t>
+            </a:r>
+          </a:p>
+          <a:p>
+            <a:pPr>
+              <a:lnSpc>
+                <a:spcPct val="100000"/>
+              </a:lnSpc>
+              <a:spcBef>
+                <a:spcPts val="600"/>
+              </a:spcBef>
+            </a:pPr>
+            <a:r>
+              <a:rPr lang="en-US" altLang="en-US" sz="3200" dirty="0" smtClean="0"/>
+              <a:t>C code:</a:t>
+            </a:r>
+          </a:p>
+          <a:p>
+            <a:pPr>
+              <a:lnSpc>
+                <a:spcPct val="100000"/>
+              </a:lnSpc>
+              <a:spcBef>
+                <a:spcPts val="600"/>
               </a:spcBef>
               <a:buNone/>
-              <a:defRPr/>
             </a:pPr>
             <a:r>
-              <a:rPr lang="en-US" altLang="en-US" sz="6200" dirty="0" smtClean="0">
-                <a:latin typeface="Lucida Console" panose="020B0609040504020204" pitchFamily="49" charset="0"/>
+              <a:rPr lang="en-US" altLang="en-US" sz="2400" dirty="0" smtClean="0">
+                <a:latin typeface="Lucida Console" pitchFamily="49" charset="0"/>
+              </a:rPr>
+              <a:t>	  </a:t>
+            </a:r>
+            <a:r>
+              <a:rPr lang="nb-NO" altLang="en-US" sz="2000" dirty="0" smtClean="0">
+                <a:solidFill>
+                  <a:srgbClr val="2F5CB5"/>
+                </a:solidFill>
+                <a:latin typeface="Lucida Console" pitchFamily="49" charset="0"/>
+              </a:rPr>
+              <a:t>void</a:t>
+            </a:r>
+            <a:r>
+              <a:rPr lang="nb-NO" altLang="en-US" sz="2000" dirty="0" smtClean="0">
+                <a:solidFill>
+                  <a:schemeClr val="tx1"/>
+                </a:solidFill>
+                <a:latin typeface="Lucida Console" pitchFamily="49" charset="0"/>
+              </a:rPr>
+              <a:t> mm (</a:t>
+            </a:r>
+            <a:r>
+              <a:rPr lang="nb-NO" altLang="en-US" sz="2000" dirty="0" smtClean="0">
+                <a:solidFill>
+                  <a:srgbClr val="2F5CB5"/>
+                </a:solidFill>
+                <a:latin typeface="Lucida Console" pitchFamily="49" charset="0"/>
+              </a:rPr>
+              <a:t>double</a:t>
+            </a:r>
+            <a:r>
+              <a:rPr lang="nb-NO" altLang="en-US" sz="2000" dirty="0" smtClean="0">
+                <a:solidFill>
+                  <a:schemeClr val="tx1"/>
+                </a:solidFill>
+                <a:latin typeface="Lucida Console" pitchFamily="49" charset="0"/>
+              </a:rPr>
+              <a:t> c[][], </a:t>
+            </a:r>
+            <a:r>
+              <a:rPr lang="nb-NO" altLang="en-US" sz="2000" dirty="0" smtClean="0">
+                <a:solidFill>
+                  <a:srgbClr val="2F5CB5"/>
+                </a:solidFill>
+                <a:latin typeface="Lucida Console" pitchFamily="49" charset="0"/>
+              </a:rPr>
+              <a:t>double</a:t>
+            </a:r>
+            <a:r>
+              <a:rPr lang="nb-NO" altLang="en-US" sz="2000" dirty="0" smtClean="0">
+                <a:solidFill>
+                  <a:schemeClr val="tx1"/>
+                </a:solidFill>
+                <a:latin typeface="Lucida Console" pitchFamily="49" charset="0"/>
+              </a:rPr>
+              <a:t> a[][], </a:t>
+            </a:r>
+            <a:r>
+              <a:rPr lang="nb-NO" altLang="en-US" sz="2000" dirty="0" smtClean="0">
+                <a:solidFill>
+                  <a:srgbClr val="2F5CB5"/>
+                </a:solidFill>
+                <a:latin typeface="Lucida Console" pitchFamily="49" charset="0"/>
+              </a:rPr>
+              <a:t>double</a:t>
+            </a:r>
+            <a:r>
+              <a:rPr lang="nb-NO" altLang="en-US" sz="2000" dirty="0" smtClean="0">
+                <a:solidFill>
+                  <a:schemeClr val="tx1"/>
+                </a:solidFill>
+                <a:latin typeface="Lucida Console" pitchFamily="49" charset="0"/>
+              </a:rPr>
+              <a:t> b[][]) {</a:t>
+            </a:r>
+            <a:br>
+              <a:rPr lang="nb-NO" altLang="en-US" sz="2000" dirty="0" smtClean="0">
+                <a:solidFill>
+                  <a:schemeClr val="tx1"/>
+                </a:solidFill>
+                <a:latin typeface="Lucida Console" pitchFamily="49" charset="0"/>
+              </a:rPr>
+            </a:br>
+            <a:r>
+              <a:rPr lang="nb-NO" altLang="en-US" sz="2000" dirty="0" smtClean="0">
+                <a:solidFill>
+                  <a:schemeClr val="tx1"/>
+                </a:solidFill>
+                <a:latin typeface="Lucida Console" pitchFamily="49" charset="0"/>
               </a:rPr>
               <a:t>    </a:t>
             </a:r>
             <a:r>
-              <a:rPr lang="en-AU" altLang="en-US" sz="6200" dirty="0" smtClean="0">
-                <a:latin typeface="Lucida Console" panose="020B0609040504020204" pitchFamily="49" charset="0"/>
-              </a:rPr>
-              <a:t>mm:...</a:t>
-            </a:r>
-          </a:p>
-          <a:p>
-            <a:pPr marL="746125" indent="-746125">
+              <a:rPr lang="nb-NO" altLang="en-US" sz="2000" dirty="0" smtClean="0">
+                <a:solidFill>
+                  <a:srgbClr val="2F5CB5"/>
+                </a:solidFill>
+                <a:latin typeface="Lucida Console" pitchFamily="49" charset="0"/>
+              </a:rPr>
+              <a:t>size_t</a:t>
+            </a:r>
+            <a:r>
+              <a:rPr lang="nb-NO" altLang="en-US" sz="2000" dirty="0" smtClean="0">
+                <a:solidFill>
+                  <a:schemeClr val="tx1"/>
+                </a:solidFill>
+                <a:latin typeface="Lucida Console" pitchFamily="49" charset="0"/>
+              </a:rPr>
+              <a:t> i, j, k;</a:t>
+            </a:r>
+            <a:br>
+              <a:rPr lang="nb-NO" altLang="en-US" sz="2000" dirty="0" smtClean="0">
+                <a:solidFill>
+                  <a:schemeClr val="tx1"/>
+                </a:solidFill>
+                <a:latin typeface="Lucida Console" pitchFamily="49" charset="0"/>
+              </a:rPr>
+            </a:br>
+            <a:r>
+              <a:rPr lang="nb-NO" altLang="en-US" sz="2000" dirty="0" smtClean="0">
+                <a:solidFill>
+                  <a:schemeClr val="tx1"/>
+                </a:solidFill>
+                <a:latin typeface="Lucida Console" pitchFamily="49" charset="0"/>
+              </a:rPr>
+              <a:t>    </a:t>
+            </a:r>
+            <a:r>
+              <a:rPr lang="nb-NO" altLang="en-US" sz="2000" dirty="0" smtClean="0">
+                <a:solidFill>
+                  <a:srgbClr val="2F5CB5"/>
+                </a:solidFill>
+                <a:latin typeface="Lucida Console" pitchFamily="49" charset="0"/>
+              </a:rPr>
+              <a:t>for</a:t>
+            </a:r>
+            <a:r>
+              <a:rPr lang="nb-NO" altLang="en-US" sz="2000" dirty="0" smtClean="0">
+                <a:solidFill>
+                  <a:schemeClr val="tx1"/>
+                </a:solidFill>
+                <a:latin typeface="Lucida Console" pitchFamily="49" charset="0"/>
+              </a:rPr>
+              <a:t> (i = 0; i &lt; 32; i = i + 1)</a:t>
+            </a:r>
+            <a:br>
+              <a:rPr lang="nb-NO" altLang="en-US" sz="2000" dirty="0" smtClean="0">
+                <a:solidFill>
+                  <a:schemeClr val="tx1"/>
+                </a:solidFill>
+                <a:latin typeface="Lucida Console" pitchFamily="49" charset="0"/>
+              </a:rPr>
+            </a:br>
+            <a:r>
+              <a:rPr lang="nb-NO" altLang="en-US" sz="2000" dirty="0" smtClean="0">
+                <a:solidFill>
+                  <a:schemeClr val="tx1"/>
+                </a:solidFill>
+                <a:latin typeface="Lucida Console" pitchFamily="49" charset="0"/>
+              </a:rPr>
+              <a:t>      </a:t>
+            </a:r>
+            <a:r>
+              <a:rPr lang="nb-NO" altLang="en-US" sz="2000" dirty="0" smtClean="0">
+                <a:solidFill>
+                  <a:srgbClr val="2F5CB5"/>
+                </a:solidFill>
+                <a:latin typeface="Lucida Console" pitchFamily="49" charset="0"/>
+              </a:rPr>
+              <a:t>for</a:t>
+            </a:r>
+            <a:r>
+              <a:rPr lang="nb-NO" altLang="en-US" sz="2000" dirty="0" smtClean="0">
+                <a:solidFill>
+                  <a:schemeClr val="tx1"/>
+                </a:solidFill>
+                <a:latin typeface="Lucida Console" pitchFamily="49" charset="0"/>
+              </a:rPr>
+              <a:t> (j = 0; j &lt; 32; j = j + 1)</a:t>
+            </a:r>
+            <a:br>
+              <a:rPr lang="nb-NO" altLang="en-US" sz="2000" dirty="0" smtClean="0">
+                <a:solidFill>
+                  <a:schemeClr val="tx1"/>
+                </a:solidFill>
+                <a:latin typeface="Lucida Console" pitchFamily="49" charset="0"/>
+              </a:rPr>
+            </a:br>
+            <a:r>
+              <a:rPr lang="nb-NO" altLang="en-US" sz="2000" dirty="0" smtClean="0">
+                <a:solidFill>
+                  <a:schemeClr val="tx1"/>
+                </a:solidFill>
+                <a:latin typeface="Lucida Console" pitchFamily="49" charset="0"/>
+              </a:rPr>
+              <a:t>        </a:t>
+            </a:r>
+            <a:r>
+              <a:rPr lang="nb-NO" altLang="en-US" sz="2000" dirty="0" smtClean="0">
+                <a:solidFill>
+                  <a:srgbClr val="2F5CB5"/>
+                </a:solidFill>
+                <a:latin typeface="Lucida Console" pitchFamily="49" charset="0"/>
+              </a:rPr>
+              <a:t>for</a:t>
+            </a:r>
+            <a:r>
+              <a:rPr lang="nb-NO" altLang="en-US" sz="2000" dirty="0" smtClean="0">
+                <a:solidFill>
+                  <a:schemeClr val="tx1"/>
+                </a:solidFill>
+                <a:latin typeface="Lucida Console" pitchFamily="49" charset="0"/>
+              </a:rPr>
+              <a:t> (k = 0; k &lt; 32; k = k + 1)</a:t>
+            </a:r>
+            <a:br>
+              <a:rPr lang="nb-NO" altLang="en-US" sz="2000" dirty="0" smtClean="0">
+                <a:solidFill>
+                  <a:schemeClr val="tx1"/>
+                </a:solidFill>
+                <a:latin typeface="Lucida Console" pitchFamily="49" charset="0"/>
+              </a:rPr>
+            </a:br>
+            <a:r>
+              <a:rPr lang="nb-NO" altLang="en-US" sz="2000" dirty="0" smtClean="0">
+                <a:solidFill>
+                  <a:schemeClr val="tx1"/>
+                </a:solidFill>
+                <a:latin typeface="Lucida Console" pitchFamily="49" charset="0"/>
+              </a:rPr>
+              <a:t>          c[i][j] = c[i][j] + a[i][k] * b[k][j];</a:t>
+            </a:r>
+            <a:br>
+              <a:rPr lang="nb-NO" altLang="en-US" sz="2000" dirty="0" smtClean="0">
+                <a:solidFill>
+                  <a:schemeClr val="tx1"/>
+                </a:solidFill>
+                <a:latin typeface="Lucida Console" pitchFamily="49" charset="0"/>
+              </a:rPr>
+            </a:br>
+            <a:r>
+              <a:rPr lang="nb-NO" altLang="en-US" sz="2000" dirty="0" smtClean="0">
+                <a:solidFill>
+                  <a:schemeClr val="tx1"/>
+                </a:solidFill>
+                <a:latin typeface="Lucida Console" pitchFamily="49" charset="0"/>
+              </a:rPr>
+              <a:t>  }</a:t>
+            </a:r>
+            <a:endParaRPr lang="en-US" altLang="en-US" sz="2000" dirty="0" smtClean="0">
+              <a:solidFill>
+                <a:schemeClr val="tx1"/>
+              </a:solidFill>
+              <a:latin typeface="Lucida Console" pitchFamily="49" charset="0"/>
+            </a:endParaRPr>
+          </a:p>
+          <a:p>
+            <a:pPr lvl="1">
               <a:lnSpc>
-                <a:spcPct val="120000"/>
+                <a:spcPct val="100000"/>
               </a:lnSpc>
               <a:spcBef>
-                <a:spcPts val="0"/>
+                <a:spcPts val="600"/>
               </a:spcBef>
-              <a:buNone/>
-              <a:tabLst>
-                <a:tab pos="1082675" algn="l"/>
-              </a:tabLst>
-              <a:defRPr/>
             </a:pPr>
             <a:r>
-              <a:rPr lang="en-AU" altLang="en-US" sz="6200" dirty="0" smtClean="0">
-                <a:latin typeface="Lucida Console" panose="020B0609040504020204" pitchFamily="49" charset="0"/>
-              </a:rPr>
-              <a:t>		    </a:t>
-            </a:r>
-            <a:r>
-              <a:rPr lang="en-AU" altLang="en-US" sz="6200" dirty="0" err="1" smtClean="0">
-                <a:latin typeface="Lucida Console" panose="020B0609040504020204" pitchFamily="49" charset="0"/>
-              </a:rPr>
-              <a:t>li</a:t>
-            </a:r>
-            <a:r>
-              <a:rPr lang="en-AU" altLang="en-US" sz="6200" dirty="0" smtClean="0">
-                <a:latin typeface="Lucida Console" panose="020B0609040504020204" pitchFamily="49" charset="0"/>
-              </a:rPr>
-              <a:t>    x28,32       </a:t>
-            </a:r>
-            <a:r>
-              <a:rPr lang="en-AU" altLang="en-US" sz="6200" dirty="0" smtClean="0">
-                <a:solidFill>
-                  <a:schemeClr val="accent6">
-                    <a:lumMod val="75000"/>
-                  </a:schemeClr>
-                </a:solidFill>
-                <a:latin typeface="Lucida Console" panose="020B0609040504020204" pitchFamily="49" charset="0"/>
-              </a:rPr>
-              <a:t>// x28 = 32 (row size/loop end)</a:t>
-            </a:r>
-          </a:p>
-          <a:p>
-            <a:pPr marL="746125" indent="-746125">
-              <a:lnSpc>
-                <a:spcPct val="120000"/>
-              </a:lnSpc>
-              <a:spcBef>
-                <a:spcPts val="0"/>
-              </a:spcBef>
-              <a:buNone/>
-              <a:tabLst>
-                <a:tab pos="1082675" algn="l"/>
-              </a:tabLst>
-              <a:defRPr/>
-            </a:pPr>
-            <a:r>
-              <a:rPr lang="en-AU" altLang="en-US" sz="6200" dirty="0" smtClean="0">
-                <a:latin typeface="Lucida Console" panose="020B0609040504020204" pitchFamily="49" charset="0"/>
-              </a:rPr>
-              <a:t>           </a:t>
-            </a:r>
-            <a:r>
-              <a:rPr lang="en-AU" altLang="en-US" sz="6200" dirty="0" err="1" smtClean="0">
-                <a:latin typeface="Lucida Console" panose="020B0609040504020204" pitchFamily="49" charset="0"/>
-              </a:rPr>
-              <a:t>li</a:t>
-            </a:r>
-            <a:r>
-              <a:rPr lang="en-AU" altLang="en-US" sz="6200" dirty="0" smtClean="0">
-                <a:latin typeface="Lucida Console" panose="020B0609040504020204" pitchFamily="49" charset="0"/>
-              </a:rPr>
-              <a:t>    x5,0         </a:t>
-            </a:r>
-            <a:r>
-              <a:rPr lang="en-AU" altLang="en-US" sz="6200" dirty="0" smtClean="0">
-                <a:solidFill>
-                  <a:schemeClr val="accent6">
-                    <a:lumMod val="75000"/>
-                  </a:schemeClr>
-                </a:solidFill>
-                <a:latin typeface="Lucida Console" panose="020B0609040504020204" pitchFamily="49" charset="0"/>
-              </a:rPr>
-              <a:t>// </a:t>
-            </a:r>
-            <a:r>
-              <a:rPr lang="en-AU" altLang="en-US" sz="6200" dirty="0" err="1" smtClean="0">
-                <a:solidFill>
-                  <a:schemeClr val="accent6">
-                    <a:lumMod val="75000"/>
-                  </a:schemeClr>
-                </a:solidFill>
-                <a:latin typeface="Lucida Console" panose="020B0609040504020204" pitchFamily="49" charset="0"/>
+              <a:rPr lang="en-US" altLang="en-US" sz="2800" dirty="0" smtClean="0"/>
+              <a:t>Addresses of </a:t>
+            </a:r>
+            <a:r>
+              <a:rPr lang="en-US" altLang="en-US" sz="2800" dirty="0" smtClean="0">
+                <a:latin typeface="Lucida Console" pitchFamily="49" charset="0"/>
+              </a:rPr>
+              <a:t>c</a:t>
+            </a:r>
+            <a:r>
+              <a:rPr lang="en-US" altLang="en-US" sz="2800" dirty="0" smtClean="0"/>
+              <a:t>, </a:t>
+            </a:r>
+            <a:r>
+              <a:rPr lang="en-US" altLang="en-US" sz="2800" dirty="0" smtClean="0">
+                <a:latin typeface="Lucida Console" pitchFamily="49" charset="0"/>
+              </a:rPr>
+              <a:t>a</a:t>
+            </a:r>
+            <a:r>
+              <a:rPr lang="en-US" altLang="en-US" sz="2800" dirty="0" smtClean="0"/>
+              <a:t>, </a:t>
+            </a:r>
+            <a:r>
+              <a:rPr lang="en-US" altLang="en-US" sz="2800" dirty="0" smtClean="0">
+                <a:latin typeface="Lucida Console" pitchFamily="49" charset="0"/>
+              </a:rPr>
+              <a:t>b</a:t>
+            </a:r>
+            <a:r>
+              <a:rPr lang="en-US" altLang="en-US" sz="2800" dirty="0" smtClean="0"/>
+              <a:t> in x10, x11, x12, and</a:t>
+            </a:r>
+            <a:br>
+              <a:rPr lang="en-US" altLang="en-US" sz="2800" dirty="0" smtClean="0"/>
+            </a:br>
+            <a:r>
+              <a:rPr lang="en-US" altLang="en-US" sz="2800" dirty="0" err="1" smtClean="0">
+                <a:latin typeface="Lucida Console" pitchFamily="49" charset="0"/>
               </a:rPr>
               <a:t>i</a:t>
             </a:r>
             <a:r>
-              <a:rPr lang="en-AU" altLang="en-US" sz="6200" dirty="0" smtClean="0">
-                <a:solidFill>
-                  <a:schemeClr val="accent6">
-                    <a:lumMod val="75000"/>
-                  </a:schemeClr>
-                </a:solidFill>
-                <a:latin typeface="Lucida Console" panose="020B0609040504020204" pitchFamily="49" charset="0"/>
-              </a:rPr>
-              <a:t> = 0; initialize 1st for loop</a:t>
-            </a:r>
-          </a:p>
-          <a:p>
-            <a:pPr marL="746125" indent="-746125">
-              <a:lnSpc>
-                <a:spcPct val="120000"/>
-              </a:lnSpc>
-              <a:spcBef>
-                <a:spcPts val="0"/>
-              </a:spcBef>
-              <a:buNone/>
-              <a:tabLst>
-                <a:tab pos="1082675" algn="l"/>
-              </a:tabLst>
-              <a:defRPr/>
-            </a:pPr>
-            <a:r>
-              <a:rPr lang="en-AU" altLang="en-US" sz="6200" dirty="0" smtClean="0">
-                <a:latin typeface="Lucida Console" panose="020B0609040504020204" pitchFamily="49" charset="0"/>
-              </a:rPr>
-              <a:t>    L1:    </a:t>
-            </a:r>
-            <a:r>
-              <a:rPr lang="en-AU" altLang="en-US" sz="6200" dirty="0" err="1" smtClean="0">
-                <a:latin typeface="Lucida Console" panose="020B0609040504020204" pitchFamily="49" charset="0"/>
-              </a:rPr>
-              <a:t>li</a:t>
-            </a:r>
-            <a:r>
-              <a:rPr lang="en-AU" altLang="en-US" sz="6200" dirty="0" smtClean="0">
-                <a:latin typeface="Lucida Console" panose="020B0609040504020204" pitchFamily="49" charset="0"/>
-              </a:rPr>
-              <a:t>    x6,0         </a:t>
-            </a:r>
-            <a:r>
-              <a:rPr lang="en-AU" altLang="en-US" sz="6200" dirty="0" smtClean="0">
-                <a:solidFill>
-                  <a:schemeClr val="accent6">
-                    <a:lumMod val="75000"/>
-                  </a:schemeClr>
-                </a:solidFill>
-                <a:latin typeface="Lucida Console" panose="020B0609040504020204" pitchFamily="49" charset="0"/>
-              </a:rPr>
-              <a:t>// j = 0; initialize 2nd for loop</a:t>
-            </a:r>
-          </a:p>
-          <a:p>
-            <a:pPr marL="746125" indent="-746125">
-              <a:lnSpc>
-                <a:spcPct val="120000"/>
-              </a:lnSpc>
-              <a:spcBef>
-                <a:spcPts val="0"/>
-              </a:spcBef>
-              <a:buNone/>
-              <a:tabLst>
-                <a:tab pos="1082675" algn="l"/>
-              </a:tabLst>
-              <a:defRPr/>
-            </a:pPr>
-            <a:r>
-              <a:rPr lang="en-AU" altLang="en-US" sz="6200" dirty="0" smtClean="0">
-                <a:latin typeface="Lucida Console" panose="020B0609040504020204" pitchFamily="49" charset="0"/>
-              </a:rPr>
-              <a:t>    L2:    </a:t>
-            </a:r>
-            <a:r>
-              <a:rPr lang="en-AU" altLang="en-US" sz="6200" dirty="0" err="1" smtClean="0">
-                <a:latin typeface="Lucida Console" panose="020B0609040504020204" pitchFamily="49" charset="0"/>
-              </a:rPr>
-              <a:t>li</a:t>
-            </a:r>
-            <a:r>
-              <a:rPr lang="en-AU" altLang="en-US" sz="6200" dirty="0" smtClean="0">
-                <a:latin typeface="Lucida Console" panose="020B0609040504020204" pitchFamily="49" charset="0"/>
-              </a:rPr>
-              <a:t>    x7,0         </a:t>
-            </a:r>
-            <a:r>
-              <a:rPr lang="en-AU" altLang="en-US" sz="6200" dirty="0" smtClean="0">
-                <a:solidFill>
-                  <a:schemeClr val="accent6">
-                    <a:lumMod val="75000"/>
-                  </a:schemeClr>
-                </a:solidFill>
-                <a:latin typeface="Lucida Console" panose="020B0609040504020204" pitchFamily="49" charset="0"/>
-              </a:rPr>
-              <a:t>// k = 0; initialize 3rd for loop</a:t>
-            </a:r>
-          </a:p>
-          <a:p>
-            <a:pPr marL="746125" indent="-746125">
-              <a:lnSpc>
-                <a:spcPct val="120000"/>
-              </a:lnSpc>
-              <a:spcBef>
-                <a:spcPts val="0"/>
-              </a:spcBef>
-              <a:buNone/>
-              <a:tabLst>
-                <a:tab pos="1082675" algn="l"/>
-              </a:tabLst>
-              <a:defRPr/>
-            </a:pPr>
-            <a:r>
-              <a:rPr lang="en-AU" altLang="en-US" sz="6200" dirty="0" smtClean="0">
-                <a:latin typeface="Lucida Console" panose="020B0609040504020204" pitchFamily="49" charset="0"/>
-              </a:rPr>
-              <a:t>		    </a:t>
-            </a:r>
-            <a:r>
-              <a:rPr lang="en-US" altLang="en-US" sz="6200" dirty="0" err="1" smtClean="0">
-                <a:latin typeface="Lucida Console" panose="020B0609040504020204" pitchFamily="49" charset="0"/>
-              </a:rPr>
-              <a:t>slli</a:t>
-            </a:r>
-            <a:r>
-              <a:rPr lang="en-US" altLang="en-US" sz="6200" dirty="0" smtClean="0">
-                <a:latin typeface="Lucida Console" panose="020B0609040504020204" pitchFamily="49" charset="0"/>
-              </a:rPr>
-              <a:t>  x30,x5,5     </a:t>
-            </a:r>
-            <a:r>
-              <a:rPr lang="en-US" altLang="en-US" sz="6200" dirty="0" smtClean="0">
-                <a:solidFill>
-                  <a:schemeClr val="accent6">
-                    <a:lumMod val="75000"/>
-                  </a:schemeClr>
-                </a:solidFill>
-                <a:latin typeface="Lucida Console" panose="020B0609040504020204" pitchFamily="49" charset="0"/>
-              </a:rPr>
-              <a:t>// x30 = </a:t>
-            </a:r>
-            <a:r>
-              <a:rPr lang="en-US" altLang="en-US" sz="6200" dirty="0" err="1" smtClean="0">
-                <a:solidFill>
-                  <a:schemeClr val="accent6">
-                    <a:lumMod val="75000"/>
-                  </a:schemeClr>
-                </a:solidFill>
-                <a:latin typeface="Lucida Console" panose="020B0609040504020204" pitchFamily="49" charset="0"/>
-              </a:rPr>
-              <a:t>i</a:t>
-            </a:r>
-            <a:r>
-              <a:rPr lang="en-US" altLang="en-US" sz="6200" dirty="0" smtClean="0">
-                <a:solidFill>
-                  <a:schemeClr val="accent6">
-                    <a:lumMod val="75000"/>
-                  </a:schemeClr>
-                </a:solidFill>
-                <a:latin typeface="Lucida Console" panose="020B0609040504020204" pitchFamily="49" charset="0"/>
-              </a:rPr>
-              <a:t> * 2**5 (size of row of c)</a:t>
-            </a:r>
-            <a:endParaRPr lang="en-AU" altLang="en-US" sz="6200" dirty="0" smtClean="0">
-              <a:solidFill>
-                <a:schemeClr val="accent6">
-                  <a:lumMod val="75000"/>
-                </a:schemeClr>
-              </a:solidFill>
-              <a:latin typeface="Lucida Console" panose="020B0609040504020204" pitchFamily="49" charset="0"/>
-            </a:endParaRPr>
-          </a:p>
-          <a:p>
-            <a:pPr marL="746125" indent="-746125">
-              <a:lnSpc>
-                <a:spcPct val="120000"/>
-              </a:lnSpc>
-              <a:spcBef>
-                <a:spcPts val="0"/>
-              </a:spcBef>
-              <a:buNone/>
-              <a:tabLst>
-                <a:tab pos="1082675" algn="l"/>
-              </a:tabLst>
-              <a:defRPr/>
-            </a:pPr>
-            <a:r>
-              <a:rPr lang="en-AU" altLang="en-US" sz="6200" dirty="0" smtClean="0">
-                <a:latin typeface="Lucida Console" panose="020B0609040504020204" pitchFamily="49" charset="0"/>
-              </a:rPr>
-              <a:t>		    </a:t>
-            </a:r>
-            <a:r>
-              <a:rPr lang="en-US" altLang="en-US" sz="6200" dirty="0" smtClean="0">
-                <a:latin typeface="Lucida Console" panose="020B0609040504020204" pitchFamily="49" charset="0"/>
-              </a:rPr>
-              <a:t>add   x30,x30,x6   </a:t>
-            </a:r>
-            <a:r>
-              <a:rPr lang="en-US" altLang="en-US" sz="6200" dirty="0" smtClean="0">
-                <a:solidFill>
-                  <a:schemeClr val="accent6">
-                    <a:lumMod val="75000"/>
-                  </a:schemeClr>
-                </a:solidFill>
-                <a:latin typeface="Lucida Console" panose="020B0609040504020204" pitchFamily="49" charset="0"/>
-              </a:rPr>
-              <a:t>// x30 = </a:t>
-            </a:r>
-            <a:r>
-              <a:rPr lang="en-US" altLang="en-US" sz="6200" dirty="0" err="1" smtClean="0">
-                <a:solidFill>
-                  <a:schemeClr val="accent6">
-                    <a:lumMod val="75000"/>
-                  </a:schemeClr>
-                </a:solidFill>
-                <a:latin typeface="Lucida Console" panose="020B0609040504020204" pitchFamily="49" charset="0"/>
-              </a:rPr>
-              <a:t>i</a:t>
-            </a:r>
-            <a:r>
-              <a:rPr lang="en-US" altLang="en-US" sz="6200" dirty="0" smtClean="0">
-                <a:solidFill>
-                  <a:schemeClr val="accent6">
-                    <a:lumMod val="75000"/>
-                  </a:schemeClr>
-                </a:solidFill>
-                <a:latin typeface="Lucida Console" panose="020B0609040504020204" pitchFamily="49" charset="0"/>
-              </a:rPr>
-              <a:t> * size(row) + j</a:t>
-            </a:r>
-            <a:endParaRPr lang="en-AU" altLang="en-US" sz="6200" dirty="0" smtClean="0">
-              <a:solidFill>
-                <a:schemeClr val="accent6">
-                  <a:lumMod val="75000"/>
-                </a:schemeClr>
-              </a:solidFill>
-              <a:latin typeface="Lucida Console" panose="020B0609040504020204" pitchFamily="49" charset="0"/>
-            </a:endParaRPr>
-          </a:p>
-          <a:p>
-            <a:pPr marL="746125" indent="-746125">
-              <a:lnSpc>
-                <a:spcPct val="120000"/>
-              </a:lnSpc>
-              <a:spcBef>
-                <a:spcPts val="0"/>
-              </a:spcBef>
-              <a:buNone/>
-              <a:tabLst>
-                <a:tab pos="1082675" algn="l"/>
-              </a:tabLst>
-              <a:defRPr/>
-            </a:pPr>
-            <a:r>
-              <a:rPr lang="en-AU" altLang="en-US" sz="6200" dirty="0" smtClean="0">
-                <a:latin typeface="Lucida Console" panose="020B0609040504020204" pitchFamily="49" charset="0"/>
-              </a:rPr>
-              <a:t>		    </a:t>
-            </a:r>
-            <a:r>
-              <a:rPr lang="en-AU" altLang="en-US" sz="6200" dirty="0" err="1" smtClean="0">
-                <a:latin typeface="Lucida Console" panose="020B0609040504020204" pitchFamily="49" charset="0"/>
-              </a:rPr>
-              <a:t>slli</a:t>
-            </a:r>
-            <a:r>
-              <a:rPr lang="en-AU" altLang="en-US" sz="6200" dirty="0" smtClean="0">
-                <a:latin typeface="Lucida Console" panose="020B0609040504020204" pitchFamily="49" charset="0"/>
-              </a:rPr>
-              <a:t>  x30,x30,3    </a:t>
-            </a:r>
-            <a:r>
-              <a:rPr lang="en-AU" altLang="en-US" sz="6200" dirty="0" smtClean="0">
-                <a:solidFill>
-                  <a:schemeClr val="accent6">
-                    <a:lumMod val="75000"/>
-                  </a:schemeClr>
-                </a:solidFill>
-                <a:latin typeface="Lucida Console" panose="020B0609040504020204" pitchFamily="49" charset="0"/>
-              </a:rPr>
-              <a:t>// x30 = byte offset of [</a:t>
-            </a:r>
-            <a:r>
-              <a:rPr lang="en-AU" altLang="en-US" sz="6200" dirty="0" err="1" smtClean="0">
-                <a:solidFill>
-                  <a:schemeClr val="accent6">
-                    <a:lumMod val="75000"/>
-                  </a:schemeClr>
-                </a:solidFill>
-                <a:latin typeface="Lucida Console" panose="020B0609040504020204" pitchFamily="49" charset="0"/>
-              </a:rPr>
-              <a:t>i</a:t>
-            </a:r>
-            <a:r>
-              <a:rPr lang="en-AU" altLang="en-US" sz="6200" dirty="0" smtClean="0">
-                <a:solidFill>
-                  <a:schemeClr val="accent6">
-                    <a:lumMod val="75000"/>
-                  </a:schemeClr>
-                </a:solidFill>
-                <a:latin typeface="Lucida Console" panose="020B0609040504020204" pitchFamily="49" charset="0"/>
-              </a:rPr>
-              <a:t>][j]</a:t>
-            </a:r>
-          </a:p>
-          <a:p>
-            <a:pPr marL="746125" indent="-746125">
-              <a:lnSpc>
-                <a:spcPct val="120000"/>
-              </a:lnSpc>
-              <a:spcBef>
-                <a:spcPts val="0"/>
-              </a:spcBef>
-              <a:buNone/>
-              <a:tabLst>
-                <a:tab pos="1082675" algn="l"/>
-              </a:tabLst>
-              <a:defRPr/>
-            </a:pPr>
-            <a:r>
-              <a:rPr lang="en-AU" altLang="en-US" sz="6200" dirty="0" smtClean="0">
-                <a:latin typeface="Lucida Console" panose="020B0609040504020204" pitchFamily="49" charset="0"/>
-              </a:rPr>
-              <a:t>		    </a:t>
-            </a:r>
-            <a:r>
-              <a:rPr lang="en-US" altLang="en-US" sz="6200" dirty="0" smtClean="0">
-                <a:latin typeface="Lucida Console" panose="020B0609040504020204" pitchFamily="49" charset="0"/>
-              </a:rPr>
-              <a:t>add   x30,x10,x30  </a:t>
-            </a:r>
-            <a:r>
-              <a:rPr lang="en-US" altLang="en-US" sz="6200" dirty="0" smtClean="0">
-                <a:solidFill>
-                  <a:schemeClr val="accent6">
-                    <a:lumMod val="75000"/>
-                  </a:schemeClr>
-                </a:solidFill>
-                <a:latin typeface="Lucida Console" panose="020B0609040504020204" pitchFamily="49" charset="0"/>
-              </a:rPr>
-              <a:t>// x30 = byte address of c[</a:t>
-            </a:r>
-            <a:r>
-              <a:rPr lang="en-US" altLang="en-US" sz="6200" dirty="0" err="1" smtClean="0">
-                <a:solidFill>
-                  <a:schemeClr val="accent6">
-                    <a:lumMod val="75000"/>
-                  </a:schemeClr>
-                </a:solidFill>
-                <a:latin typeface="Lucida Console" panose="020B0609040504020204" pitchFamily="49" charset="0"/>
-              </a:rPr>
-              <a:t>i</a:t>
-            </a:r>
-            <a:r>
-              <a:rPr lang="en-US" altLang="en-US" sz="6200" dirty="0" smtClean="0">
-                <a:solidFill>
-                  <a:schemeClr val="accent6">
-                    <a:lumMod val="75000"/>
-                  </a:schemeClr>
-                </a:solidFill>
-                <a:latin typeface="Lucida Console" panose="020B0609040504020204" pitchFamily="49" charset="0"/>
-              </a:rPr>
-              <a:t>][j]</a:t>
-            </a:r>
-          </a:p>
-          <a:p>
-            <a:pPr marL="746125" indent="-746125">
-              <a:lnSpc>
-                <a:spcPct val="120000"/>
-              </a:lnSpc>
-              <a:spcBef>
-                <a:spcPts val="0"/>
-              </a:spcBef>
-              <a:buNone/>
-              <a:tabLst>
-                <a:tab pos="1082675" algn="l"/>
-              </a:tabLst>
-              <a:defRPr/>
-            </a:pPr>
-            <a:r>
-              <a:rPr lang="en-US" altLang="en-US" sz="6200" dirty="0" smtClean="0">
-                <a:latin typeface="Lucida Console" panose="020B0609040504020204" pitchFamily="49" charset="0"/>
-              </a:rPr>
-              <a:t>           </a:t>
-            </a:r>
-            <a:r>
-              <a:rPr lang="en-US" altLang="en-US" sz="6200" dirty="0" err="1" smtClean="0">
-                <a:latin typeface="Lucida Console" panose="020B0609040504020204" pitchFamily="49" charset="0"/>
-              </a:rPr>
-              <a:t>fld</a:t>
-            </a:r>
-            <a:r>
-              <a:rPr lang="en-US" altLang="en-US" sz="6200" dirty="0" smtClean="0">
-                <a:latin typeface="Lucida Console" panose="020B0609040504020204" pitchFamily="49" charset="0"/>
-              </a:rPr>
-              <a:t>   f0,0(x30)    </a:t>
-            </a:r>
-            <a:r>
-              <a:rPr lang="en-US" altLang="en-US" sz="6200" dirty="0" smtClean="0">
-                <a:solidFill>
-                  <a:schemeClr val="accent6">
-                    <a:lumMod val="75000"/>
-                  </a:schemeClr>
-                </a:solidFill>
-                <a:latin typeface="Lucida Console" panose="020B0609040504020204" pitchFamily="49" charset="0"/>
-              </a:rPr>
-              <a:t>// f0 = c[</a:t>
-            </a:r>
-            <a:r>
-              <a:rPr lang="en-US" altLang="en-US" sz="6200" dirty="0" err="1" smtClean="0">
-                <a:solidFill>
-                  <a:schemeClr val="accent6">
-                    <a:lumMod val="75000"/>
-                  </a:schemeClr>
-                </a:solidFill>
-                <a:latin typeface="Lucida Console" panose="020B0609040504020204" pitchFamily="49" charset="0"/>
-              </a:rPr>
-              <a:t>i</a:t>
-            </a:r>
-            <a:r>
-              <a:rPr lang="en-US" altLang="en-US" sz="6200" dirty="0" smtClean="0">
-                <a:solidFill>
-                  <a:schemeClr val="accent6">
-                    <a:lumMod val="75000"/>
-                  </a:schemeClr>
-                </a:solidFill>
-                <a:latin typeface="Lucida Console" panose="020B0609040504020204" pitchFamily="49" charset="0"/>
-              </a:rPr>
-              <a:t>][j]</a:t>
-            </a:r>
-            <a:endParaRPr lang="en-AU" altLang="en-US" sz="6200" dirty="0" smtClean="0">
-              <a:solidFill>
-                <a:schemeClr val="accent6">
-                  <a:lumMod val="75000"/>
-                </a:schemeClr>
-              </a:solidFill>
-              <a:latin typeface="Lucida Console" panose="020B0609040504020204" pitchFamily="49" charset="0"/>
-            </a:endParaRPr>
-          </a:p>
-          <a:p>
-            <a:pPr marL="746125" indent="-746125">
-              <a:lnSpc>
-                <a:spcPct val="120000"/>
-              </a:lnSpc>
-              <a:spcBef>
-                <a:spcPts val="0"/>
-              </a:spcBef>
-              <a:buNone/>
-              <a:tabLst>
-                <a:tab pos="1082675" algn="l"/>
-              </a:tabLst>
-              <a:defRPr/>
-            </a:pPr>
-            <a:r>
-              <a:rPr lang="en-AU" altLang="en-US" sz="6200" dirty="0" smtClean="0">
-                <a:latin typeface="Lucida Console" panose="020B0609040504020204" pitchFamily="49" charset="0"/>
-              </a:rPr>
-              <a:t>    L3:    </a:t>
-            </a:r>
-            <a:r>
-              <a:rPr lang="en-AU" altLang="en-US" sz="6200" dirty="0" err="1" smtClean="0">
-                <a:latin typeface="Lucida Console" panose="020B0609040504020204" pitchFamily="49" charset="0"/>
-              </a:rPr>
-              <a:t>slli</a:t>
-            </a:r>
-            <a:r>
-              <a:rPr lang="en-AU" altLang="en-US" sz="6200" dirty="0" smtClean="0">
-                <a:latin typeface="Lucida Console" panose="020B0609040504020204" pitchFamily="49" charset="0"/>
-              </a:rPr>
-              <a:t>  x29,x7,5     </a:t>
-            </a:r>
-            <a:r>
-              <a:rPr lang="en-AU" altLang="en-US" sz="6200" dirty="0" smtClean="0">
-                <a:solidFill>
-                  <a:schemeClr val="accent6">
-                    <a:lumMod val="75000"/>
-                  </a:schemeClr>
-                </a:solidFill>
-                <a:latin typeface="Lucida Console" panose="020B0609040504020204" pitchFamily="49" charset="0"/>
-              </a:rPr>
-              <a:t>// x29 = k * 2**5 (size of row of b)</a:t>
-            </a:r>
-          </a:p>
-          <a:p>
-            <a:pPr marL="746125" indent="-746125">
-              <a:lnSpc>
-                <a:spcPct val="120000"/>
-              </a:lnSpc>
-              <a:spcBef>
-                <a:spcPts val="0"/>
-              </a:spcBef>
-              <a:buNone/>
-              <a:tabLst>
-                <a:tab pos="1082675" algn="l"/>
-              </a:tabLst>
-              <a:defRPr/>
-            </a:pPr>
-            <a:r>
-              <a:rPr lang="en-AU" altLang="en-US" sz="6200" dirty="0" smtClean="0">
-                <a:latin typeface="Lucida Console" panose="020B0609040504020204" pitchFamily="49" charset="0"/>
-              </a:rPr>
-              <a:t>           add   x29,x29,x6   </a:t>
-            </a:r>
-            <a:r>
-              <a:rPr lang="en-AU" altLang="en-US" sz="6200" dirty="0" smtClean="0">
-                <a:solidFill>
-                  <a:schemeClr val="accent6">
-                    <a:lumMod val="75000"/>
-                  </a:schemeClr>
-                </a:solidFill>
-                <a:latin typeface="Lucida Console" panose="020B0609040504020204" pitchFamily="49" charset="0"/>
-              </a:rPr>
-              <a:t>// x29 = k * size(row) + j</a:t>
-            </a:r>
-          </a:p>
-          <a:p>
-            <a:pPr marL="746125" indent="-746125">
-              <a:lnSpc>
-                <a:spcPct val="120000"/>
-              </a:lnSpc>
-              <a:spcBef>
-                <a:spcPts val="0"/>
-              </a:spcBef>
-              <a:buNone/>
-              <a:tabLst>
-                <a:tab pos="1082675" algn="l"/>
-              </a:tabLst>
-              <a:defRPr/>
-            </a:pPr>
-            <a:r>
-              <a:rPr lang="en-AU" altLang="en-US" sz="6200" dirty="0" smtClean="0">
-                <a:latin typeface="Lucida Console" panose="020B0609040504020204" pitchFamily="49" charset="0"/>
-              </a:rPr>
-              <a:t>           </a:t>
-            </a:r>
-            <a:r>
-              <a:rPr lang="en-AU" altLang="en-US" sz="6200" dirty="0" err="1" smtClean="0">
-                <a:latin typeface="Lucida Console" panose="020B0609040504020204" pitchFamily="49" charset="0"/>
-              </a:rPr>
-              <a:t>slli</a:t>
-            </a:r>
-            <a:r>
-              <a:rPr lang="en-AU" altLang="en-US" sz="6200" dirty="0" smtClean="0">
-                <a:latin typeface="Lucida Console" panose="020B0609040504020204" pitchFamily="49" charset="0"/>
-              </a:rPr>
-              <a:t>  x29,x29,3    </a:t>
-            </a:r>
-            <a:r>
-              <a:rPr lang="en-AU" altLang="en-US" sz="6200" dirty="0" smtClean="0">
-                <a:solidFill>
-                  <a:schemeClr val="accent6">
-                    <a:lumMod val="75000"/>
-                  </a:schemeClr>
-                </a:solidFill>
-                <a:latin typeface="Lucida Console" panose="020B0609040504020204" pitchFamily="49" charset="0"/>
-              </a:rPr>
-              <a:t>// x29 = byte offset of [k][j]</a:t>
-            </a:r>
-          </a:p>
-          <a:p>
-            <a:pPr marL="746125" indent="-746125">
-              <a:lnSpc>
-                <a:spcPct val="120000"/>
-              </a:lnSpc>
-              <a:spcBef>
-                <a:spcPts val="0"/>
-              </a:spcBef>
-              <a:buNone/>
-              <a:tabLst>
-                <a:tab pos="1082675" algn="l"/>
-              </a:tabLst>
-              <a:defRPr/>
-            </a:pPr>
-            <a:r>
-              <a:rPr lang="en-AU" altLang="en-US" sz="6200" dirty="0" smtClean="0">
-                <a:latin typeface="Lucida Console" panose="020B0609040504020204" pitchFamily="49" charset="0"/>
-              </a:rPr>
-              <a:t>           add   x29,x12,x29  </a:t>
-            </a:r>
-            <a:r>
-              <a:rPr lang="en-AU" altLang="en-US" sz="6200" dirty="0" smtClean="0">
-                <a:solidFill>
-                  <a:schemeClr val="accent6">
-                    <a:lumMod val="75000"/>
-                  </a:schemeClr>
-                </a:solidFill>
-                <a:latin typeface="Lucida Console" panose="020B0609040504020204" pitchFamily="49" charset="0"/>
-              </a:rPr>
-              <a:t>// x29 = byte address of b[k][j]</a:t>
-            </a:r>
-          </a:p>
-          <a:p>
-            <a:pPr marL="746125" indent="-746125">
-              <a:lnSpc>
-                <a:spcPct val="120000"/>
-              </a:lnSpc>
-              <a:spcBef>
-                <a:spcPts val="0"/>
-              </a:spcBef>
-              <a:buNone/>
-              <a:tabLst>
-                <a:tab pos="1082675" algn="l"/>
-              </a:tabLst>
-              <a:defRPr/>
-            </a:pPr>
-            <a:r>
-              <a:rPr lang="en-AU" altLang="en-US" sz="6200" dirty="0" smtClean="0">
-                <a:latin typeface="Lucida Console" panose="020B0609040504020204" pitchFamily="49" charset="0"/>
-              </a:rPr>
-              <a:t>           </a:t>
-            </a:r>
-            <a:r>
-              <a:rPr lang="en-AU" altLang="en-US" sz="6200" dirty="0" err="1" smtClean="0">
-                <a:latin typeface="Lucida Console" panose="020B0609040504020204" pitchFamily="49" charset="0"/>
-              </a:rPr>
-              <a:t>fld</a:t>
-            </a:r>
-            <a:r>
-              <a:rPr lang="en-AU" altLang="en-US" sz="6200" dirty="0" smtClean="0">
-                <a:latin typeface="Lucida Console" panose="020B0609040504020204" pitchFamily="49" charset="0"/>
-              </a:rPr>
-              <a:t>   f1,0(x29)    </a:t>
-            </a:r>
-            <a:r>
-              <a:rPr lang="en-AU" altLang="en-US" sz="6200" dirty="0" smtClean="0">
-                <a:solidFill>
-                  <a:schemeClr val="accent6">
-                    <a:lumMod val="75000"/>
-                  </a:schemeClr>
-                </a:solidFill>
-                <a:latin typeface="Lucida Console" panose="020B0609040504020204" pitchFamily="49" charset="0"/>
-              </a:rPr>
-              <a:t>// f1 = b[k][j]</a:t>
+              <a:rPr lang="en-US" altLang="en-US" sz="2800" dirty="0" smtClean="0"/>
+              <a:t>, </a:t>
+            </a:r>
+            <a:r>
+              <a:rPr lang="en-US" altLang="en-US" sz="2800" dirty="0" smtClean="0">
+                <a:latin typeface="Lucida Console" pitchFamily="49" charset="0"/>
+              </a:rPr>
+              <a:t>j</a:t>
+            </a:r>
+            <a:r>
+              <a:rPr lang="en-US" altLang="en-US" sz="2800" dirty="0" smtClean="0"/>
+              <a:t>, </a:t>
+            </a:r>
+            <a:r>
+              <a:rPr lang="en-US" altLang="en-US" sz="2800" dirty="0" smtClean="0">
+                <a:latin typeface="Lucida Console" pitchFamily="49" charset="0"/>
+              </a:rPr>
+              <a:t>k</a:t>
+            </a:r>
+            <a:r>
+              <a:rPr lang="en-US" altLang="en-US" sz="2800" dirty="0" smtClean="0"/>
+              <a:t> in x5, x6, x7</a:t>
             </a:r>
           </a:p>
         </p:txBody>
@@ -10384,14 +9617,52 @@
             <p:ph idx="1"/>
           </p:nvPr>
         </p:nvSpPr>
-        <p:spPr/>
+        <p:spPr>
+          <a:xfrm>
+            <a:off x="838200" y="1045029"/>
+            <a:ext cx="10515600" cy="5130920"/>
+          </a:xfrm>
+        </p:spPr>
         <p:txBody>
           <a:bodyPr>
-            <a:normAutofit fontScale="55000" lnSpcReduction="20000"/>
+            <a:normAutofit fontScale="32500" lnSpcReduction="20000"/>
           </a:bodyPr>
           <a:lstStyle/>
           <a:p>
-            <a:pPr marL="690563" indent="-690563">
+            <a:pPr>
+              <a:defRPr/>
+            </a:pPr>
+            <a:r>
+              <a:rPr lang="en-US" altLang="en-US" sz="9800" dirty="0" smtClean="0"/>
+              <a:t>RISC-V code:</a:t>
+            </a:r>
+          </a:p>
+          <a:p>
+            <a:pPr>
+              <a:lnSpc>
+                <a:spcPct val="120000"/>
+              </a:lnSpc>
+              <a:spcBef>
+                <a:spcPts val="0"/>
+              </a:spcBef>
+              <a:buNone/>
+              <a:defRPr/>
+            </a:pPr>
+            <a:r>
+              <a:rPr lang="en-US" altLang="en-US" sz="6200" dirty="0" smtClean="0">
+                <a:latin typeface="Lucida Console" panose="020B0609040504020204" pitchFamily="49" charset="0"/>
+              </a:rPr>
+              <a:t>    </a:t>
+            </a:r>
+            <a:r>
+              <a:rPr lang="en-AU" altLang="en-US" sz="6200" dirty="0" smtClean="0">
+                <a:latin typeface="Lucida Console" panose="020B0609040504020204" pitchFamily="49" charset="0"/>
+              </a:rPr>
+              <a:t>mm:...</a:t>
+            </a:r>
+          </a:p>
+          <a:p>
+            <a:pPr marL="746125" indent="-746125">
               <a:lnSpc>
                 <a:spcPct val="120000"/>
               </a:lnSpc>
@@ -10400,19 +9671,42 @@
               </a:spcBef>
               <a:buNone/>
               <a:tabLst>
-                <a:tab pos="1147763" algn="l"/>
+                <a:tab pos="1082675" algn="l"/>
               </a:tabLst>
               <a:defRPr/>
             </a:pPr>
             <a:r>
-              <a:rPr lang="en-US" altLang="en-US" dirty="0" smtClean="0">
-                <a:latin typeface="Lucida Console" panose="020B0609040504020204" pitchFamily="49" charset="0"/>
-              </a:rPr>
-              <a:t> …</a:t>
-            </a:r>
-          </a:p>
-          <a:p>
-            <a:pPr marL="690563" indent="-690563">
+              <a:rPr lang="en-AU" altLang="en-US" sz="6200" dirty="0" smtClean="0">
+                <a:latin typeface="Lucida Console" panose="020B0609040504020204" pitchFamily="49" charset="0"/>
+              </a:rPr>
+              <a:t>		    </a:t>
+            </a:r>
+            <a:r>
+              <a:rPr lang="en-AU" altLang="en-US" sz="6200" dirty="0" err="1" smtClean="0">
+                <a:latin typeface="Lucida Console" panose="020B0609040504020204" pitchFamily="49" charset="0"/>
+              </a:rPr>
+              <a:t>li</a:t>
+            </a:r>
+            <a:r>
+              <a:rPr lang="en-AU" altLang="en-US" sz="6200" dirty="0" smtClean="0">
+                <a:latin typeface="Lucida Console" panose="020B0609040504020204" pitchFamily="49" charset="0"/>
+              </a:rPr>
+              <a:t>    x28,32       </a:t>
+            </a:r>
+            <a:r>
+              <a:rPr lang="en-AU" altLang="en-US" sz="6200" dirty="0" smtClean="0">
+                <a:solidFill>
+                  <a:schemeClr val="accent6">
+                    <a:lumMod val="75000"/>
+                  </a:schemeClr>
+                </a:solidFill>
+                <a:latin typeface="Lucida Console" panose="020B0609040504020204" pitchFamily="49" charset="0"/>
+              </a:rPr>
+              <a:t>// x28 = 32 (row size/loop end)</a:t>
+            </a:r>
+          </a:p>
+          <a:p>
+            <a:pPr marL="746125" indent="-746125">
               <a:lnSpc>
                 <a:spcPct val="120000"/>
               </a:lnSpc>
@@ -10421,30 +9715,30 @@
               </a:spcBef>
               <a:buNone/>
               <a:tabLst>
-                <a:tab pos="1147763" algn="l"/>
+                <a:tab pos="1082675" algn="l"/>
               </a:tabLst>
               <a:defRPr/>
             </a:pPr>
             <a:r>
-              <a:rPr lang="en-US" altLang="en-US" dirty="0" smtClean="0">
-                <a:latin typeface="Lucida Console" panose="020B0609040504020204" pitchFamily="49" charset="0"/>
-              </a:rPr>
-              <a:t>        </a:t>
-            </a:r>
-            <a:r>
-              <a:rPr lang="en-US" altLang="en-US" dirty="0" err="1" smtClean="0">
-                <a:latin typeface="Lucida Console" panose="020B0609040504020204" pitchFamily="49" charset="0"/>
-              </a:rPr>
-              <a:t>slli</a:t>
-            </a:r>
-            <a:r>
-              <a:rPr lang="en-US" altLang="en-US" dirty="0" smtClean="0">
-                <a:latin typeface="Lucida Console" panose="020B0609040504020204" pitchFamily="49" charset="0"/>
-              </a:rPr>
-              <a:t>   x29,x5,5     </a:t>
-            </a:r>
-            <a:r>
-              <a:rPr lang="en-US" altLang="en-US" dirty="0" smtClean="0">
+              <a:rPr lang="en-AU" altLang="en-US" sz="6200" dirty="0" smtClean="0">
+                <a:latin typeface="Lucida Console" panose="020B0609040504020204" pitchFamily="49" charset="0"/>
+              </a:rPr>
+              <a:t>           </a:t>
+            </a:r>
+            <a:r>
+              <a:rPr lang="en-AU" altLang="en-US" sz="6200" dirty="0" err="1" smtClean="0">
+                <a:latin typeface="Lucida Console" panose="020B0609040504020204" pitchFamily="49" charset="0"/>
+              </a:rPr>
+              <a:t>li</a:t>
+            </a:r>
+            <a:r>
+              <a:rPr lang="en-AU" altLang="en-US" sz="6200" dirty="0" smtClean="0">
+                <a:latin typeface="Lucida Console" panose="020B0609040504020204" pitchFamily="49" charset="0"/>
+              </a:rPr>
+              <a:t>    x5,0         </a:t>
+            </a:r>
+            <a:r>
+              <a:rPr lang="en-AU" altLang="en-US" sz="6200" dirty="0" smtClean="0">
                 <a:solidFill>
                   <a:schemeClr val="accent6">
                     <a:lumMod val="75000"/>
@@ -10452,10 +9746,10 @@
                 </a:solidFill>
                 <a:latin typeface="Lucida Console" panose="020B0609040504020204" pitchFamily="49" charset="0"/>
               </a:rPr>
-              <a:t>// x29 = </a:t>
-            </a:r>
-            <a:r>
-              <a:rPr lang="en-US" altLang="en-US" dirty="0" err="1" smtClean="0">
+              <a:t>// </a:t>
+            </a:r>
+            <a:r>
+              <a:rPr lang="en-AU" altLang="en-US" sz="6200" dirty="0" err="1" smtClean="0">
                 <a:solidFill>
                   <a:schemeClr val="accent6">
                     <a:lumMod val="75000"/>
@@ -10466,7 +9760,7 @@
               <a:t>i</a:t>
             </a:r>
             <a:r>
-              <a:rPr lang="en-US" altLang="en-US" dirty="0" smtClean="0">
+              <a:rPr lang="en-AU" altLang="en-US" sz="6200" dirty="0" smtClean="0">
                 <a:solidFill>
                   <a:schemeClr val="accent6">
                     <a:lumMod val="75000"/>
@@ -10474,11 +9768,11 @@
                 </a:solidFill>
                 <a:latin typeface="Lucida Console" panose="020B0609040504020204" pitchFamily="49" charset="0"/>
               </a:rPr>
-              <a:t> * 2**5 (size of row of a)</a:t>
-            </a:r>
-          </a:p>
-          <a:p>
-            <a:pPr marL="690563" indent="-690563">
+              <a:t> = 0; initialize 1st for loop</a:t>
+            </a:r>
+          </a:p>
+          <a:p>
+            <a:pPr marL="746125" indent="-746125">
               <a:lnSpc>
                 <a:spcPct val="120000"/>
               </a:lnSpc>
@@ -10487,18 +9781,30 @@
               </a:spcBef>
               <a:buNone/>
               <a:tabLst>
-                <a:tab pos="1147763" algn="l"/>
+                <a:tab pos="1082675" algn="l"/>
               </a:tabLst>
               <a:defRPr/>
             </a:pPr>
             <a:r>
-              <a:rPr lang="en-US" altLang="en-US" dirty="0" smtClean="0">
-                <a:latin typeface="Lucida Console" panose="020B0609040504020204" pitchFamily="49" charset="0"/>
-              </a:rPr>
-              <a:t>        add    x29,x29,x7   </a:t>
-            </a:r>
-            <a:r>
-              <a:rPr lang="en-US" altLang="en-US" dirty="0" smtClean="0">
+              <a:rPr lang="en-AU" altLang="en-US" sz="6200" dirty="0" smtClean="0">
+                <a:latin typeface="Lucida Console" panose="020B0609040504020204" pitchFamily="49" charset="0"/>
+              </a:rPr>
+              <a:t>    L1:    </a:t>
+            </a:r>
+            <a:r>
+              <a:rPr lang="en-AU" altLang="en-US" sz="6200" dirty="0" err="1" smtClean="0">
+                <a:latin typeface="Lucida Console" panose="020B0609040504020204" pitchFamily="49" charset="0"/>
+              </a:rPr>
+              <a:t>li</a:t>
+            </a:r>
+            <a:r>
+              <a:rPr lang="en-AU" altLang="en-US" sz="6200" dirty="0" smtClean="0">
+                <a:latin typeface="Lucida Console" panose="020B0609040504020204" pitchFamily="49" charset="0"/>
+              </a:rPr>
+              <a:t>    x6,0         </a:t>
+            </a:r>
+            <a:r>
+              <a:rPr lang="en-AU" altLang="en-US" sz="6200" dirty="0" smtClean="0">
                 <a:solidFill>
                   <a:schemeClr val="accent6">
                     <a:lumMod val="75000"/>
@@ -10506,33 +9812,11 @@
                 </a:solidFill>
                 <a:latin typeface="Lucida Console" panose="020B0609040504020204" pitchFamily="49" charset="0"/>
               </a:rPr>
-              <a:t>// x29 = </a:t>
-            </a:r>
-            <a:r>
-              <a:rPr lang="en-US" altLang="en-US" dirty="0" err="1" smtClean="0">
-                <a:solidFill>
-                  <a:schemeClr val="accent6">
-                    <a:lumMod val="75000"/>
-                  </a:schemeClr>
-                </a:solidFill>
-                <a:latin typeface="Lucida Console" panose="020B0609040504020204" pitchFamily="49" charset="0"/>
-              </a:rPr>
-              <a:t>i</a:t>
-            </a:r>
-            <a:r>
-              <a:rPr lang="en-US" altLang="en-US" dirty="0" smtClean="0">
-                <a:solidFill>
-                  <a:schemeClr val="accent6">
-                    <a:lumMod val="75000"/>
-                  </a:schemeClr>
-                </a:solidFill>
-                <a:latin typeface="Lucida Console" panose="020B0609040504020204" pitchFamily="49" charset="0"/>
-              </a:rPr>
-              <a:t> * size(row) + k</a:t>
-            </a:r>
-          </a:p>
-          <a:p>
-            <a:pPr marL="690563" indent="-690563">
+              <a:t>// j = 0; initialize 2nd for loop</a:t>
+            </a:r>
+          </a:p>
+          <a:p>
+            <a:pPr marL="746125" indent="-746125">
               <a:lnSpc>
                 <a:spcPct val="120000"/>
               </a:lnSpc>
@@ -10541,30 +9825,30 @@
               </a:spcBef>
               <a:buNone/>
               <a:tabLst>
-                <a:tab pos="1147763" algn="l"/>
+                <a:tab pos="1082675" algn="l"/>
               </a:tabLst>
               <a:defRPr/>
             </a:pPr>
             <a:r>
-              <a:rPr lang="en-US" altLang="en-US" dirty="0" smtClean="0">
-                <a:latin typeface="Lucida Console" panose="020B0609040504020204" pitchFamily="49" charset="0"/>
-              </a:rPr>
-              <a:t>        </a:t>
-            </a:r>
-            <a:r>
-              <a:rPr lang="en-US" altLang="en-US" dirty="0" err="1" smtClean="0">
-                <a:latin typeface="Lucida Console" panose="020B0609040504020204" pitchFamily="49" charset="0"/>
-              </a:rPr>
-              <a:t>slli</a:t>
-            </a:r>
-            <a:r>
-              <a:rPr lang="en-US" altLang="en-US" dirty="0" smtClean="0">
-                <a:latin typeface="Lucida Console" panose="020B0609040504020204" pitchFamily="49" charset="0"/>
-              </a:rPr>
-              <a:t>   x29,x29,3    </a:t>
-            </a:r>
-            <a:r>
-              <a:rPr lang="en-US" altLang="en-US" dirty="0" smtClean="0">
+              <a:rPr lang="en-AU" altLang="en-US" sz="6200" dirty="0" smtClean="0">
+                <a:latin typeface="Lucida Console" panose="020B0609040504020204" pitchFamily="49" charset="0"/>
+              </a:rPr>
+              <a:t>    L2:    </a:t>
+            </a:r>
+            <a:r>
+              <a:rPr lang="en-AU" altLang="en-US" sz="6200" dirty="0" err="1" smtClean="0">
+                <a:latin typeface="Lucida Console" panose="020B0609040504020204" pitchFamily="49" charset="0"/>
+              </a:rPr>
+              <a:t>li</a:t>
+            </a:r>
+            <a:r>
+              <a:rPr lang="en-AU" altLang="en-US" sz="6200" dirty="0" smtClean="0">
+                <a:latin typeface="Lucida Console" panose="020B0609040504020204" pitchFamily="49" charset="0"/>
+              </a:rPr>
+              <a:t>    x7,0         </a:t>
+            </a:r>
+            <a:r>
+              <a:rPr lang="en-AU" altLang="en-US" sz="6200" dirty="0" smtClean="0">
                 <a:solidFill>
                   <a:schemeClr val="accent6">
                     <a:lumMod val="75000"/>
@@ -10572,33 +9856,11 @@
                 </a:solidFill>
                 <a:latin typeface="Lucida Console" panose="020B0609040504020204" pitchFamily="49" charset="0"/>
               </a:rPr>
-              <a:t>// x29 = byte offset of [</a:t>
-            </a:r>
-            <a:r>
-              <a:rPr lang="en-US" altLang="en-US" dirty="0" err="1" smtClean="0">
-                <a:solidFill>
-                  <a:schemeClr val="accent6">
-                    <a:lumMod val="75000"/>
-                  </a:schemeClr>
-                </a:solidFill>
-                <a:latin typeface="Lucida Console" panose="020B0609040504020204" pitchFamily="49" charset="0"/>
-              </a:rPr>
-              <a:t>i</a:t>
-            </a:r>
-            <a:r>
-              <a:rPr lang="en-US" altLang="en-US" dirty="0" smtClean="0">
-                <a:solidFill>
-                  <a:schemeClr val="accent6">
-                    <a:lumMod val="75000"/>
-                  </a:schemeClr>
-                </a:solidFill>
-                <a:latin typeface="Lucida Console" panose="020B0609040504020204" pitchFamily="49" charset="0"/>
-              </a:rPr>
-              <a:t>][k]</a:t>
-            </a:r>
-          </a:p>
-          <a:p>
-            <a:pPr marL="690563" indent="-690563">
+              <a:t>// k = 0; initialize 3rd for loop</a:t>
+            </a:r>
+          </a:p>
+          <a:p>
+            <a:pPr marL="746125" indent="-746125">
               <a:lnSpc>
                 <a:spcPct val="120000"/>
               </a:lnSpc>
@@ -10607,18 +9869,30 @@
               </a:spcBef>
               <a:buNone/>
               <a:tabLst>
-                <a:tab pos="1147763" algn="l"/>
+                <a:tab pos="1082675" algn="l"/>
               </a:tabLst>
               <a:defRPr/>
             </a:pPr>
             <a:r>
-              <a:rPr lang="en-US" altLang="en-US" dirty="0" smtClean="0">
-                <a:latin typeface="Lucida Console" panose="020B0609040504020204" pitchFamily="49" charset="0"/>
-              </a:rPr>
-              <a:t>        add    x29,x11,x29  </a:t>
-            </a:r>
-            <a:r>
-              <a:rPr lang="en-US" altLang="en-US" dirty="0" smtClean="0">
+              <a:rPr lang="en-AU" altLang="en-US" sz="6200" dirty="0" smtClean="0">
+                <a:latin typeface="Lucida Console" panose="020B0609040504020204" pitchFamily="49" charset="0"/>
+              </a:rPr>
+              <a:t>		    </a:t>
+            </a:r>
+            <a:r>
+              <a:rPr lang="en-US" altLang="en-US" sz="6200" dirty="0" err="1" smtClean="0">
+                <a:latin typeface="Lucida Console" panose="020B0609040504020204" pitchFamily="49" charset="0"/>
+              </a:rPr>
+              <a:t>slli</a:t>
+            </a:r>
+            <a:r>
+              <a:rPr lang="en-US" altLang="en-US" sz="6200" dirty="0" smtClean="0">
+                <a:latin typeface="Lucida Console" panose="020B0609040504020204" pitchFamily="49" charset="0"/>
+              </a:rPr>
+              <a:t>  x30,x5,5     </a:t>
+            </a:r>
+            <a:r>
+              <a:rPr lang="en-US" altLang="en-US" sz="6200" dirty="0" smtClean="0">
                 <a:solidFill>
                   <a:schemeClr val="accent6">
                     <a:lumMod val="75000"/>
@@ -10626,10 +9900,10 @@
                 </a:solidFill>
                 <a:latin typeface="Lucida Console" panose="020B0609040504020204" pitchFamily="49" charset="0"/>
               </a:rPr>
-              <a:t>// x29 = byte address of a[</a:t>
-            </a:r>
-            <a:r>
-              <a:rPr lang="en-US" altLang="en-US" dirty="0" err="1" smtClean="0">
+              <a:t>// x30 = </a:t>
+            </a:r>
+            <a:r>
+              <a:rPr lang="en-US" altLang="en-US" sz="6200" dirty="0" err="1" smtClean="0">
                 <a:solidFill>
                   <a:schemeClr val="accent6">
                     <a:lumMod val="75000"/>
@@ -10640,7 +9914,7 @@
               <a:t>i</a:t>
             </a:r>
             <a:r>
-              <a:rPr lang="en-US" altLang="en-US" dirty="0" smtClean="0">
+              <a:rPr lang="en-US" altLang="en-US" sz="6200" dirty="0" smtClean="0">
                 <a:solidFill>
                   <a:schemeClr val="accent6">
                     <a:lumMod val="75000"/>
@@ -10648,11 +9922,19 @@
                 </a:solidFill>
                 <a:latin typeface="Lucida Console" panose="020B0609040504020204" pitchFamily="49" charset="0"/>
               </a:rPr>
-              <a:t>][k]</a:t>
-            </a:r>
-          </a:p>
-          <a:p>
-            <a:pPr marL="690563" indent="-690563">
+              <a:t> * 2**5 (size of row of c)</a:t>
+            </a:r>
+            <a:endParaRPr lang="en-AU" altLang="en-US" sz="6200" dirty="0" smtClean="0">
+              <a:solidFill>
+                <a:schemeClr val="accent6">
+                  <a:lumMod val="75000"/>
+                </a:schemeClr>
+              </a:solidFill>
+              <a:latin typeface="Lucida Console" panose="020B0609040504020204" pitchFamily="49" charset="0"/>
+            </a:endParaRPr>
+          </a:p>
+          <a:p>
+            <a:pPr marL="746125" indent="-746125">
               <a:lnSpc>
                 <a:spcPct val="120000"/>
               </a:lnSpc>
@@ -10661,30 +9943,24 @@
               </a:spcBef>
               <a:buNone/>
               <a:tabLst>
-                <a:tab pos="1147763" algn="l"/>
+                <a:tab pos="1082675" algn="l"/>
               </a:tabLst>
               <a:defRPr/>
             </a:pPr>
             <a:r>
-              <a:rPr lang="en-US" altLang="en-US" dirty="0" smtClean="0">
-                <a:latin typeface="Lucida Console" panose="020B0609040504020204" pitchFamily="49" charset="0"/>
-              </a:rPr>
-              <a:t>        </a:t>
-            </a:r>
-            <a:r>
-              <a:rPr lang="en-US" altLang="en-US" dirty="0" err="1" smtClean="0">
-                <a:latin typeface="Lucida Console" panose="020B0609040504020204" pitchFamily="49" charset="0"/>
-              </a:rPr>
-              <a:t>fld</a:t>
-            </a:r>
-            <a:r>
-              <a:rPr lang="en-US" altLang="en-US" dirty="0" smtClean="0">
-                <a:latin typeface="Lucida Console" panose="020B0609040504020204" pitchFamily="49" charset="0"/>
-              </a:rPr>
-              <a:t>    f2,0(x29)    </a:t>
-            </a:r>
-            <a:r>
-              <a:rPr lang="en-US" altLang="en-US" dirty="0" smtClean="0">
+              <a:rPr lang="en-AU" altLang="en-US" sz="6200" dirty="0" smtClean="0">
+                <a:latin typeface="Lucida Console" panose="020B0609040504020204" pitchFamily="49" charset="0"/>
+              </a:rPr>
+              <a:t>		    </a:t>
+            </a:r>
+            <a:r>
+              <a:rPr lang="en-US" altLang="en-US" sz="6200" dirty="0" smtClean="0">
+                <a:latin typeface="Lucida Console" panose="020B0609040504020204" pitchFamily="49" charset="0"/>
+              </a:rPr>
+              <a:t>add   x30,x30,x6   </a:t>
+            </a:r>
+            <a:r>
+              <a:rPr lang="en-US" altLang="en-US" sz="6200" dirty="0" smtClean="0">
                 <a:solidFill>
                   <a:schemeClr val="accent6">
                     <a:lumMod val="75000"/>
@@ -10692,10 +9968,10 @@
                 </a:solidFill>
                 <a:latin typeface="Lucida Console" panose="020B0609040504020204" pitchFamily="49" charset="0"/>
               </a:rPr>
-              <a:t>// f2 = a[</a:t>
-            </a:r>
-            <a:r>
-              <a:rPr lang="en-US" altLang="en-US" dirty="0" err="1" smtClean="0">
+              <a:t>// x30 = </a:t>
+            </a:r>
+            <a:r>
+              <a:rPr lang="en-US" altLang="en-US" sz="6200" dirty="0" err="1" smtClean="0">
                 <a:solidFill>
                   <a:schemeClr val="accent6">
                     <a:lumMod val="75000"/>
@@ -10706,7 +9982,7 @@
               <a:t>i</a:t>
             </a:r>
             <a:r>
-              <a:rPr lang="en-US" altLang="en-US" dirty="0" smtClean="0">
+              <a:rPr lang="en-US" altLang="en-US" sz="6200" dirty="0" smtClean="0">
                 <a:solidFill>
                   <a:schemeClr val="accent6">
                     <a:lumMod val="75000"/>
@@ -10714,11 +9990,19 @@
                 </a:solidFill>
                 <a:latin typeface="Lucida Console" panose="020B0609040504020204" pitchFamily="49" charset="0"/>
               </a:rPr>
-              <a:t>][k]</a:t>
-            </a:r>
-          </a:p>
-          <a:p>
-            <a:pPr marL="690563" indent="-690563">
+              <a:t> * size(row) + j</a:t>
+            </a:r>
+            <a:endParaRPr lang="en-AU" altLang="en-US" sz="6200" dirty="0" smtClean="0">
+              <a:solidFill>
+                <a:schemeClr val="accent6">
+                  <a:lumMod val="75000"/>
+                </a:schemeClr>
+              </a:solidFill>
+              <a:latin typeface="Lucida Console" panose="020B0609040504020204" pitchFamily="49" charset="0"/>
+            </a:endParaRPr>
+          </a:p>
+          <a:p>
+            <a:pPr marL="746125" indent="-746125">
               <a:lnSpc>
                 <a:spcPct val="120000"/>
               </a:lnSpc>
@@ -10727,30 +10011,30 @@
               </a:spcBef>
               <a:buNone/>
               <a:tabLst>
-                <a:tab pos="1147763" algn="l"/>
+                <a:tab pos="1082675" algn="l"/>
               </a:tabLst>
               <a:defRPr/>
             </a:pPr>
             <a:r>
-              <a:rPr lang="en-AU" altLang="en-US" dirty="0" smtClean="0">
-                <a:latin typeface="Lucida Console" panose="020B0609040504020204" pitchFamily="49" charset="0"/>
-              </a:rPr>
-              <a:t>        </a:t>
-            </a:r>
-            <a:r>
-              <a:rPr lang="en-AU" altLang="en-US" dirty="0" err="1" smtClean="0">
-                <a:latin typeface="Lucida Console" panose="020B0609040504020204" pitchFamily="49" charset="0"/>
-              </a:rPr>
-              <a:t>fmul.d</a:t>
-            </a:r>
-            <a:r>
-              <a:rPr lang="en-AU" altLang="en-US" dirty="0" smtClean="0">
-                <a:latin typeface="Lucida Console" panose="020B0609040504020204" pitchFamily="49" charset="0"/>
-              </a:rPr>
-              <a:t> f1, f2, f1   </a:t>
-            </a:r>
-            <a:r>
-              <a:rPr lang="en-AU" altLang="en-US" dirty="0" smtClean="0">
+              <a:rPr lang="en-AU" altLang="en-US" sz="6200" dirty="0" smtClean="0">
+                <a:latin typeface="Lucida Console" panose="020B0609040504020204" pitchFamily="49" charset="0"/>
+              </a:rPr>
+              <a:t>		    </a:t>
+            </a:r>
+            <a:r>
+              <a:rPr lang="en-AU" altLang="en-US" sz="6200" dirty="0" err="1" smtClean="0">
+                <a:latin typeface="Lucida Console" panose="020B0609040504020204" pitchFamily="49" charset="0"/>
+              </a:rPr>
+              <a:t>slli</a:t>
+            </a:r>
+            <a:r>
+              <a:rPr lang="en-AU" altLang="en-US" sz="6200" dirty="0" smtClean="0">
+                <a:latin typeface="Lucida Console" panose="020B0609040504020204" pitchFamily="49" charset="0"/>
+              </a:rPr>
+              <a:t>  x30,x30,3    </a:t>
+            </a:r>
+            <a:r>
+              <a:rPr lang="en-AU" altLang="en-US" sz="6200" dirty="0" smtClean="0">
                 <a:solidFill>
                   <a:schemeClr val="accent6">
                     <a:lumMod val="75000"/>
@@ -10758,10 +10042,10 @@
                 </a:solidFill>
                 <a:latin typeface="Lucida Console" panose="020B0609040504020204" pitchFamily="49" charset="0"/>
               </a:rPr>
-              <a:t>// f1 = a[</a:t>
-            </a:r>
-            <a:r>
-              <a:rPr lang="en-AU" altLang="en-US" dirty="0" err="1" smtClean="0">
+              <a:t>// x30 = byte offset of [</a:t>
+            </a:r>
+            <a:r>
+              <a:rPr lang="en-AU" altLang="en-US" sz="6200" dirty="0" err="1" smtClean="0">
                 <a:solidFill>
                   <a:schemeClr val="accent6">
                     <a:lumMod val="75000"/>
@@ -10772,7 +10056,7 @@
               <a:t>i</a:t>
             </a:r>
             <a:r>
-              <a:rPr lang="en-AU" altLang="en-US" dirty="0" smtClean="0">
+              <a:rPr lang="en-AU" altLang="en-US" sz="6200" dirty="0" smtClean="0">
                 <a:solidFill>
                   <a:schemeClr val="accent6">
                     <a:lumMod val="75000"/>
@@ -10780,11 +10064,11 @@
                 </a:solidFill>
                 <a:latin typeface="Lucida Console" panose="020B0609040504020204" pitchFamily="49" charset="0"/>
               </a:rPr>
-              <a:t>][k] * b[k][j]</a:t>
-            </a:r>
-          </a:p>
-          <a:p>
-            <a:pPr marL="690563" indent="-690563">
+              <a:t>][j]</a:t>
+            </a:r>
+          </a:p>
+          <a:p>
+            <a:pPr marL="746125" indent="-746125">
               <a:lnSpc>
                 <a:spcPct val="120000"/>
               </a:lnSpc>
@@ -10793,30 +10077,24 @@
               </a:spcBef>
               <a:buNone/>
               <a:tabLst>
-                <a:tab pos="1147763" algn="l"/>
+                <a:tab pos="1082675" algn="l"/>
               </a:tabLst>
               <a:defRPr/>
             </a:pPr>
             <a:r>
-              <a:rPr lang="en-AU" altLang="en-US" dirty="0" smtClean="0">
-                <a:latin typeface="Lucida Console" panose="020B0609040504020204" pitchFamily="49" charset="0"/>
-              </a:rPr>
-              <a:t>        </a:t>
-            </a:r>
-            <a:r>
-              <a:rPr lang="en-AU" altLang="en-US" dirty="0" err="1" smtClean="0">
-                <a:latin typeface="Lucida Console" panose="020B0609040504020204" pitchFamily="49" charset="0"/>
-              </a:rPr>
-              <a:t>fadd.d</a:t>
-            </a:r>
-            <a:r>
-              <a:rPr lang="en-AU" altLang="en-US" dirty="0" smtClean="0">
-                <a:latin typeface="Lucida Console" panose="020B0609040504020204" pitchFamily="49" charset="0"/>
-              </a:rPr>
-              <a:t> f0, f0, f1   </a:t>
-            </a:r>
-            <a:r>
-              <a:rPr lang="en-AU" altLang="en-US" dirty="0" smtClean="0">
+              <a:rPr lang="en-AU" altLang="en-US" sz="6200" dirty="0" smtClean="0">
+                <a:latin typeface="Lucida Console" panose="020B0609040504020204" pitchFamily="49" charset="0"/>
+              </a:rPr>
+              <a:t>		    </a:t>
+            </a:r>
+            <a:r>
+              <a:rPr lang="en-US" altLang="en-US" sz="6200" dirty="0" smtClean="0">
+                <a:latin typeface="Lucida Console" panose="020B0609040504020204" pitchFamily="49" charset="0"/>
+              </a:rPr>
+              <a:t>add   x30,x10,x30  </a:t>
+            </a:r>
+            <a:r>
+              <a:rPr lang="en-US" altLang="en-US" sz="6200" dirty="0" smtClean="0">
                 <a:solidFill>
                   <a:schemeClr val="accent6">
                     <a:lumMod val="75000"/>
@@ -10824,10 +10102,10 @@
                 </a:solidFill>
                 <a:latin typeface="Lucida Console" panose="020B0609040504020204" pitchFamily="49" charset="0"/>
               </a:rPr>
-              <a:t>// f0 = c[</a:t>
-            </a:r>
-            <a:r>
-              <a:rPr lang="en-AU" altLang="en-US" dirty="0" err="1" smtClean="0">
+              <a:t>// x30 = byte address of c[</a:t>
+            </a:r>
+            <a:r>
+              <a:rPr lang="en-US" altLang="en-US" sz="6200" dirty="0" err="1" smtClean="0">
                 <a:solidFill>
                   <a:schemeClr val="accent6">
                     <a:lumMod val="75000"/>
@@ -10838,7 +10116,7 @@
               <a:t>i</a:t>
             </a:r>
             <a:r>
-              <a:rPr lang="en-AU" altLang="en-US" dirty="0" smtClean="0">
+              <a:rPr lang="en-US" altLang="en-US" sz="6200" dirty="0" smtClean="0">
                 <a:solidFill>
                   <a:schemeClr val="accent6">
                     <a:lumMod val="75000"/>
@@ -10846,33 +10124,11 @@
                 </a:solidFill>
                 <a:latin typeface="Lucida Console" panose="020B0609040504020204" pitchFamily="49" charset="0"/>
               </a:rPr>
-              <a:t>][j] + a[</a:t>
-            </a:r>
-            <a:r>
-              <a:rPr lang="en-AU" altLang="en-US" dirty="0" err="1" smtClean="0">
-                <a:solidFill>
-                  <a:schemeClr val="accent6">
-                    <a:lumMod val="75000"/>
-                  </a:schemeClr>
-                </a:solidFill>
-                <a:latin typeface="Lucida Console" panose="020B0609040504020204" pitchFamily="49" charset="0"/>
-              </a:rPr>
-              <a:t>i</a:t>
-            </a:r>
-            <a:r>
-              <a:rPr lang="en-AU" altLang="en-US" dirty="0" smtClean="0">
-                <a:solidFill>
-                  <a:schemeClr val="accent6">
-                    <a:lumMod val="75000"/>
-                  </a:schemeClr>
-                </a:solidFill>
-                <a:latin typeface="Lucida Console" panose="020B0609040504020204" pitchFamily="49" charset="0"/>
-              </a:rPr>
-              <a:t>][k] * b[k][j]</a:t>
-            </a:r>
-          </a:p>
-          <a:p>
-            <a:pPr marL="690563" indent="-690563">
+              <a:t>][j]</a:t>
+            </a:r>
+          </a:p>
+          <a:p>
+            <a:pPr marL="746125" indent="-746125">
               <a:lnSpc>
                 <a:spcPct val="120000"/>
               </a:lnSpc>
@@ -10881,30 +10137,30 @@
               </a:spcBef>
               <a:buNone/>
               <a:tabLst>
-                <a:tab pos="1147763" algn="l"/>
+                <a:tab pos="1082675" algn="l"/>
               </a:tabLst>
               <a:defRPr/>
             </a:pPr>
             <a:r>
-              <a:rPr lang="en-US" altLang="en-US" dirty="0" smtClean="0">
-                <a:latin typeface="Lucida Console" panose="020B0609040504020204" pitchFamily="49" charset="0"/>
-              </a:rPr>
-              <a:t>        </a:t>
-            </a:r>
-            <a:r>
-              <a:rPr lang="en-US" altLang="en-US" dirty="0" err="1" smtClean="0">
-                <a:latin typeface="Lucida Console" panose="020B0609040504020204" pitchFamily="49" charset="0"/>
-              </a:rPr>
-              <a:t>addi</a:t>
-            </a:r>
-            <a:r>
-              <a:rPr lang="en-US" altLang="en-US" dirty="0" smtClean="0">
-                <a:latin typeface="Lucida Console" panose="020B0609040504020204" pitchFamily="49" charset="0"/>
-              </a:rPr>
-              <a:t>   x7,x7,1      </a:t>
-            </a:r>
-            <a:r>
-              <a:rPr lang="en-US" altLang="en-US" dirty="0" smtClean="0">
+              <a:rPr lang="en-US" altLang="en-US" sz="6200" dirty="0" smtClean="0">
+                <a:latin typeface="Lucida Console" panose="020B0609040504020204" pitchFamily="49" charset="0"/>
+              </a:rPr>
+              <a:t>           </a:t>
+            </a:r>
+            <a:r>
+              <a:rPr lang="en-US" altLang="en-US" sz="6200" dirty="0" err="1" smtClean="0">
+                <a:latin typeface="Lucida Console" panose="020B0609040504020204" pitchFamily="49" charset="0"/>
+              </a:rPr>
+              <a:t>fld</a:t>
+            </a:r>
+            <a:r>
+              <a:rPr lang="en-US" altLang="en-US" sz="6200" dirty="0" smtClean="0">
+                <a:latin typeface="Lucida Console" panose="020B0609040504020204" pitchFamily="49" charset="0"/>
+              </a:rPr>
+              <a:t>   f0,0(x30)    </a:t>
+            </a:r>
+            <a:r>
+              <a:rPr lang="en-US" altLang="en-US" sz="6200" dirty="0" smtClean="0">
                 <a:solidFill>
                   <a:schemeClr val="accent6">
                     <a:lumMod val="75000"/>
@@ -10912,11 +10168,41 @@
                 </a:solidFill>
                 <a:latin typeface="Lucida Console" panose="020B0609040504020204" pitchFamily="49" charset="0"/>
               </a:rPr>
-              <a:t>// k = k + 1</a:t>
-            </a:r>
-          </a:p>
-          <a:p>
-            <a:pPr marL="690563" indent="-690563">
+              <a:t>// f0 = c[</a:t>
+            </a:r>
+            <a:r>
+              <a:rPr lang="en-US" altLang="en-US" sz="6200" dirty="0" err="1" smtClean="0">
+                <a:solidFill>
+                  <a:schemeClr val="accent6">
+                    <a:lumMod val="75000"/>
+                  </a:schemeClr>
+                </a:solidFill>
+                <a:latin typeface="Lucida Console" panose="020B0609040504020204" pitchFamily="49" charset="0"/>
+              </a:rPr>
+              <a:t>i</a:t>
+            </a:r>
+            <a:r>
+              <a:rPr lang="en-US" altLang="en-US" sz="6200" dirty="0" smtClean="0">
+                <a:solidFill>
+                  <a:schemeClr val="accent6">
+                    <a:lumMod val="75000"/>
+                  </a:schemeClr>
+                </a:solidFill>
+                <a:latin typeface="Lucida Console" panose="020B0609040504020204" pitchFamily="49" charset="0"/>
+              </a:rPr>
+              <a:t>][j]</a:t>
+            </a:r>
+            <a:endParaRPr lang="en-AU" altLang="en-US" sz="6200" dirty="0" smtClean="0">
+              <a:solidFill>
+                <a:schemeClr val="accent6">
+                  <a:lumMod val="75000"/>
+                </a:schemeClr>
+              </a:solidFill>
+              <a:latin typeface="Lucida Console" panose="020B0609040504020204" pitchFamily="49" charset="0"/>
+            </a:endParaRPr>
+          </a:p>
+          <a:p>
+            <a:pPr marL="746125" indent="-746125">
               <a:lnSpc>
                 <a:spcPct val="120000"/>
               </a:lnSpc>
@@ -10925,30 +10211,30 @@
               </a:spcBef>
               <a:buNone/>
               <a:tabLst>
-                <a:tab pos="1147763" algn="l"/>
+                <a:tab pos="1082675" algn="l"/>
               </a:tabLst>
               <a:defRPr/>
             </a:pPr>
             <a:r>
-              <a:rPr lang="en-US" altLang="en-US" dirty="0" smtClean="0">
-                <a:latin typeface="Lucida Console" panose="020B0609040504020204" pitchFamily="49" charset="0"/>
-              </a:rPr>
-              <a:t>        </a:t>
-            </a:r>
-            <a:r>
-              <a:rPr lang="en-US" altLang="en-US" dirty="0" err="1" smtClean="0">
-                <a:latin typeface="Lucida Console" panose="020B0609040504020204" pitchFamily="49" charset="0"/>
-              </a:rPr>
-              <a:t>bltu</a:t>
-            </a:r>
-            <a:r>
-              <a:rPr lang="en-US" altLang="en-US" dirty="0" smtClean="0">
-                <a:latin typeface="Lucida Console" panose="020B0609040504020204" pitchFamily="49" charset="0"/>
-              </a:rPr>
-              <a:t>   x7,x28,L3    </a:t>
-            </a:r>
-            <a:r>
-              <a:rPr lang="en-US" altLang="en-US" dirty="0" smtClean="0">
+              <a:rPr lang="en-AU" altLang="en-US" sz="6200" dirty="0" smtClean="0">
+                <a:latin typeface="Lucida Console" panose="020B0609040504020204" pitchFamily="49" charset="0"/>
+              </a:rPr>
+              <a:t>    L3:    </a:t>
+            </a:r>
+            <a:r>
+              <a:rPr lang="en-AU" altLang="en-US" sz="6200" dirty="0" err="1" smtClean="0">
+                <a:latin typeface="Lucida Console" panose="020B0609040504020204" pitchFamily="49" charset="0"/>
+              </a:rPr>
+              <a:t>slli</a:t>
+            </a:r>
+            <a:r>
+              <a:rPr lang="en-AU" altLang="en-US" sz="6200" dirty="0" smtClean="0">
+                <a:latin typeface="Lucida Console" panose="020B0609040504020204" pitchFamily="49" charset="0"/>
+              </a:rPr>
+              <a:t>  x29,x7,5     </a:t>
+            </a:r>
+            <a:r>
+              <a:rPr lang="en-AU" altLang="en-US" sz="6200" dirty="0" smtClean="0">
                 <a:solidFill>
                   <a:schemeClr val="accent6">
                     <a:lumMod val="75000"/>
@@ -10956,11 +10242,11 @@
                 </a:solidFill>
                 <a:latin typeface="Lucida Console" panose="020B0609040504020204" pitchFamily="49" charset="0"/>
               </a:rPr>
-              <a:t>// if (k &lt; 32) go to L3</a:t>
-            </a:r>
-          </a:p>
-          <a:p>
-            <a:pPr marL="690563" indent="-690563">
+              <a:t>// x29 = k * 2**5 (size of row of b)</a:t>
+            </a:r>
+          </a:p>
+          <a:p>
+            <a:pPr marL="746125" indent="-746125">
               <a:lnSpc>
                 <a:spcPct val="120000"/>
               </a:lnSpc>
@@ -10969,30 +10255,18 @@
               </a:spcBef>
               <a:buNone/>
               <a:tabLst>
-                <a:tab pos="1147763" algn="l"/>
+                <a:tab pos="1082675" algn="l"/>
               </a:tabLst>
               <a:defRPr/>
             </a:pPr>
             <a:r>
-              <a:rPr lang="en-US" altLang="en-US" dirty="0" smtClean="0">
-                <a:latin typeface="Lucida Console" panose="020B0609040504020204" pitchFamily="49" charset="0"/>
-              </a:rPr>
-              <a:t>        </a:t>
-            </a:r>
-            <a:r>
-              <a:rPr lang="en-US" altLang="en-US" dirty="0" err="1" smtClean="0">
-                <a:latin typeface="Lucida Console" panose="020B0609040504020204" pitchFamily="49" charset="0"/>
-              </a:rPr>
-              <a:t>fsd</a:t>
-            </a:r>
-            <a:r>
-              <a:rPr lang="en-US" altLang="en-US" dirty="0" smtClean="0">
-                <a:latin typeface="Lucida Console" panose="020B0609040504020204" pitchFamily="49" charset="0"/>
-              </a:rPr>
-              <a:t>    f0,0(x30)    </a:t>
-            </a:r>
-            <a:r>
-              <a:rPr lang="en-US" altLang="en-US" dirty="0" smtClean="0">
+              <a:rPr lang="en-AU" altLang="en-US" sz="6200" dirty="0" smtClean="0">
+                <a:latin typeface="Lucida Console" panose="020B0609040504020204" pitchFamily="49" charset="0"/>
+              </a:rPr>
+              <a:t>           add   x29,x29,x6   </a:t>
+            </a:r>
+            <a:r>
+              <a:rPr lang="en-AU" altLang="en-US" sz="6200" dirty="0" smtClean="0">
                 <a:solidFill>
                   <a:schemeClr val="accent6">
                     <a:lumMod val="75000"/>
@@ -11000,41 +10274,11 @@
                 </a:solidFill>
                 <a:latin typeface="Lucida Console" panose="020B0609040504020204" pitchFamily="49" charset="0"/>
               </a:rPr>
-              <a:t>// c[</a:t>
-            </a:r>
-            <a:r>
-              <a:rPr lang="en-US" altLang="en-US" dirty="0" err="1" smtClean="0">
-                <a:solidFill>
-                  <a:schemeClr val="accent6">
-                    <a:lumMod val="75000"/>
-                  </a:schemeClr>
-                </a:solidFill>
-                <a:latin typeface="Lucida Console" panose="020B0609040504020204" pitchFamily="49" charset="0"/>
-              </a:rPr>
-              <a:t>i</a:t>
-            </a:r>
-            <a:r>
-              <a:rPr lang="en-US" altLang="en-US" dirty="0" smtClean="0">
-                <a:solidFill>
-                  <a:schemeClr val="accent6">
-                    <a:lumMod val="75000"/>
-                  </a:schemeClr>
-                </a:solidFill>
-                <a:latin typeface="Lucida Console" panose="020B0609040504020204" pitchFamily="49" charset="0"/>
-              </a:rPr>
-              <a:t>][j] = f0</a:t>
-            </a:r>
-            <a:endParaRPr lang="en-AU" altLang="en-US" dirty="0" smtClean="0">
-              <a:solidFill>
-                <a:schemeClr val="accent6">
-                  <a:lumMod val="75000"/>
-                </a:schemeClr>
-              </a:solidFill>
-              <a:latin typeface="Lucida Console" panose="020B0609040504020204" pitchFamily="49" charset="0"/>
-            </a:endParaRPr>
-          </a:p>
-          <a:p>
-            <a:pPr marL="690563" indent="-690563">
+              <a:t>// x29 = k * size(row) + j</a:t>
+            </a:r>
+          </a:p>
+          <a:p>
+            <a:pPr marL="746125" indent="-746125">
               <a:lnSpc>
                 <a:spcPct val="120000"/>
               </a:lnSpc>
@@ -11043,30 +10287,30 @@
               </a:spcBef>
               <a:buNone/>
               <a:tabLst>
-                <a:tab pos="1147763" algn="l"/>
+                <a:tab pos="1082675" algn="l"/>
               </a:tabLst>
               <a:defRPr/>
             </a:pPr>
             <a:r>
-              <a:rPr lang="en-AU" altLang="en-US" dirty="0" smtClean="0">
-                <a:latin typeface="Lucida Console" panose="020B0609040504020204" pitchFamily="49" charset="0"/>
-              </a:rPr>
-              <a:t>        </a:t>
-            </a:r>
-            <a:r>
-              <a:rPr lang="en-AU" altLang="en-US" dirty="0" err="1" smtClean="0">
-                <a:latin typeface="Lucida Console" panose="020B0609040504020204" pitchFamily="49" charset="0"/>
-              </a:rPr>
-              <a:t>addi</a:t>
-            </a:r>
-            <a:r>
-              <a:rPr lang="en-AU" altLang="en-US" dirty="0" smtClean="0">
-                <a:latin typeface="Lucida Console" panose="020B0609040504020204" pitchFamily="49" charset="0"/>
-              </a:rPr>
-              <a:t>   x6,x6,1      </a:t>
-            </a:r>
-            <a:r>
-              <a:rPr lang="en-AU" altLang="en-US" dirty="0" smtClean="0">
+              <a:rPr lang="en-AU" altLang="en-US" sz="6200" dirty="0" smtClean="0">
+                <a:latin typeface="Lucida Console" panose="020B0609040504020204" pitchFamily="49" charset="0"/>
+              </a:rPr>
+              <a:t>           </a:t>
+            </a:r>
+            <a:r>
+              <a:rPr lang="en-AU" altLang="en-US" sz="6200" dirty="0" err="1" smtClean="0">
+                <a:latin typeface="Lucida Console" panose="020B0609040504020204" pitchFamily="49" charset="0"/>
+              </a:rPr>
+              <a:t>slli</a:t>
+            </a:r>
+            <a:r>
+              <a:rPr lang="en-AU" altLang="en-US" sz="6200" dirty="0" smtClean="0">
+                <a:latin typeface="Lucida Console" panose="020B0609040504020204" pitchFamily="49" charset="0"/>
+              </a:rPr>
+              <a:t>  x29,x29,3    </a:t>
+            </a:r>
+            <a:r>
+              <a:rPr lang="en-AU" altLang="en-US" sz="6200" dirty="0" smtClean="0">
                 <a:solidFill>
                   <a:schemeClr val="accent6">
                     <a:lumMod val="75000"/>
@@ -11074,11 +10318,11 @@
                 </a:solidFill>
                 <a:latin typeface="Lucida Console" panose="020B0609040504020204" pitchFamily="49" charset="0"/>
               </a:rPr>
-              <a:t>// j = j + 1</a:t>
-            </a:r>
-          </a:p>
-          <a:p>
-            <a:pPr marL="690563" indent="-690563">
+              <a:t>// x29 = byte offset of [k][j]</a:t>
+            </a:r>
+          </a:p>
+          <a:p>
+            <a:pPr marL="746125" indent="-746125">
               <a:lnSpc>
                 <a:spcPct val="120000"/>
               </a:lnSpc>
@@ -11087,30 +10331,18 @@
               </a:spcBef>
               <a:buNone/>
               <a:tabLst>
-                <a:tab pos="1147763" algn="l"/>
+                <a:tab pos="1082675" algn="l"/>
               </a:tabLst>
               <a:defRPr/>
             </a:pPr>
             <a:r>
-              <a:rPr lang="en-AU" altLang="en-US" dirty="0" smtClean="0">
-                <a:latin typeface="Lucida Console" panose="020B0609040504020204" pitchFamily="49" charset="0"/>
-              </a:rPr>
-              <a:t>        </a:t>
-            </a:r>
-            <a:r>
-              <a:rPr lang="en-AU" altLang="en-US" dirty="0" err="1" smtClean="0">
-                <a:latin typeface="Lucida Console" panose="020B0609040504020204" pitchFamily="49" charset="0"/>
-              </a:rPr>
-              <a:t>bltu</a:t>
-            </a:r>
-            <a:r>
-              <a:rPr lang="en-AU" altLang="en-US" dirty="0" smtClean="0">
-                <a:latin typeface="Lucida Console" panose="020B0609040504020204" pitchFamily="49" charset="0"/>
-              </a:rPr>
-              <a:t>   x6,x28,L2    </a:t>
-            </a:r>
-            <a:r>
-              <a:rPr lang="en-AU" altLang="en-US" dirty="0" smtClean="0">
+              <a:rPr lang="en-AU" altLang="en-US" sz="6200" dirty="0" smtClean="0">
+                <a:latin typeface="Lucida Console" panose="020B0609040504020204" pitchFamily="49" charset="0"/>
+              </a:rPr>
+              <a:t>           add   x29,x12,x29  </a:t>
+            </a:r>
+            <a:r>
+              <a:rPr lang="en-AU" altLang="en-US" sz="6200" dirty="0" smtClean="0">
                 <a:solidFill>
                   <a:schemeClr val="accent6">
                     <a:lumMod val="75000"/>
@@ -11118,11 +10350,11 @@
                 </a:solidFill>
                 <a:latin typeface="Lucida Console" panose="020B0609040504020204" pitchFamily="49" charset="0"/>
               </a:rPr>
-              <a:t>// if (j &lt; 32) go to L2</a:t>
-            </a:r>
-          </a:p>
-          <a:p>
-            <a:pPr marL="690563" indent="-690563">
+              <a:t>// x29 = byte address of b[k][j]</a:t>
+            </a:r>
+          </a:p>
+          <a:p>
+            <a:pPr marL="746125" indent="-746125">
               <a:lnSpc>
                 <a:spcPct val="120000"/>
               </a:lnSpc>
@@ -11131,30 +10363,30 @@
               </a:spcBef>
               <a:buNone/>
               <a:tabLst>
-                <a:tab pos="1147763" algn="l"/>
+                <a:tab pos="1082675" algn="l"/>
               </a:tabLst>
               <a:defRPr/>
             </a:pPr>
             <a:r>
-              <a:rPr lang="en-AU" altLang="en-US" dirty="0" smtClean="0">
-                <a:latin typeface="Lucida Console" panose="020B0609040504020204" pitchFamily="49" charset="0"/>
-              </a:rPr>
-              <a:t>        </a:t>
-            </a:r>
-            <a:r>
-              <a:rPr lang="en-AU" altLang="en-US" dirty="0" err="1" smtClean="0">
-                <a:latin typeface="Lucida Console" panose="020B0609040504020204" pitchFamily="49" charset="0"/>
-              </a:rPr>
-              <a:t>addi</a:t>
-            </a:r>
-            <a:r>
-              <a:rPr lang="en-AU" altLang="en-US" dirty="0" smtClean="0">
-                <a:latin typeface="Lucida Console" panose="020B0609040504020204" pitchFamily="49" charset="0"/>
-              </a:rPr>
-              <a:t>   x5,x5,1      </a:t>
-            </a:r>
-            <a:r>
-              <a:rPr lang="en-AU" altLang="en-US" dirty="0" smtClean="0">
+              <a:rPr lang="en-AU" altLang="en-US" sz="6200" dirty="0" smtClean="0">
+                <a:latin typeface="Lucida Console" panose="020B0609040504020204" pitchFamily="49" charset="0"/>
+              </a:rPr>
+              <a:t>           </a:t>
+            </a:r>
+            <a:r>
+              <a:rPr lang="en-AU" altLang="en-US" sz="6200" dirty="0" err="1" smtClean="0">
+                <a:latin typeface="Lucida Console" panose="020B0609040504020204" pitchFamily="49" charset="0"/>
+              </a:rPr>
+              <a:t>fld</a:t>
+            </a:r>
+            <a:r>
+              <a:rPr lang="en-AU" altLang="en-US" sz="6200" dirty="0" smtClean="0">
+                <a:latin typeface="Lucida Console" panose="020B0609040504020204" pitchFamily="49" charset="0"/>
+              </a:rPr>
+              <a:t>   f1,0(x29)    </a:t>
+            </a:r>
+            <a:r>
+              <a:rPr lang="en-AU" altLang="en-US" sz="6200" dirty="0" smtClean="0">
                 <a:solidFill>
                   <a:schemeClr val="accent6">
                     <a:lumMod val="75000"/>
@@ -11162,125 +10394,8 @@
                 </a:solidFill>
                 <a:latin typeface="Lucida Console" panose="020B0609040504020204" pitchFamily="49" charset="0"/>
               </a:rPr>
-              <a:t>// </a:t>
-            </a:r>
-            <a:r>
-              <a:rPr lang="en-AU" altLang="en-US" dirty="0" err="1" smtClean="0">
-                <a:solidFill>
-                  <a:schemeClr val="accent6">
-                    <a:lumMod val="75000"/>
-                  </a:schemeClr>
-                </a:solidFill>
-                <a:latin typeface="Lucida Console" panose="020B0609040504020204" pitchFamily="49" charset="0"/>
-              </a:rPr>
-              <a:t>i</a:t>
-            </a:r>
-            <a:r>
-              <a:rPr lang="en-AU" altLang="en-US" dirty="0" smtClean="0">
-                <a:solidFill>
-                  <a:schemeClr val="accent6">
-                    <a:lumMod val="75000"/>
-                  </a:schemeClr>
-                </a:solidFill>
-                <a:latin typeface="Lucida Console" panose="020B0609040504020204" pitchFamily="49" charset="0"/>
-              </a:rPr>
-              <a:t> = </a:t>
-            </a:r>
-            <a:r>
-              <a:rPr lang="en-AU" altLang="en-US" dirty="0" err="1" smtClean="0">
-                <a:solidFill>
-                  <a:schemeClr val="accent6">
-                    <a:lumMod val="75000"/>
-                  </a:schemeClr>
-                </a:solidFill>
-                <a:latin typeface="Lucida Console" panose="020B0609040504020204" pitchFamily="49" charset="0"/>
-              </a:rPr>
-              <a:t>i</a:t>
-            </a:r>
-            <a:r>
-              <a:rPr lang="en-AU" altLang="en-US" dirty="0" smtClean="0">
-                <a:solidFill>
-                  <a:schemeClr val="accent6">
-                    <a:lumMod val="75000"/>
-                  </a:schemeClr>
-                </a:solidFill>
-                <a:latin typeface="Lucida Console" panose="020B0609040504020204" pitchFamily="49" charset="0"/>
-              </a:rPr>
-              <a:t> + 1</a:t>
-            </a:r>
-          </a:p>
-          <a:p>
-            <a:pPr marL="690563" indent="-690563">
-              <a:lnSpc>
-                <a:spcPct val="120000"/>
-              </a:lnSpc>
-              <a:spcBef>
-                <a:spcPts val="0"/>
-              </a:spcBef>
-              <a:buNone/>
-              <a:tabLst>
-                <a:tab pos="1147763" algn="l"/>
-              </a:tabLst>
-              <a:defRPr/>
-            </a:pPr>
-            <a:r>
-              <a:rPr lang="en-AU" altLang="en-US" dirty="0" smtClean="0">
-                <a:latin typeface="Lucida Console" panose="020B0609040504020204" pitchFamily="49" charset="0"/>
-              </a:rPr>
-              <a:t>        </a:t>
-            </a:r>
-            <a:r>
-              <a:rPr lang="en-AU" altLang="en-US" dirty="0" err="1" smtClean="0">
-                <a:latin typeface="Lucida Console" panose="020B0609040504020204" pitchFamily="49" charset="0"/>
-              </a:rPr>
-              <a:t>bltu</a:t>
-            </a:r>
-            <a:r>
-              <a:rPr lang="en-AU" altLang="en-US" dirty="0" smtClean="0">
-                <a:latin typeface="Lucida Console" panose="020B0609040504020204" pitchFamily="49" charset="0"/>
-              </a:rPr>
-              <a:t>   x5,x28,L1    </a:t>
-            </a:r>
-            <a:r>
-              <a:rPr lang="en-AU" altLang="en-US" dirty="0" smtClean="0">
-                <a:solidFill>
-                  <a:schemeClr val="accent6">
-                    <a:lumMod val="75000"/>
-                  </a:schemeClr>
-                </a:solidFill>
-                <a:latin typeface="Lucida Console" panose="020B0609040504020204" pitchFamily="49" charset="0"/>
-              </a:rPr>
-              <a:t>// if (</a:t>
-            </a:r>
-            <a:r>
-              <a:rPr lang="en-AU" altLang="en-US" dirty="0" err="1" smtClean="0">
-                <a:solidFill>
-                  <a:schemeClr val="accent6">
-                    <a:lumMod val="75000"/>
-                  </a:schemeClr>
-                </a:solidFill>
-                <a:latin typeface="Lucida Console" panose="020B0609040504020204" pitchFamily="49" charset="0"/>
-              </a:rPr>
-              <a:t>i</a:t>
-            </a:r>
-            <a:r>
-              <a:rPr lang="en-AU" altLang="en-US" dirty="0" smtClean="0">
-                <a:solidFill>
-                  <a:schemeClr val="accent6">
-                    <a:lumMod val="75000"/>
-                  </a:schemeClr>
-                </a:solidFill>
-                <a:latin typeface="Lucida Console" panose="020B0609040504020204" pitchFamily="49" charset="0"/>
-              </a:rPr>
-              <a:t> &lt; 32) go to L1</a:t>
-            </a:r>
-            <a:endParaRPr lang="ru-RU" dirty="0">
-              <a:solidFill>
-                <a:schemeClr val="accent6">
-                  <a:lumMod val="75000"/>
-                </a:schemeClr>
-              </a:solidFill>
-            </a:endParaRPr>
+              <a:t>// f1 = b[k][j]</a:t>
+            </a:r>
           </a:p>
         </p:txBody>
       </p:sp>
@@ -11367,63 +10482,903 @@
             <p:ph idx="1"/>
           </p:nvPr>
         </p:nvSpPr>
-        <p:spPr>
-          <a:xfrm>
-            <a:off x="838200" y="1178053"/>
-            <a:ext cx="10515600" cy="5305874"/>
-          </a:xfrm>
-        </p:spPr>
+        <p:spPr/>
         <p:txBody>
           <a:bodyPr>
-            <a:noAutofit/>
+            <a:normAutofit fontScale="55000" lnSpcReduction="20000"/>
           </a:bodyPr>
           <a:lstStyle/>
           <a:p>
-            <a:r>
-              <a:rPr lang="en-US" altLang="en-US" dirty="0" smtClean="0"/>
-              <a:t>IEEE Std 754 specifies additional rounding control</a:t>
-            </a:r>
-          </a:p>
-          <a:p>
-            <a:pPr lvl="1"/>
-            <a:r>
-              <a:rPr lang="en-US" altLang="en-US" dirty="0" smtClean="0"/>
-              <a:t>Extra bits of precision (guard, round, sticky)</a:t>
-            </a:r>
-          </a:p>
-          <a:p>
-            <a:pPr lvl="1"/>
-            <a:r>
-              <a:rPr lang="en-US" altLang="en-US" dirty="0" smtClean="0"/>
-              <a:t>Choice of rounding modes</a:t>
-            </a:r>
-          </a:p>
-          <a:p>
-            <a:pPr lvl="1"/>
-            <a:r>
-              <a:rPr lang="en-US" altLang="en-US" dirty="0" smtClean="0"/>
-              <a:t>Allows programmer to fine-tune numerical behavior of a computation</a:t>
-            </a:r>
-          </a:p>
-          <a:p>
-            <a:r>
-              <a:rPr lang="en-US" altLang="en-US" dirty="0" smtClean="0"/>
-              <a:t>Not all FP units implement all options</a:t>
-            </a:r>
-          </a:p>
-          <a:p>
-            <a:pPr lvl="1"/>
-            <a:r>
-              <a:rPr lang="en-US" altLang="en-US" dirty="0" smtClean="0"/>
-              <a:t>Most programming languages and FP libraries just use defaults</a:t>
-            </a:r>
-          </a:p>
-          <a:p>
-            <a:r>
-              <a:rPr lang="en-US" altLang="en-US" dirty="0" smtClean="0"/>
-              <a:t>Trade-off between hardware complexity, performance, and market requirements</a:t>
-            </a:r>
-            <a:endParaRPr lang="en-AU" altLang="en-US" dirty="0" smtClean="0"/>
+            <a:pPr marL="690563" indent="-690563">
+              <a:lnSpc>
+                <a:spcPct val="120000"/>
+              </a:lnSpc>
+              <a:spcBef>
+                <a:spcPts val="0"/>
+              </a:spcBef>
+              <a:buNone/>
+              <a:tabLst>
+                <a:tab pos="1147763" algn="l"/>
+              </a:tabLst>
+              <a:defRPr/>
+            </a:pPr>
+            <a:r>
+              <a:rPr lang="en-US" altLang="en-US" dirty="0" smtClean="0">
+                <a:latin typeface="Lucida Console" panose="020B0609040504020204" pitchFamily="49" charset="0"/>
+              </a:rPr>
+              <a:t> …</a:t>
+            </a:r>
+          </a:p>
+          <a:p>
+            <a:pPr marL="690563" indent="-690563">
+              <a:lnSpc>
+                <a:spcPct val="120000"/>
+              </a:lnSpc>
+              <a:spcBef>
+                <a:spcPts val="0"/>
+              </a:spcBef>
+              <a:buNone/>
+              <a:tabLst>
+                <a:tab pos="1147763" algn="l"/>
+              </a:tabLst>
+              <a:defRPr/>
+            </a:pPr>
+            <a:r>
+              <a:rPr lang="en-US" altLang="en-US" dirty="0" smtClean="0">
+                <a:latin typeface="Lucida Console" panose="020B0609040504020204" pitchFamily="49" charset="0"/>
+              </a:rPr>
+              <a:t>        </a:t>
+            </a:r>
+            <a:r>
+              <a:rPr lang="en-US" altLang="en-US" dirty="0" err="1" smtClean="0">
+                <a:latin typeface="Lucida Console" panose="020B0609040504020204" pitchFamily="49" charset="0"/>
+              </a:rPr>
+              <a:t>slli</a:t>
+            </a:r>
+            <a:r>
+              <a:rPr lang="en-US" altLang="en-US" dirty="0" smtClean="0">
+                <a:latin typeface="Lucida Console" panose="020B0609040504020204" pitchFamily="49" charset="0"/>
+              </a:rPr>
+              <a:t>   x29,x5,5     </a:t>
+            </a:r>
+            <a:r>
+              <a:rPr lang="en-US" altLang="en-US" dirty="0" smtClean="0">
+                <a:solidFill>
+                  <a:schemeClr val="accent6">
+                    <a:lumMod val="75000"/>
+                  </a:schemeClr>
+                </a:solidFill>
+                <a:latin typeface="Lucida Console" panose="020B0609040504020204" pitchFamily="49" charset="0"/>
+              </a:rPr>
+              <a:t>// x29 = </a:t>
+            </a:r>
+            <a:r>
+              <a:rPr lang="en-US" altLang="en-US" dirty="0" err="1" smtClean="0">
+                <a:solidFill>
+                  <a:schemeClr val="accent6">
+                    <a:lumMod val="75000"/>
+                  </a:schemeClr>
+                </a:solidFill>
+                <a:latin typeface="Lucida Console" panose="020B0609040504020204" pitchFamily="49" charset="0"/>
+              </a:rPr>
+              <a:t>i</a:t>
+            </a:r>
+            <a:r>
+              <a:rPr lang="en-US" altLang="en-US" dirty="0" smtClean="0">
+                <a:solidFill>
+                  <a:schemeClr val="accent6">
+                    <a:lumMod val="75000"/>
+                  </a:schemeClr>
+                </a:solidFill>
+                <a:latin typeface="Lucida Console" panose="020B0609040504020204" pitchFamily="49" charset="0"/>
+              </a:rPr>
+              <a:t> * 2**5 (size of row of a)</a:t>
+            </a:r>
+          </a:p>
+          <a:p>
+            <a:pPr marL="690563" indent="-690563">
+              <a:lnSpc>
+                <a:spcPct val="120000"/>
+              </a:lnSpc>
+              <a:spcBef>
+                <a:spcPts val="0"/>
+              </a:spcBef>
+              <a:buNone/>
+              <a:tabLst>
+                <a:tab pos="1147763" algn="l"/>
+              </a:tabLst>
+              <a:defRPr/>
+            </a:pPr>
+            <a:r>
+              <a:rPr lang="en-US" altLang="en-US" dirty="0" smtClean="0">
+                <a:latin typeface="Lucida Console" panose="020B0609040504020204" pitchFamily="49" charset="0"/>
+              </a:rPr>
+              <a:t>        add    x29,x29,x7   </a:t>
+            </a:r>
+            <a:r>
+              <a:rPr lang="en-US" altLang="en-US" dirty="0" smtClean="0">
+                <a:solidFill>
+                  <a:schemeClr val="accent6">
+                    <a:lumMod val="75000"/>
+                  </a:schemeClr>
+                </a:solidFill>
+                <a:latin typeface="Lucida Console" panose="020B0609040504020204" pitchFamily="49" charset="0"/>
+              </a:rPr>
+              <a:t>// x29 = </a:t>
+            </a:r>
+            <a:r>
+              <a:rPr lang="en-US" altLang="en-US" dirty="0" err="1" smtClean="0">
+                <a:solidFill>
+                  <a:schemeClr val="accent6">
+                    <a:lumMod val="75000"/>
+                  </a:schemeClr>
+                </a:solidFill>
+                <a:latin typeface="Lucida Console" panose="020B0609040504020204" pitchFamily="49" charset="0"/>
+              </a:rPr>
+              <a:t>i</a:t>
+            </a:r>
+            <a:r>
+              <a:rPr lang="en-US" altLang="en-US" dirty="0" smtClean="0">
+                <a:solidFill>
+                  <a:schemeClr val="accent6">
+                    <a:lumMod val="75000"/>
+                  </a:schemeClr>
+                </a:solidFill>
+                <a:latin typeface="Lucida Console" panose="020B0609040504020204" pitchFamily="49" charset="0"/>
+              </a:rPr>
+              <a:t> * size(row) + k</a:t>
+            </a:r>
+          </a:p>
+          <a:p>
+            <a:pPr marL="690563" indent="-690563">
+              <a:lnSpc>
+                <a:spcPct val="120000"/>
+              </a:lnSpc>
+              <a:spcBef>
+                <a:spcPts val="0"/>
+              </a:spcBef>
+              <a:buNone/>
+              <a:tabLst>
+                <a:tab pos="1147763" algn="l"/>
+              </a:tabLst>
+              <a:defRPr/>
+            </a:pPr>
+            <a:r>
+              <a:rPr lang="en-US" altLang="en-US" dirty="0" smtClean="0">
+                <a:latin typeface="Lucida Console" panose="020B0609040504020204" pitchFamily="49" charset="0"/>
+              </a:rPr>
+              <a:t>        </a:t>
+            </a:r>
+            <a:r>
+              <a:rPr lang="en-US" altLang="en-US" dirty="0" err="1" smtClean="0">
+                <a:latin typeface="Lucida Console" panose="020B0609040504020204" pitchFamily="49" charset="0"/>
+              </a:rPr>
+              <a:t>slli</a:t>
+            </a:r>
+            <a:r>
+              <a:rPr lang="en-US" altLang="en-US" dirty="0" smtClean="0">
+                <a:latin typeface="Lucida Console" panose="020B0609040504020204" pitchFamily="49" charset="0"/>
+              </a:rPr>
+              <a:t>   x29,x29,3    </a:t>
+            </a:r>
+            <a:r>
+              <a:rPr lang="en-US" altLang="en-US" dirty="0" smtClean="0">
+                <a:solidFill>
+                  <a:schemeClr val="accent6">
+                    <a:lumMod val="75000"/>
+                  </a:schemeClr>
+                </a:solidFill>
+                <a:latin typeface="Lucida Console" panose="020B0609040504020204" pitchFamily="49" charset="0"/>
+              </a:rPr>
+              <a:t>// x29 = byte offset of [</a:t>
+            </a:r>
+            <a:r>
+              <a:rPr lang="en-US" altLang="en-US" dirty="0" err="1" smtClean="0">
+                <a:solidFill>
+                  <a:schemeClr val="accent6">
+                    <a:lumMod val="75000"/>
+                  </a:schemeClr>
+                </a:solidFill>
+                <a:latin typeface="Lucida Console" panose="020B0609040504020204" pitchFamily="49" charset="0"/>
+              </a:rPr>
+              <a:t>i</a:t>
+            </a:r>
+            <a:r>
+              <a:rPr lang="en-US" altLang="en-US" dirty="0" smtClean="0">
+                <a:solidFill>
+                  <a:schemeClr val="accent6">
+                    <a:lumMod val="75000"/>
+                  </a:schemeClr>
+                </a:solidFill>
+                <a:latin typeface="Lucida Console" panose="020B0609040504020204" pitchFamily="49" charset="0"/>
+              </a:rPr>
+              <a:t>][k]</a:t>
+            </a:r>
+          </a:p>
+          <a:p>
+            <a:pPr marL="690563" indent="-690563">
+              <a:lnSpc>
+                <a:spcPct val="120000"/>
+              </a:lnSpc>
+              <a:spcBef>
+                <a:spcPts val="0"/>
+              </a:spcBef>
+              <a:buNone/>
+              <a:tabLst>
+                <a:tab pos="1147763" algn="l"/>
+              </a:tabLst>
+              <a:defRPr/>
+            </a:pPr>
+            <a:r>
+              <a:rPr lang="en-US" altLang="en-US" dirty="0" smtClean="0">
+                <a:latin typeface="Lucida Console" panose="020B0609040504020204" pitchFamily="49" charset="0"/>
+              </a:rPr>
+              <a:t>        add    x29,x11,x29  </a:t>
+            </a:r>
+            <a:r>
+              <a:rPr lang="en-US" altLang="en-US" dirty="0" smtClean="0">
+                <a:solidFill>
+                  <a:schemeClr val="accent6">
+                    <a:lumMod val="75000"/>
+                  </a:schemeClr>
+                </a:solidFill>
+                <a:latin typeface="Lucida Console" panose="020B0609040504020204" pitchFamily="49" charset="0"/>
+              </a:rPr>
+              <a:t>// x29 = byte address of a[</a:t>
+            </a:r>
+            <a:r>
+              <a:rPr lang="en-US" altLang="en-US" dirty="0" err="1" smtClean="0">
+                <a:solidFill>
+                  <a:schemeClr val="accent6">
+                    <a:lumMod val="75000"/>
+                  </a:schemeClr>
+                </a:solidFill>
+                <a:latin typeface="Lucida Console" panose="020B0609040504020204" pitchFamily="49" charset="0"/>
+              </a:rPr>
+              <a:t>i</a:t>
+            </a:r>
+            <a:r>
+              <a:rPr lang="en-US" altLang="en-US" dirty="0" smtClean="0">
+                <a:solidFill>
+                  <a:schemeClr val="accent6">
+                    <a:lumMod val="75000"/>
+                  </a:schemeClr>
+                </a:solidFill>
+                <a:latin typeface="Lucida Console" panose="020B0609040504020204" pitchFamily="49" charset="0"/>
+              </a:rPr>
+              <a:t>][k]</a:t>
+            </a:r>
+          </a:p>
+          <a:p>
+            <a:pPr marL="690563" indent="-690563">
+              <a:lnSpc>
+                <a:spcPct val="120000"/>
+              </a:lnSpc>
+              <a:spcBef>
+                <a:spcPts val="0"/>
+              </a:spcBef>
+              <a:buNone/>
+              <a:tabLst>
+                <a:tab pos="1147763" algn="l"/>
+              </a:tabLst>
+              <a:defRPr/>
+            </a:pPr>
+            <a:r>
+              <a:rPr lang="en-US" altLang="en-US" dirty="0" smtClean="0">
+                <a:latin typeface="Lucida Console" panose="020B0609040504020204" pitchFamily="49" charset="0"/>
+              </a:rPr>
+              <a:t>        </a:t>
+            </a:r>
+            <a:r>
+              <a:rPr lang="en-US" altLang="en-US" dirty="0" err="1" smtClean="0">
+                <a:latin typeface="Lucida Console" panose="020B0609040504020204" pitchFamily="49" charset="0"/>
+              </a:rPr>
+              <a:t>fld</a:t>
+            </a:r>
+            <a:r>
+              <a:rPr lang="en-US" altLang="en-US" dirty="0" smtClean="0">
+                <a:latin typeface="Lucida Console" panose="020B0609040504020204" pitchFamily="49" charset="0"/>
+              </a:rPr>
+              <a:t>    f2,0(x29)    </a:t>
+            </a:r>
+            <a:r>
+              <a:rPr lang="en-US" altLang="en-US" dirty="0" smtClean="0">
+                <a:solidFill>
+                  <a:schemeClr val="accent6">
+                    <a:lumMod val="75000"/>
+                  </a:schemeClr>
+                </a:solidFill>
+                <a:latin typeface="Lucida Console" panose="020B0609040504020204" pitchFamily="49" charset="0"/>
+              </a:rPr>
+              <a:t>// f2 = a[</a:t>
+            </a:r>
+            <a:r>
+              <a:rPr lang="en-US" altLang="en-US" dirty="0" err="1" smtClean="0">
+                <a:solidFill>
+                  <a:schemeClr val="accent6">
+                    <a:lumMod val="75000"/>
+                  </a:schemeClr>
+                </a:solidFill>
+                <a:latin typeface="Lucida Console" panose="020B0609040504020204" pitchFamily="49" charset="0"/>
+              </a:rPr>
+              <a:t>i</a:t>
+            </a:r>
+            <a:r>
+              <a:rPr lang="en-US" altLang="en-US" dirty="0" smtClean="0">
+                <a:solidFill>
+                  <a:schemeClr val="accent6">
+                    <a:lumMod val="75000"/>
+                  </a:schemeClr>
+                </a:solidFill>
+                <a:latin typeface="Lucida Console" panose="020B0609040504020204" pitchFamily="49" charset="0"/>
+              </a:rPr>
+              <a:t>][k]</a:t>
+            </a:r>
+          </a:p>
+          <a:p>
+            <a:pPr marL="690563" indent="-690563">
+              <a:lnSpc>
+                <a:spcPct val="120000"/>
+              </a:lnSpc>
+              <a:spcBef>
+                <a:spcPts val="0"/>
+              </a:spcBef>
+              <a:buNone/>
+              <a:tabLst>
+                <a:tab pos="1147763" algn="l"/>
+              </a:tabLst>
+              <a:defRPr/>
+            </a:pPr>
+            <a:r>
+              <a:rPr lang="en-AU" altLang="en-US" dirty="0" smtClean="0">
+                <a:latin typeface="Lucida Console" panose="020B0609040504020204" pitchFamily="49" charset="0"/>
+              </a:rPr>
+              <a:t>        </a:t>
+            </a:r>
+            <a:r>
+              <a:rPr lang="en-AU" altLang="en-US" dirty="0" err="1" smtClean="0">
+                <a:latin typeface="Lucida Console" panose="020B0609040504020204" pitchFamily="49" charset="0"/>
+              </a:rPr>
+              <a:t>fmul.d</a:t>
+            </a:r>
+            <a:r>
+              <a:rPr lang="en-AU" altLang="en-US" dirty="0" smtClean="0">
+                <a:latin typeface="Lucida Console" panose="020B0609040504020204" pitchFamily="49" charset="0"/>
+              </a:rPr>
+              <a:t> f1, f2, f1   </a:t>
+            </a:r>
+            <a:r>
+              <a:rPr lang="en-AU" altLang="en-US" dirty="0" smtClean="0">
+                <a:solidFill>
+                  <a:schemeClr val="accent6">
+                    <a:lumMod val="75000"/>
+                  </a:schemeClr>
+                </a:solidFill>
+                <a:latin typeface="Lucida Console" panose="020B0609040504020204" pitchFamily="49" charset="0"/>
+              </a:rPr>
+              <a:t>// f1 = a[</a:t>
+            </a:r>
+            <a:r>
+              <a:rPr lang="en-AU" altLang="en-US" dirty="0" err="1" smtClean="0">
+                <a:solidFill>
+                  <a:schemeClr val="accent6">
+                    <a:lumMod val="75000"/>
+                  </a:schemeClr>
+                </a:solidFill>
+                <a:latin typeface="Lucida Console" panose="020B0609040504020204" pitchFamily="49" charset="0"/>
+              </a:rPr>
+              <a:t>i</a:t>
+            </a:r>
+            <a:r>
+              <a:rPr lang="en-AU" altLang="en-US" dirty="0" smtClean="0">
+                <a:solidFill>
+                  <a:schemeClr val="accent6">
+                    <a:lumMod val="75000"/>
+                  </a:schemeClr>
+                </a:solidFill>
+                <a:latin typeface="Lucida Console" panose="020B0609040504020204" pitchFamily="49" charset="0"/>
+              </a:rPr>
+              <a:t>][k] * b[k][j]</a:t>
+            </a:r>
+          </a:p>
+          <a:p>
+            <a:pPr marL="690563" indent="-690563">
+              <a:lnSpc>
+                <a:spcPct val="120000"/>
+              </a:lnSpc>
+              <a:spcBef>
+                <a:spcPts val="0"/>
+              </a:spcBef>
+              <a:buNone/>
+              <a:tabLst>
+                <a:tab pos="1147763" algn="l"/>
+              </a:tabLst>
+              <a:defRPr/>
+            </a:pPr>
+            <a:r>
+              <a:rPr lang="en-AU" altLang="en-US" dirty="0" smtClean="0">
+                <a:latin typeface="Lucida Console" panose="020B0609040504020204" pitchFamily="49" charset="0"/>
+              </a:rPr>
+              <a:t>        </a:t>
+            </a:r>
+            <a:r>
+              <a:rPr lang="en-AU" altLang="en-US" dirty="0" err="1" smtClean="0">
+                <a:latin typeface="Lucida Console" panose="020B0609040504020204" pitchFamily="49" charset="0"/>
+              </a:rPr>
+              <a:t>fadd.d</a:t>
+            </a:r>
+            <a:r>
+              <a:rPr lang="en-AU" altLang="en-US" dirty="0" smtClean="0">
+                <a:latin typeface="Lucida Console" panose="020B0609040504020204" pitchFamily="49" charset="0"/>
+              </a:rPr>
+              <a:t> f0, f0, f1   </a:t>
+            </a:r>
+            <a:r>
+              <a:rPr lang="en-AU" altLang="en-US" dirty="0" smtClean="0">
+                <a:solidFill>
+                  <a:schemeClr val="accent6">
+                    <a:lumMod val="75000"/>
+                  </a:schemeClr>
+                </a:solidFill>
+                <a:latin typeface="Lucida Console" panose="020B0609040504020204" pitchFamily="49" charset="0"/>
+              </a:rPr>
+              <a:t>// f0 = c[</a:t>
+            </a:r>
+            <a:r>
+              <a:rPr lang="en-AU" altLang="en-US" dirty="0" err="1" smtClean="0">
+                <a:solidFill>
+                  <a:schemeClr val="accent6">
+                    <a:lumMod val="75000"/>
+                  </a:schemeClr>
+                </a:solidFill>
+                <a:latin typeface="Lucida Console" panose="020B0609040504020204" pitchFamily="49" charset="0"/>
+              </a:rPr>
+              <a:t>i</a:t>
+            </a:r>
+            <a:r>
+              <a:rPr lang="en-AU" altLang="en-US" dirty="0" smtClean="0">
+                <a:solidFill>
+                  <a:schemeClr val="accent6">
+                    <a:lumMod val="75000"/>
+                  </a:schemeClr>
+                </a:solidFill>
+                <a:latin typeface="Lucida Console" panose="020B0609040504020204" pitchFamily="49" charset="0"/>
+              </a:rPr>
+              <a:t>][j] + a[</a:t>
+            </a:r>
+            <a:r>
+              <a:rPr lang="en-AU" altLang="en-US" dirty="0" err="1" smtClean="0">
+                <a:solidFill>
+                  <a:schemeClr val="accent6">
+                    <a:lumMod val="75000"/>
+                  </a:schemeClr>
+                </a:solidFill>
+                <a:latin typeface="Lucida Console" panose="020B0609040504020204" pitchFamily="49" charset="0"/>
+              </a:rPr>
+              <a:t>i</a:t>
+            </a:r>
+            <a:r>
+              <a:rPr lang="en-AU" altLang="en-US" dirty="0" smtClean="0">
+                <a:solidFill>
+                  <a:schemeClr val="accent6">
+                    <a:lumMod val="75000"/>
+                  </a:schemeClr>
+                </a:solidFill>
+                <a:latin typeface="Lucida Console" panose="020B0609040504020204" pitchFamily="49" charset="0"/>
+              </a:rPr>
+              <a:t>][k] * b[k][j]</a:t>
+            </a:r>
+          </a:p>
+          <a:p>
+            <a:pPr marL="690563" indent="-690563">
+              <a:lnSpc>
+                <a:spcPct val="120000"/>
+              </a:lnSpc>
+              <a:spcBef>
+                <a:spcPts val="0"/>
+              </a:spcBef>
+              <a:buNone/>
+              <a:tabLst>
+                <a:tab pos="1147763" algn="l"/>
+              </a:tabLst>
+              <a:defRPr/>
+            </a:pPr>
+            <a:r>
+              <a:rPr lang="en-US" altLang="en-US" dirty="0" smtClean="0">
+                <a:latin typeface="Lucida Console" panose="020B0609040504020204" pitchFamily="49" charset="0"/>
+              </a:rPr>
+              <a:t>        </a:t>
+            </a:r>
+            <a:r>
+              <a:rPr lang="en-US" altLang="en-US" dirty="0" err="1" smtClean="0">
+                <a:latin typeface="Lucida Console" panose="020B0609040504020204" pitchFamily="49" charset="0"/>
+              </a:rPr>
+              <a:t>addi</a:t>
+            </a:r>
+            <a:r>
+              <a:rPr lang="en-US" altLang="en-US" dirty="0" smtClean="0">
+                <a:latin typeface="Lucida Console" panose="020B0609040504020204" pitchFamily="49" charset="0"/>
+              </a:rPr>
+              <a:t>   x7,x7,1      </a:t>
+            </a:r>
+            <a:r>
+              <a:rPr lang="en-US" altLang="en-US" dirty="0" smtClean="0">
+                <a:solidFill>
+                  <a:schemeClr val="accent6">
+                    <a:lumMod val="75000"/>
+                  </a:schemeClr>
+                </a:solidFill>
+                <a:latin typeface="Lucida Console" panose="020B0609040504020204" pitchFamily="49" charset="0"/>
+              </a:rPr>
+              <a:t>// k = k + 1</a:t>
+            </a:r>
+          </a:p>
+          <a:p>
+            <a:pPr marL="690563" indent="-690563">
+              <a:lnSpc>
+                <a:spcPct val="120000"/>
+              </a:lnSpc>
+              <a:spcBef>
+                <a:spcPts val="0"/>
+              </a:spcBef>
+              <a:buNone/>
+              <a:tabLst>
+                <a:tab pos="1147763" algn="l"/>
+              </a:tabLst>
+              <a:defRPr/>
+            </a:pPr>
+            <a:r>
+              <a:rPr lang="en-US" altLang="en-US" dirty="0" smtClean="0">
+                <a:latin typeface="Lucida Console" panose="020B0609040504020204" pitchFamily="49" charset="0"/>
+              </a:rPr>
+              <a:t>        </a:t>
+            </a:r>
+            <a:r>
+              <a:rPr lang="en-US" altLang="en-US" dirty="0" err="1" smtClean="0">
+                <a:latin typeface="Lucida Console" panose="020B0609040504020204" pitchFamily="49" charset="0"/>
+              </a:rPr>
+              <a:t>bltu</a:t>
+            </a:r>
+            <a:r>
+              <a:rPr lang="en-US" altLang="en-US" dirty="0" smtClean="0">
+                <a:latin typeface="Lucida Console" panose="020B0609040504020204" pitchFamily="49" charset="0"/>
+              </a:rPr>
+              <a:t>   x7,x28,L3    </a:t>
+            </a:r>
+            <a:r>
+              <a:rPr lang="en-US" altLang="en-US" dirty="0" smtClean="0">
+                <a:solidFill>
+                  <a:schemeClr val="accent6">
+                    <a:lumMod val="75000"/>
+                  </a:schemeClr>
+                </a:solidFill>
+                <a:latin typeface="Lucida Console" panose="020B0609040504020204" pitchFamily="49" charset="0"/>
+              </a:rPr>
+              <a:t>// if (k &lt; 32) go to L3</a:t>
+            </a:r>
+          </a:p>
+          <a:p>
+            <a:pPr marL="690563" indent="-690563">
+              <a:lnSpc>
+                <a:spcPct val="120000"/>
+              </a:lnSpc>
+              <a:spcBef>
+                <a:spcPts val="0"/>
+              </a:spcBef>
+              <a:buNone/>
+              <a:tabLst>
+                <a:tab pos="1147763" algn="l"/>
+              </a:tabLst>
+              <a:defRPr/>
+            </a:pPr>
+            <a:r>
+              <a:rPr lang="en-US" altLang="en-US" dirty="0" smtClean="0">
+                <a:latin typeface="Lucida Console" panose="020B0609040504020204" pitchFamily="49" charset="0"/>
+              </a:rPr>
+              <a:t>        </a:t>
+            </a:r>
+            <a:r>
+              <a:rPr lang="en-US" altLang="en-US" dirty="0" err="1" smtClean="0">
+                <a:latin typeface="Lucida Console" panose="020B0609040504020204" pitchFamily="49" charset="0"/>
+              </a:rPr>
+              <a:t>fsd</a:t>
+            </a:r>
+            <a:r>
+              <a:rPr lang="en-US" altLang="en-US" dirty="0" smtClean="0">
+                <a:latin typeface="Lucida Console" panose="020B0609040504020204" pitchFamily="49" charset="0"/>
+              </a:rPr>
+              <a:t>    f0,0(x30)    </a:t>
+            </a:r>
+            <a:r>
+              <a:rPr lang="en-US" altLang="en-US" dirty="0" smtClean="0">
+                <a:solidFill>
+                  <a:schemeClr val="accent6">
+                    <a:lumMod val="75000"/>
+                  </a:schemeClr>
+                </a:solidFill>
+                <a:latin typeface="Lucida Console" panose="020B0609040504020204" pitchFamily="49" charset="0"/>
+              </a:rPr>
+              <a:t>// c[</a:t>
+            </a:r>
+            <a:r>
+              <a:rPr lang="en-US" altLang="en-US" dirty="0" err="1" smtClean="0">
+                <a:solidFill>
+                  <a:schemeClr val="accent6">
+                    <a:lumMod val="75000"/>
+                  </a:schemeClr>
+                </a:solidFill>
+                <a:latin typeface="Lucida Console" panose="020B0609040504020204" pitchFamily="49" charset="0"/>
+              </a:rPr>
+              <a:t>i</a:t>
+            </a:r>
+            <a:r>
+              <a:rPr lang="en-US" altLang="en-US" dirty="0" smtClean="0">
+                <a:solidFill>
+                  <a:schemeClr val="accent6">
+                    <a:lumMod val="75000"/>
+                  </a:schemeClr>
+                </a:solidFill>
+                <a:latin typeface="Lucida Console" panose="020B0609040504020204" pitchFamily="49" charset="0"/>
+              </a:rPr>
+              <a:t>][j] = f0</a:t>
+            </a:r>
+            <a:endParaRPr lang="en-AU" altLang="en-US" dirty="0" smtClean="0">
+              <a:solidFill>
+                <a:schemeClr val="accent6">
+                  <a:lumMod val="75000"/>
+                </a:schemeClr>
+              </a:solidFill>
+              <a:latin typeface="Lucida Console" panose="020B0609040504020204" pitchFamily="49" charset="0"/>
+            </a:endParaRPr>
+          </a:p>
+          <a:p>
+            <a:pPr marL="690563" indent="-690563">
+              <a:lnSpc>
+                <a:spcPct val="120000"/>
+              </a:lnSpc>
+              <a:spcBef>
+                <a:spcPts val="0"/>
+              </a:spcBef>
+              <a:buNone/>
+              <a:tabLst>
+                <a:tab pos="1147763" algn="l"/>
+              </a:tabLst>
+              <a:defRPr/>
+            </a:pPr>
+            <a:r>
+              <a:rPr lang="en-AU" altLang="en-US" dirty="0" smtClean="0">
+                <a:latin typeface="Lucida Console" panose="020B0609040504020204" pitchFamily="49" charset="0"/>
+              </a:rPr>
+              <a:t>        </a:t>
+            </a:r>
+            <a:r>
+              <a:rPr lang="en-AU" altLang="en-US" dirty="0" err="1" smtClean="0">
+                <a:latin typeface="Lucida Console" panose="020B0609040504020204" pitchFamily="49" charset="0"/>
+              </a:rPr>
+              <a:t>addi</a:t>
+            </a:r>
+            <a:r>
+              <a:rPr lang="en-AU" altLang="en-US" dirty="0" smtClean="0">
+                <a:latin typeface="Lucida Console" panose="020B0609040504020204" pitchFamily="49" charset="0"/>
+              </a:rPr>
+              <a:t>   x6,x6,1      </a:t>
+            </a:r>
+            <a:r>
+              <a:rPr lang="en-AU" altLang="en-US" dirty="0" smtClean="0">
+                <a:solidFill>
+                  <a:schemeClr val="accent6">
+                    <a:lumMod val="75000"/>
+                  </a:schemeClr>
+                </a:solidFill>
+                <a:latin typeface="Lucida Console" panose="020B0609040504020204" pitchFamily="49" charset="0"/>
+              </a:rPr>
+              <a:t>// j = j + 1</a:t>
+            </a:r>
+          </a:p>
+          <a:p>
+            <a:pPr marL="690563" indent="-690563">
+              <a:lnSpc>
+                <a:spcPct val="120000"/>
+              </a:lnSpc>
+              <a:spcBef>
+                <a:spcPts val="0"/>
+              </a:spcBef>
+              <a:buNone/>
+              <a:tabLst>
+                <a:tab pos="1147763" algn="l"/>
+              </a:tabLst>
+              <a:defRPr/>
+            </a:pPr>
+            <a:r>
+              <a:rPr lang="en-AU" altLang="en-US" dirty="0" smtClean="0">
+                <a:latin typeface="Lucida Console" panose="020B0609040504020204" pitchFamily="49" charset="0"/>
+              </a:rPr>
+              <a:t>        </a:t>
+            </a:r>
+            <a:r>
+              <a:rPr lang="en-AU" altLang="en-US" dirty="0" err="1" smtClean="0">
+                <a:latin typeface="Lucida Console" panose="020B0609040504020204" pitchFamily="49" charset="0"/>
+              </a:rPr>
+              <a:t>bltu</a:t>
+            </a:r>
+            <a:r>
+              <a:rPr lang="en-AU" altLang="en-US" dirty="0" smtClean="0">
+                <a:latin typeface="Lucida Console" panose="020B0609040504020204" pitchFamily="49" charset="0"/>
+              </a:rPr>
+              <a:t>   x6,x28,L2    </a:t>
+            </a:r>
+            <a:r>
+              <a:rPr lang="en-AU" altLang="en-US" dirty="0" smtClean="0">
+                <a:solidFill>
+                  <a:schemeClr val="accent6">
+                    <a:lumMod val="75000"/>
+                  </a:schemeClr>
+                </a:solidFill>
+                <a:latin typeface="Lucida Console" panose="020B0609040504020204" pitchFamily="49" charset="0"/>
+              </a:rPr>
+              <a:t>// if (j &lt; 32) go to L2</a:t>
+            </a:r>
+          </a:p>
+          <a:p>
+            <a:pPr marL="690563" indent="-690563">
+              <a:lnSpc>
+                <a:spcPct val="120000"/>
+              </a:lnSpc>
+              <a:spcBef>
+                <a:spcPts val="0"/>
+              </a:spcBef>
+              <a:buNone/>
+              <a:tabLst>
+                <a:tab pos="1147763" algn="l"/>
+              </a:tabLst>
+              <a:defRPr/>
+            </a:pPr>
+            <a:r>
+              <a:rPr lang="en-AU" altLang="en-US" dirty="0" smtClean="0">
+                <a:latin typeface="Lucida Console" panose="020B0609040504020204" pitchFamily="49" charset="0"/>
+              </a:rPr>
+              <a:t>        </a:t>
+            </a:r>
+            <a:r>
+              <a:rPr lang="en-AU" altLang="en-US" dirty="0" err="1" smtClean="0">
+                <a:latin typeface="Lucida Console" panose="020B0609040504020204" pitchFamily="49" charset="0"/>
+              </a:rPr>
+              <a:t>addi</a:t>
+            </a:r>
+            <a:r>
+              <a:rPr lang="en-AU" altLang="en-US" dirty="0" smtClean="0">
+                <a:latin typeface="Lucida Console" panose="020B0609040504020204" pitchFamily="49" charset="0"/>
+              </a:rPr>
+              <a:t>   x5,x5,1      </a:t>
+            </a:r>
+            <a:r>
+              <a:rPr lang="en-AU" altLang="en-US" dirty="0" smtClean="0">
+                <a:solidFill>
+                  <a:schemeClr val="accent6">
+                    <a:lumMod val="75000"/>
+                  </a:schemeClr>
+                </a:solidFill>
+                <a:latin typeface="Lucida Console" panose="020B0609040504020204" pitchFamily="49" charset="0"/>
+              </a:rPr>
+              <a:t>// </a:t>
+            </a:r>
+            <a:r>
+              <a:rPr lang="en-AU" altLang="en-US" dirty="0" err="1" smtClean="0">
+                <a:solidFill>
+                  <a:schemeClr val="accent6">
+                    <a:lumMod val="75000"/>
+                  </a:schemeClr>
+                </a:solidFill>
+                <a:latin typeface="Lucida Console" panose="020B0609040504020204" pitchFamily="49" charset="0"/>
+              </a:rPr>
+              <a:t>i</a:t>
+            </a:r>
+            <a:r>
+              <a:rPr lang="en-AU" altLang="en-US" dirty="0" smtClean="0">
+                <a:solidFill>
+                  <a:schemeClr val="accent6">
+                    <a:lumMod val="75000"/>
+                  </a:schemeClr>
+                </a:solidFill>
+                <a:latin typeface="Lucida Console" panose="020B0609040504020204" pitchFamily="49" charset="0"/>
+              </a:rPr>
+              <a:t> = </a:t>
+            </a:r>
+            <a:r>
+              <a:rPr lang="en-AU" altLang="en-US" dirty="0" err="1" smtClean="0">
+                <a:solidFill>
+                  <a:schemeClr val="accent6">
+                    <a:lumMod val="75000"/>
+                  </a:schemeClr>
+                </a:solidFill>
+                <a:latin typeface="Lucida Console" panose="020B0609040504020204" pitchFamily="49" charset="0"/>
+              </a:rPr>
+              <a:t>i</a:t>
+            </a:r>
+            <a:r>
+              <a:rPr lang="en-AU" altLang="en-US" dirty="0" smtClean="0">
+                <a:solidFill>
+                  <a:schemeClr val="accent6">
+                    <a:lumMod val="75000"/>
+                  </a:schemeClr>
+                </a:solidFill>
+                <a:latin typeface="Lucida Console" panose="020B0609040504020204" pitchFamily="49" charset="0"/>
+              </a:rPr>
+              <a:t> + 1</a:t>
+            </a:r>
+          </a:p>
+          <a:p>
+            <a:pPr marL="690563" indent="-690563">
+              <a:lnSpc>
+                <a:spcPct val="120000"/>
+              </a:lnSpc>
+              <a:spcBef>
+                <a:spcPts val="0"/>
+              </a:spcBef>
+              <a:buNone/>
+              <a:tabLst>
+                <a:tab pos="1147763" algn="l"/>
+              </a:tabLst>
+              <a:defRPr/>
+            </a:pPr>
+            <a:r>
+              <a:rPr lang="en-AU" altLang="en-US" dirty="0" smtClean="0">
+                <a:latin typeface="Lucida Console" panose="020B0609040504020204" pitchFamily="49" charset="0"/>
+              </a:rPr>
+              <a:t>        </a:t>
+            </a:r>
+            <a:r>
+              <a:rPr lang="en-AU" altLang="en-US" dirty="0" err="1" smtClean="0">
+                <a:latin typeface="Lucida Console" panose="020B0609040504020204" pitchFamily="49" charset="0"/>
+              </a:rPr>
+              <a:t>bltu</a:t>
+            </a:r>
+            <a:r>
+              <a:rPr lang="en-AU" altLang="en-US" dirty="0" smtClean="0">
+                <a:latin typeface="Lucida Console" panose="020B0609040504020204" pitchFamily="49" charset="0"/>
+              </a:rPr>
+              <a:t>   x5,x28,L1    </a:t>
+            </a:r>
+            <a:r>
+              <a:rPr lang="en-AU" altLang="en-US" dirty="0" smtClean="0">
+                <a:solidFill>
+                  <a:schemeClr val="accent6">
+                    <a:lumMod val="75000"/>
+                  </a:schemeClr>
+                </a:solidFill>
+                <a:latin typeface="Lucida Console" panose="020B0609040504020204" pitchFamily="49" charset="0"/>
+              </a:rPr>
+              <a:t>// if (</a:t>
+            </a:r>
+            <a:r>
+              <a:rPr lang="en-AU" altLang="en-US" dirty="0" err="1" smtClean="0">
+                <a:solidFill>
+                  <a:schemeClr val="accent6">
+                    <a:lumMod val="75000"/>
+                  </a:schemeClr>
+                </a:solidFill>
+                <a:latin typeface="Lucida Console" panose="020B0609040504020204" pitchFamily="49" charset="0"/>
+              </a:rPr>
+              <a:t>i</a:t>
+            </a:r>
+            <a:r>
+              <a:rPr lang="en-AU" altLang="en-US" dirty="0" smtClean="0">
+                <a:solidFill>
+                  <a:schemeClr val="accent6">
+                    <a:lumMod val="75000"/>
+                  </a:schemeClr>
+                </a:solidFill>
+                <a:latin typeface="Lucida Console" panose="020B0609040504020204" pitchFamily="49" charset="0"/>
+              </a:rPr>
+              <a:t> &lt; 32) go to L1</a:t>
+            </a:r>
+            <a:endParaRPr lang="ru-RU" dirty="0">
+              <a:solidFill>
+                <a:schemeClr val="accent6">
+                  <a:lumMod val="75000"/>
+                </a:schemeClr>
+              </a:solidFill>
+            </a:endParaRPr>
           </a:p>
         </p:txBody>
       </p:sp>
@@ -11469,7 +11424,7 @@
           <a:p>
             <a:r>
               <a:rPr lang="en-US" altLang="en-US" dirty="0" smtClean="0"/>
-              <a:t>Accurate Arithmetic</a:t>
+              <a:t>FP Example: Array Multiplication</a:t>
             </a:r>
             <a:endParaRPr lang="ru-RU" dirty="0"/>
           </a:p>
@@ -11513,59 +11468,60 @@
         <p:spPr>
           <a:xfrm>
             <a:off x="838200" y="1178053"/>
-            <a:ext cx="10515600" cy="4902113"/>
+            <a:ext cx="10515600" cy="5305874"/>
           </a:xfrm>
         </p:spPr>
         <p:txBody>
           <a:bodyPr>
-            <a:normAutofit/>
+            <a:noAutofit/>
           </a:bodyPr>
           <a:lstStyle/>
           <a:p>
             <a:r>
-              <a:rPr lang="en-AU" altLang="en-US" dirty="0" smtClean="0"/>
-              <a:t>Parallel programs may interleave operations in unexpected orders</a:t>
+              <a:rPr lang="en-US" altLang="en-US" dirty="0" smtClean="0"/>
+              <a:t>IEEE Std 754 specifies additional rounding control</a:t>
             </a:r>
           </a:p>
           <a:p>
             <a:pPr lvl="1"/>
             <a:r>
-              <a:rPr lang="en-AU" altLang="en-US" dirty="0" smtClean="0"/>
-              <a:t>Assumptions of </a:t>
-            </a:r>
-            <a:r>
-              <a:rPr lang="en-AU" altLang="en-US" dirty="0" err="1" smtClean="0"/>
-              <a:t>associativity</a:t>
-            </a:r>
-            <a:r>
-              <a:rPr lang="en-AU" altLang="en-US" dirty="0" smtClean="0"/>
-              <a:t> may fail</a:t>
+              <a:rPr lang="en-US" altLang="en-US" dirty="0" smtClean="0"/>
+              <a:t>Extra bits of precision (guard, round, sticky)</a:t>
             </a:r>
           </a:p>
           <a:p>
             <a:pPr lvl="1"/>
+            <a:r>
+              <a:rPr lang="en-US" altLang="en-US" dirty="0" smtClean="0"/>
+              <a:t>Choice of rounding modes</a:t>
+            </a:r>
+          </a:p>
+          <a:p>
+            <a:pPr lvl="1"/>
+            <a:r>
+              <a:rPr lang="en-US" altLang="en-US" dirty="0" smtClean="0"/>
+              <a:t>Allows programmer to fine-tune numerical behavior of a computation</a:t>
+            </a:r>
+          </a:p>
+          <a:p>
+            <a:r>
+              <a:rPr lang="en-US" altLang="en-US" dirty="0" smtClean="0"/>
+              <a:t>Not all FP units implement all options</a:t>
+            </a:r>
+          </a:p>
+          <a:p>
+            <a:pPr lvl="1"/>
+            <a:r>
+              <a:rPr lang="en-US" altLang="en-US" dirty="0" smtClean="0"/>
+              <a:t>Most programming languages and FP libraries just use defaults</a:t>
+            </a:r>
+          </a:p>
+          <a:p>
+            <a:r>
+              <a:rPr lang="en-US" altLang="en-US" dirty="0" smtClean="0"/>
+              <a:t>Trade-off between hardware complexity, performance, and market requirements</a:t>
+            </a:r>
             <a:endParaRPr lang="en-AU" altLang="en-US" dirty="0" smtClean="0"/>
-          </a:p>
-          <a:p>
-            <a:pPr lvl="1"/>
-            <a:endParaRPr lang="en-AU" altLang="en-US" dirty="0" smtClean="0"/>
-          </a:p>
-          <a:p>
-            <a:pPr lvl="1"/>
-            <a:endParaRPr lang="en-AU" altLang="en-US" dirty="0" smtClean="0"/>
-          </a:p>
-          <a:p>
-            <a:pPr lvl="1"/>
-            <a:endParaRPr lang="en-AU" altLang="en-US" dirty="0" smtClean="0"/>
-          </a:p>
-          <a:p>
-            <a:r>
-              <a:rPr lang="en-AU" altLang="en-US" dirty="0" smtClean="0"/>
-              <a:t>Need to validate parallel programs under varying degrees of parallelism</a:t>
-            </a:r>
-          </a:p>
-          <a:p>
-            <a:endParaRPr lang="ru-RU" dirty="0"/>
           </a:p>
         </p:txBody>
       </p:sp>
@@ -11589,6 +11545,148 @@
               <a:rPr lang="ru-RU" smtClean="0"/>
               <a:pPr algn="ctr"/>
               <a:t>26</a:t>
+            </a:fld>
+            <a:endParaRPr lang="ru-RU" dirty="0"/>
+          </a:p>
+        </p:txBody>
+      </p:sp>
+      <p:sp>
+        <p:nvSpPr>
+          <p:cNvPr id="4" name="Заголовок 3"/>
+          <p:cNvSpPr>
+            <a:spLocks noGrp="1"/>
+          </p:cNvSpPr>
+          <p:nvPr>
+            <p:ph type="title"/>
+          </p:nvPr>
+        </p:nvSpPr>
+        <p:spPr/>
+        <p:txBody>
+          <a:bodyPr/>
+          <a:lstStyle/>
+          <a:p>
+            <a:r>
+              <a:rPr lang="en-US" altLang="en-US" dirty="0" smtClean="0"/>
+              <a:t>Accurate Arithmetic</a:t>
+            </a:r>
+            <a:endParaRPr lang="ru-RU" dirty="0"/>
+          </a:p>
+        </p:txBody>
+      </p:sp>
+    </p:spTree>
+  </p:cSld>
+  <p:clrMapOvr>
+    <a:masterClrMapping/>
+  </p:clrMapOvr>
+</p:sld>
+</file>
+
+<file path=ppt/slides/slide27.xml><?xml version="1.0" encoding="utf-8"?>
+<p:sld xmlns:a="http://schemas.openxmlformats.org/drawingml/2006/main" xmlns:r="http://schemas.openxmlformats.org/officeDocument/2006/relationships" xmlns:p="http://schemas.openxmlformats.org/presentationml/2006/main">
+  <p:cSld>
+    <p:spTree>
+      <p:nvGrpSpPr>
+        <p:cNvPr id="1" name=""/>
+        <p:cNvGrpSpPr/>
+        <p:nvPr/>
+      </p:nvGrpSpPr>
+      <p:grpSpPr>
+        <a:xfrm>
+          <a:off x="0" y="0"/>
+          <a:ext cx="0" cy="0"/>
+          <a:chOff x="0" y="0"/>
+          <a:chExt cx="0" cy="0"/>
+        </a:xfrm>
+      </p:grpSpPr>
+      <p:sp>
+        <p:nvSpPr>
+          <p:cNvPr id="2" name="Содержимое 1"/>
+          <p:cNvSpPr>
+            <a:spLocks noGrp="1"/>
+          </p:cNvSpPr>
+          <p:nvPr>
+            <p:ph idx="1"/>
+          </p:nvPr>
+        </p:nvSpPr>
+        <p:spPr>
+          <a:xfrm>
+            <a:off x="838200" y="1178053"/>
+            <a:ext cx="10515600" cy="4902113"/>
+          </a:xfrm>
+        </p:spPr>
+        <p:txBody>
+          <a:bodyPr>
+            <a:normAutofit/>
+          </a:bodyPr>
+          <a:lstStyle/>
+          <a:p>
+            <a:r>
+              <a:rPr lang="en-AU" altLang="en-US" dirty="0" smtClean="0"/>
+              <a:t>Parallel programs may interleave operations in unexpected orders</a:t>
+            </a:r>
+          </a:p>
+          <a:p>
+            <a:pPr lvl="1"/>
+            <a:r>
+              <a:rPr lang="en-AU" altLang="en-US" dirty="0" smtClean="0"/>
+              <a:t>Assumptions of </a:t>
+            </a:r>
+            <a:r>
+              <a:rPr lang="en-AU" altLang="en-US" dirty="0" err="1" smtClean="0"/>
+              <a:t>associativity</a:t>
+            </a:r>
+            <a:r>
+              <a:rPr lang="en-AU" altLang="en-US" dirty="0" smtClean="0"/>
+              <a:t> may fail</a:t>
+            </a:r>
+          </a:p>
+          <a:p>
+            <a:pPr lvl="1"/>
+            <a:endParaRPr lang="en-AU" altLang="en-US" dirty="0" smtClean="0"/>
+          </a:p>
+          <a:p>
+            <a:pPr lvl="1"/>
+            <a:endParaRPr lang="en-AU" altLang="en-US" dirty="0" smtClean="0"/>
+          </a:p>
+          <a:p>
+            <a:pPr lvl="1"/>
+            <a:endParaRPr lang="en-AU" altLang="en-US" dirty="0" smtClean="0"/>
+          </a:p>
+          <a:p>
+            <a:pPr lvl="1"/>
+            <a:endParaRPr lang="en-AU" altLang="en-US" dirty="0" smtClean="0"/>
+          </a:p>
+          <a:p>
+            <a:r>
+              <a:rPr lang="en-AU" altLang="en-US" dirty="0" smtClean="0"/>
+              <a:t>Need to validate parallel programs under varying degrees of parallelism</a:t>
+            </a:r>
+          </a:p>
+          <a:p>
+            <a:endParaRPr lang="ru-RU" dirty="0"/>
+          </a:p>
+        </p:txBody>
+      </p:sp>
+      <p:sp>
+        <p:nvSpPr>
+          <p:cNvPr id="3" name="Номер слайда 2"/>
+          <p:cNvSpPr>
+            <a:spLocks noGrp="1"/>
+          </p:cNvSpPr>
+          <p:nvPr>
+            <p:ph type="sldNum" sz="quarter" idx="12"/>
+          </p:nvPr>
+        </p:nvSpPr>
+        <p:spPr/>
+        <p:txBody>
+          <a:bodyPr/>
+          <a:lstStyle/>
+          <a:p>
+            <a:pPr algn="ctr"/>
+            <a:fld id="{1397BFD8-F312-4EF2-A268-44FB4BDDBBB0}" type="slidenum">
+              <a:rPr lang="ru-RU" smtClean="0"/>
+              <a:pPr algn="ctr"/>
+              <a:t>27</a:t>
             </a:fld>
             <a:endParaRPr lang="ru-RU" dirty="0"/>
           </a:p>
@@ -11652,162 +11750,6 @@
 </p:sld>
 </file>
 
-<file path=ppt/slides/slide27.xml><?xml version="1.0" encoding="utf-8"?>
-<p:sld xmlns:a="http://schemas.openxmlformats.org/drawingml/2006/main" xmlns:r="http://schemas.openxmlformats.org/officeDocument/2006/relationships" xmlns:p="http://schemas.openxmlformats.org/presentationml/2006/main">
-  <p:cSld>
-    <p:spTree>
-      <p:nvGrpSpPr>
-        <p:cNvPr id="1" name=""/>
-        <p:cNvGrpSpPr/>
-        <p:nvPr/>
-      </p:nvGrpSpPr>
-      <p:grpSpPr>
-        <a:xfrm>
-          <a:off x="0" y="0"/>
-          <a:ext cx="0" cy="0"/>
-          <a:chOff x="0" y="0"/>
-          <a:chExt cx="0" cy="0"/>
-        </a:xfrm>
-      </p:grpSpPr>
-      <p:sp>
-        <p:nvSpPr>
-          <p:cNvPr id="2" name="Содержимое 1"/>
-          <p:cNvSpPr>
-            <a:spLocks noGrp="1"/>
-          </p:cNvSpPr>
-          <p:nvPr>
-            <p:ph idx="1"/>
-          </p:nvPr>
-        </p:nvSpPr>
-        <p:spPr/>
-        <p:txBody>
-          <a:bodyPr/>
-          <a:lstStyle/>
-          <a:p>
-            <a:r>
-              <a:rPr lang="en-US" altLang="en-US" dirty="0" smtClean="0"/>
-              <a:t>Important for scientific code</a:t>
-            </a:r>
-          </a:p>
-          <a:p>
-            <a:pPr lvl="1"/>
-            <a:r>
-              <a:rPr lang="en-US" altLang="en-US" dirty="0" smtClean="0"/>
-              <a:t>But for everyday consumer use?</a:t>
-            </a:r>
-          </a:p>
-          <a:p>
-            <a:pPr lvl="2"/>
-            <a:r>
-              <a:rPr lang="en-US" altLang="en-US" dirty="0" smtClean="0"/>
-              <a:t>“My bank balance is out by 0.0002¢!” </a:t>
-            </a:r>
-            <a:r>
-              <a:rPr lang="en-US" altLang="en-US" dirty="0" smtClean="0">
-                <a:sym typeface="Wingdings" pitchFamily="2" charset="2"/>
-              </a:rPr>
-              <a:t></a:t>
-            </a:r>
-          </a:p>
-          <a:p>
-            <a:pPr lvl="2"/>
-            <a:endParaRPr lang="en-US" altLang="en-US" dirty="0" smtClean="0">
-              <a:sym typeface="Wingdings" pitchFamily="2" charset="2"/>
-            </a:endParaRPr>
-          </a:p>
-          <a:p>
-            <a:r>
-              <a:rPr lang="en-US" altLang="en-US" dirty="0" smtClean="0"/>
-              <a:t>The Intel Pentium FDIV bug</a:t>
-            </a:r>
-          </a:p>
-          <a:p>
-            <a:pPr lvl="1"/>
-            <a:r>
-              <a:rPr lang="en-US" altLang="en-US" dirty="0" smtClean="0"/>
-              <a:t>The market expects accuracy</a:t>
-            </a:r>
-          </a:p>
-          <a:p>
-            <a:pPr lvl="1"/>
-            <a:r>
-              <a:rPr lang="en-US" altLang="en-US" dirty="0" smtClean="0"/>
-              <a:t>See Colwell, </a:t>
-            </a:r>
-            <a:r>
-              <a:rPr lang="en-US" altLang="en-US" i="1" dirty="0" smtClean="0"/>
-              <a:t>The Pentium Chronicles</a:t>
-            </a:r>
-            <a:endParaRPr lang="en-US" altLang="en-US" dirty="0" smtClean="0"/>
-          </a:p>
-          <a:p>
-            <a:endParaRPr lang="ru-RU" dirty="0"/>
-          </a:p>
-        </p:txBody>
-      </p:sp>
-      <p:sp>
-        <p:nvSpPr>
-          <p:cNvPr id="3" name="Номер слайда 2"/>
-          <p:cNvSpPr>
-            <a:spLocks noGrp="1"/>
-          </p:cNvSpPr>
-          <p:nvPr>
-            <p:ph type="sldNum" sz="quarter" idx="12"/>
-          </p:nvPr>
-        </p:nvSpPr>
-        <p:spPr/>
-        <p:txBody>
-          <a:bodyPr/>
-          <a:lstStyle/>
-          <a:p>
-            <a:pPr algn="ctr"/>
-            <a:fld id="{1397BFD8-F312-4EF2-A268-44FB4BDDBBB0}" type="slidenum">
-              <a:rPr lang="ru-RU" smtClean="0"/>
-              <a:pPr algn="ctr"/>
-              <a:t>27</a:t>
-            </a:fld>
-            <a:endParaRPr lang="ru-RU" dirty="0"/>
-          </a:p>
-        </p:txBody>
-      </p:sp>
-      <p:sp>
-        <p:nvSpPr>
-          <p:cNvPr id="4" name="Заголовок 3"/>
-          <p:cNvSpPr>
-            <a:spLocks noGrp="1"/>
-          </p:cNvSpPr>
-          <p:nvPr>
-            <p:ph type="title"/>
-          </p:nvPr>
-        </p:nvSpPr>
-        <p:spPr/>
-        <p:txBody>
-          <a:bodyPr/>
-          <a:lstStyle/>
-          <a:p>
-            <a:r>
-              <a:rPr lang="en-US" altLang="en-US" dirty="0" smtClean="0"/>
-              <a:t>Who Cares About FP Accuracy?</a:t>
-            </a:r>
-            <a:endParaRPr lang="ru-RU" dirty="0"/>
-          </a:p>
-        </p:txBody>
-      </p:sp>
-    </p:spTree>
-  </p:cSld>
-  <p:clrMapOvr>
-    <a:masterClrMapping/>
-  </p:clrMapOvr>
-  <p:timing>
-    <p:tnLst>
-      <p:par>
-        <p:cTn id="1" dur="indefinite" restart="never" nodeType="tmRoot"/>
-      </p:par>
-    </p:tnLst>
-  </p:timing>
-</p:sld>
-</file>
-
 <file path=ppt/slides/slide28.xml><?xml version="1.0" encoding="utf-8"?>
 <p:sld xmlns:a="http://schemas.openxmlformats.org/drawingml/2006/main" xmlns:r="http://schemas.openxmlformats.org/officeDocument/2006/relationships" xmlns:p="http://schemas.openxmlformats.org/presentationml/2006/main">
   <p:cSld>
@@ -11841,40 +11783,60 @@
           <a:lstStyle/>
           <a:p>
             <a:r>
-              <a:rPr lang="en-AU" altLang="en-US" dirty="0" smtClean="0"/>
-              <a:t>Bits have no inherent meaning</a:t>
+              <a:rPr lang="en-US" altLang="en-US" dirty="0" smtClean="0"/>
+              <a:t>Important for scientific code</a:t>
             </a:r>
           </a:p>
           <a:p>
             <a:pPr lvl="1"/>
             <a:r>
-              <a:rPr lang="en-AU" altLang="en-US" dirty="0" smtClean="0"/>
-              <a:t>Interpretation depends on the instructions applied</a:t>
+              <a:rPr lang="en-US" altLang="en-US" dirty="0" smtClean="0"/>
+              <a:t>But for everyday consumer use?</a:t>
+            </a:r>
+          </a:p>
+          <a:p>
+            <a:pPr lvl="2"/>
+            <a:r>
+              <a:rPr lang="en-US" altLang="en-US" dirty="0" smtClean="0"/>
+              <a:t>“My bank balance is out by 0.0002¢!” </a:t>
+            </a:r>
+            <a:r>
+              <a:rPr lang="en-US" altLang="en-US" dirty="0" smtClean="0">
+                <a:sym typeface="Wingdings" pitchFamily="2" charset="2"/>
+              </a:rPr>
+              <a:t></a:t>
+            </a:r>
+          </a:p>
+          <a:p>
+            <a:pPr lvl="2"/>
+            <a:endParaRPr lang="en-US" altLang="en-US" dirty="0" smtClean="0">
+              <a:sym typeface="Wingdings" pitchFamily="2" charset="2"/>
+            </a:endParaRPr>
+          </a:p>
+          <a:p>
+            <a:r>
+              <a:rPr lang="en-US" altLang="en-US" dirty="0" smtClean="0"/>
+              <a:t>The Intel Pentium FDIV bug</a:t>
             </a:r>
           </a:p>
           <a:p>
             <a:pPr lvl="1"/>
-            <a:endParaRPr lang="en-AU" altLang="en-US" dirty="0" smtClean="0"/>
-          </a:p>
-          <a:p>
-            <a:r>
-              <a:rPr lang="en-AU" altLang="en-US" dirty="0" smtClean="0"/>
-              <a:t>Computer representations of numbers</a:t>
+            <a:r>
+              <a:rPr lang="en-US" altLang="en-US" dirty="0" smtClean="0"/>
+              <a:t>The market expects accuracy</a:t>
             </a:r>
           </a:p>
           <a:p>
             <a:pPr lvl="1"/>
             <a:r>
-              <a:rPr lang="en-AU" altLang="en-US" dirty="0" smtClean="0"/>
-              <a:t>Finite range and precision</a:t>
-            </a:r>
-          </a:p>
-          <a:p>
-            <a:pPr lvl="1"/>
-            <a:r>
-              <a:rPr lang="en-AU" altLang="en-US" dirty="0" smtClean="0"/>
-              <a:t>Need to account for this in programs</a:t>
-            </a:r>
+              <a:rPr lang="en-US" altLang="en-US" dirty="0" smtClean="0"/>
+              <a:t>See Colwell, </a:t>
+            </a:r>
+            <a:r>
+              <a:rPr lang="en-US" altLang="en-US" i="1" dirty="0" smtClean="0"/>
+              <a:t>The Pentium Chronicles</a:t>
+            </a:r>
+            <a:endParaRPr lang="en-US" altLang="en-US" dirty="0" smtClean="0"/>
           </a:p>
           <a:p>
             <a:endParaRPr lang="ru-RU" dirty="0"/>
@@ -11923,7 +11885,7 @@
           <a:p>
             <a:r>
               <a:rPr lang="en-US" altLang="en-US" dirty="0" smtClean="0"/>
-              <a:t>Concluding Remarks</a:t>
+              <a:t>Who Cares About FP Accuracy?</a:t>
             </a:r>
             <a:endParaRPr lang="ru-RU" dirty="0"/>
           </a:p>
@@ -11977,44 +11939,39 @@
           <a:lstStyle/>
           <a:p>
             <a:r>
-              <a:rPr lang="en-US" altLang="en-US" dirty="0" smtClean="0"/>
-              <a:t>ISAs support arithmetic</a:t>
+              <a:rPr lang="en-AU" altLang="en-US" dirty="0" smtClean="0"/>
+              <a:t>Bits have no inherent meaning</a:t>
             </a:r>
           </a:p>
           <a:p>
             <a:pPr lvl="1"/>
             <a:r>
-              <a:rPr lang="en-US" altLang="en-US" dirty="0" smtClean="0"/>
-              <a:t>Signed and unsigned integers</a:t>
+              <a:rPr lang="en-AU" altLang="en-US" dirty="0" smtClean="0"/>
+              <a:t>Interpretation depends on the instructions applied</a:t>
             </a:r>
           </a:p>
           <a:p>
             <a:pPr lvl="1"/>
-            <a:r>
-              <a:rPr lang="en-US" altLang="en-US" dirty="0" smtClean="0"/>
-              <a:t>Floating-point approximation to </a:t>
-            </a:r>
-            <a:r>
-              <a:rPr lang="en-US" altLang="en-US" dirty="0" err="1" smtClean="0"/>
-              <a:t>reals</a:t>
-            </a:r>
-            <a:endParaRPr lang="en-US" altLang="en-US" dirty="0" smtClean="0"/>
+            <a:endParaRPr lang="en-AU" altLang="en-US" dirty="0" smtClean="0"/>
+          </a:p>
+          <a:p>
+            <a:r>
+              <a:rPr lang="en-AU" altLang="en-US" dirty="0" smtClean="0"/>
+              <a:t>Computer representations of numbers</a:t>
+            </a:r>
           </a:p>
           <a:p>
             <a:pPr lvl="1"/>
-            <a:endParaRPr lang="en-US" altLang="en-US" dirty="0" smtClean="0"/>
-          </a:p>
-          <a:p>
-            <a:r>
-              <a:rPr lang="en-US" altLang="en-US" dirty="0" smtClean="0"/>
-              <a:t>Bounded range and precision</a:t>
+            <a:r>
+              <a:rPr lang="en-AU" altLang="en-US" dirty="0" smtClean="0"/>
+              <a:t>Finite range and precision</a:t>
             </a:r>
           </a:p>
           <a:p>
             <a:pPr lvl="1"/>
             <a:r>
-              <a:rPr lang="en-US" altLang="en-US" dirty="0" smtClean="0"/>
-              <a:t>Operations can overflow and underflow</a:t>
+              <a:rPr lang="en-AU" altLang="en-US" dirty="0" smtClean="0"/>
+              <a:t>Need to account for this in programs</a:t>
             </a:r>
           </a:p>
           <a:p>
@@ -12275,6 +12232,147 @@
       </p:grpSpPr>
       <p:sp>
         <p:nvSpPr>
+          <p:cNvPr id="2" name="Содержимое 1"/>
+          <p:cNvSpPr>
+            <a:spLocks noGrp="1"/>
+          </p:cNvSpPr>
+          <p:nvPr>
+            <p:ph idx="1"/>
+          </p:nvPr>
+        </p:nvSpPr>
+        <p:spPr/>
+        <p:txBody>
+          <a:bodyPr/>
+          <a:lstStyle/>
+          <a:p>
+            <a:r>
+              <a:rPr lang="en-US" altLang="en-US" dirty="0" smtClean="0"/>
+              <a:t>ISAs support arithmetic</a:t>
+            </a:r>
+          </a:p>
+          <a:p>
+            <a:pPr lvl="1"/>
+            <a:r>
+              <a:rPr lang="en-US" altLang="en-US" dirty="0" smtClean="0"/>
+              <a:t>Signed and unsigned integers</a:t>
+            </a:r>
+          </a:p>
+          <a:p>
+            <a:pPr lvl="1"/>
+            <a:r>
+              <a:rPr lang="en-US" altLang="en-US" dirty="0" smtClean="0"/>
+              <a:t>Floating-point approximation to </a:t>
+            </a:r>
+            <a:r>
+              <a:rPr lang="en-US" altLang="en-US" dirty="0" err="1" smtClean="0"/>
+              <a:t>reals</a:t>
+            </a:r>
+            <a:endParaRPr lang="en-US" altLang="en-US" dirty="0" smtClean="0"/>
+          </a:p>
+          <a:p>
+            <a:pPr lvl="1"/>
+            <a:endParaRPr lang="en-US" altLang="en-US" dirty="0" smtClean="0"/>
+          </a:p>
+          <a:p>
+            <a:r>
+              <a:rPr lang="en-US" altLang="en-US" dirty="0" smtClean="0"/>
+              <a:t>Bounded range and precision</a:t>
+            </a:r>
+          </a:p>
+          <a:p>
+            <a:pPr lvl="1"/>
+            <a:r>
+              <a:rPr lang="en-US" altLang="en-US" dirty="0" smtClean="0"/>
+              <a:t>Operations can overflow and underflow</a:t>
+            </a:r>
+          </a:p>
+          <a:p>
+            <a:endParaRPr lang="ru-RU" dirty="0"/>
+          </a:p>
+        </p:txBody>
+      </p:sp>
+      <p:sp>
+        <p:nvSpPr>
+          <p:cNvPr id="3" name="Номер слайда 2"/>
+          <p:cNvSpPr>
+            <a:spLocks noGrp="1"/>
+          </p:cNvSpPr>
+          <p:nvPr>
+            <p:ph type="sldNum" sz="quarter" idx="12"/>
+          </p:nvPr>
+        </p:nvSpPr>
+        <p:spPr/>
+        <p:txBody>
+          <a:bodyPr/>
+          <a:lstStyle/>
+          <a:p>
+            <a:pPr algn="ctr"/>
+            <a:fld id="{1397BFD8-F312-4EF2-A268-44FB4BDDBBB0}" type="slidenum">
+              <a:rPr lang="ru-RU" smtClean="0"/>
+              <a:pPr algn="ctr"/>
+              <a:t>30</a:t>
+            </a:fld>
+            <a:endParaRPr lang="ru-RU" dirty="0"/>
+          </a:p>
+        </p:txBody>
+      </p:sp>
+      <p:sp>
+        <p:nvSpPr>
+          <p:cNvPr id="4" name="Заголовок 3"/>
+          <p:cNvSpPr>
+            <a:spLocks noGrp="1"/>
+          </p:cNvSpPr>
+          <p:nvPr>
+            <p:ph type="title"/>
+          </p:nvPr>
+        </p:nvSpPr>
+        <p:spPr/>
+        <p:txBody>
+          <a:bodyPr/>
+          <a:lstStyle/>
+          <a:p>
+            <a:r>
+              <a:rPr lang="en-US" altLang="en-US" dirty="0" smtClean="0"/>
+              <a:t>Concluding Remarks</a:t>
+            </a:r>
+            <a:endParaRPr lang="ru-RU" dirty="0"/>
+          </a:p>
+        </p:txBody>
+      </p:sp>
+    </p:spTree>
+  </p:cSld>
+  <p:clrMapOvr>
+    <a:masterClrMapping/>
+  </p:clrMapOvr>
+  <p:timing>
+    <p:tnLst>
+      <p:par>
+        <p:cTn id="1" dur="indefinite" restart="never" nodeType="tmRoot"/>
+      </p:par>
+    </p:tnLst>
+  </p:timing>
+</p:sld>
+</file>
+
+<file path=ppt/slides/slide31.xml><?xml version="1.0" encoding="utf-8"?>
+<p:sld xmlns:a="http://schemas.openxmlformats.org/drawingml/2006/main" xmlns:r="http://schemas.openxmlformats.org/officeDocument/2006/relationships" xmlns:p="http://schemas.openxmlformats.org/presentationml/2006/main">
+  <p:cSld>
+    <p:spTree>
+      <p:nvGrpSpPr>
+        <p:cNvPr id="1" name=""/>
+        <p:cNvGrpSpPr/>
+        <p:nvPr/>
+      </p:nvGrpSpPr>
+      <p:grpSpPr>
+        <a:xfrm>
+          <a:off x="0" y="0"/>
+          <a:ext cx="0" cy="0"/>
+          <a:chOff x="0" y="0"/>
+          <a:chExt cx="0" cy="0"/>
+        </a:xfrm>
+      </p:grpSpPr>
+      <p:sp>
+        <p:nvSpPr>
           <p:cNvPr id="4" name="Прямоугольник 3"/>
           <p:cNvSpPr/>
           <p:nvPr/>
@@ -12811,7 +12909,7 @@
             <a:fld id="{1397BFD8-F312-4EF2-A268-44FB4BDDBBB0}" type="slidenum">
               <a:rPr lang="ru-RU" smtClean="0"/>
               <a:pPr algn="ctr"/>
-              <a:t>30</a:t>
+              <a:t>31</a:t>
             </a:fld>
             <a:endParaRPr lang="ru-RU" dirty="0"/>
           </a:p>
@@ -12820,7 +12918,7 @@
     </p:spTree>
     <p:extLst>
       <p:ext uri="{BB962C8B-B14F-4D97-AF65-F5344CB8AC3E}">
-        <p14:creationId xmlns:p14="http://schemas.microsoft.com/office/powerpoint/2010/main" xmlns="" val="4217875043"/>
+        <p14:creationId xmlns="" xmlns:p14="http://schemas.microsoft.com/office/powerpoint/2010/main" val="4217875043"/>
       </p:ext>
     </p:extLst>
   </p:cSld>
@@ -15106,7 +15204,7 @@
   <a:extraClrSchemeLst/>
   <a:extLst>
     <a:ext uri="{05A4C25C-085E-4340-85A3-A5531E510DB2}">
-      <thm15:themeFamily xmlns:thm15="http://schemas.microsoft.com/office/thememl/2012/main" xmlns="" name="Office Theme" id="{62F939B6-93AF-4DB8-9C6B-D6C7DFDC589F}" vid="{4A3C46E8-61CC-4603-A589-7422A47A8E4A}"/>
+      <thm15:themeFamily xmlns="" xmlns:thm15="http://schemas.microsoft.com/office/thememl/2012/main" name="Office Theme" id="{62F939B6-93AF-4DB8-9C6B-D6C7DFDC589F}" vid="{4A3C46E8-61CC-4603-A589-7422A47A8E4A}"/>
     </a:ext>
   </a:extLst>
 </a:theme>
@@ -15367,7 +15465,7 @@
   <a:extraClrSchemeLst/>
   <a:extLst>
     <a:ext uri="{05A4C25C-085E-4340-85A3-A5531E510DB2}">
-      <thm15:themeFamily xmlns:thm15="http://schemas.microsoft.com/office/thememl/2012/main" xmlns="" name="Office Theme" id="{62F939B6-93AF-4DB8-9C6B-D6C7DFDC589F}" vid="{4A3C46E8-61CC-4603-A589-7422A47A8E4A}"/>
+      <thm15:themeFamily xmlns="" xmlns:thm15="http://schemas.microsoft.com/office/thememl/2012/main" name="Office Theme" id="{62F939B6-93AF-4DB8-9C6B-D6C7DFDC589F}" vid="{4A3C46E8-61CC-4603-A589-7422A47A8E4A}"/>
     </a:ext>
   </a:extLst>
 </a:theme>
@@ -15628,7 +15726,7 @@
   <a:extraClrSchemeLst/>
   <a:extLst>
     <a:ext uri="{05A4C25C-085E-4340-85A3-A5531E510DB2}">
-      <thm15:themeFamily xmlns:thm15="http://schemas.microsoft.com/office/thememl/2012/main" xmlns="" name="Office Theme" id="{62F939B6-93AF-4DB8-9C6B-D6C7DFDC589F}" vid="{4A3C46E8-61CC-4603-A589-7422A47A8E4A}"/>
+      <thm15:themeFamily xmlns="" xmlns:thm15="http://schemas.microsoft.com/office/thememl/2012/main" name="Office Theme" id="{62F939B6-93AF-4DB8-9C6B-D6C7DFDC589F}" vid="{4A3C46E8-61CC-4603-A589-7422A47A8E4A}"/>
     </a:ext>
   </a:extLst>
 </a:theme>
